--- a/프롬프트 시연.pptx
+++ b/프롬프트 시연.pptx
@@ -14,7 +14,7 @@
     <p:sldId id="259" r:id="rId8"/>
     <p:sldId id="260" r:id="rId9"/>
     <p:sldId id="262" r:id="rId10"/>
-    <p:sldId id="263" r:id="rId11"/>
+    <p:sldId id="312" r:id="rId11"/>
     <p:sldId id="264" r:id="rId12"/>
     <p:sldId id="266" r:id="rId13"/>
     <p:sldId id="268" r:id="rId14"/>
@@ -291,9 +291,9 @@
           <a:p>
             <a:fld id="{4A5A8114-1E97-441C-9068-A84206930F79}" type="datetimeFigureOut">
               <a:rPr lang="ko-KR" altLang="en-US" smtClean="0"/>
-              <a:t>2023-05-22</a:t>
+              <a:t>2023-05-23</a:t>
             </a:fld>
-            <a:endParaRPr lang="ko-KR" altLang="en-US"/>
+            <a:endParaRPr lang="ko-KR" altLang="en-US" dirty="0"/>
           </a:p>
         </p:txBody>
       </p:sp>
@@ -312,7 +312,7 @@
           <a:bodyPr/>
           <a:lstStyle/>
           <a:p>
-            <a:endParaRPr lang="ko-KR" altLang="en-US"/>
+            <a:endParaRPr lang="ko-KR" altLang="en-US" dirty="0"/>
           </a:p>
         </p:txBody>
       </p:sp>
@@ -335,7 +335,7 @@
               <a:rPr lang="ko-KR" altLang="en-US" smtClean="0"/>
               <a:t>‹#›</a:t>
             </a:fld>
-            <a:endParaRPr lang="ko-KR" altLang="en-US"/>
+            <a:endParaRPr lang="ko-KR" altLang="en-US" dirty="0"/>
           </a:p>
         </p:txBody>
       </p:sp>
@@ -459,9 +459,9 @@
           <a:p>
             <a:fld id="{4A5A8114-1E97-441C-9068-A84206930F79}" type="datetimeFigureOut">
               <a:rPr lang="ko-KR" altLang="en-US" smtClean="0"/>
-              <a:t>2023-05-22</a:t>
+              <a:t>2023-05-23</a:t>
             </a:fld>
-            <a:endParaRPr lang="ko-KR" altLang="en-US"/>
+            <a:endParaRPr lang="ko-KR" altLang="en-US" dirty="0"/>
           </a:p>
         </p:txBody>
       </p:sp>
@@ -480,7 +480,7 @@
           <a:bodyPr/>
           <a:lstStyle/>
           <a:p>
-            <a:endParaRPr lang="ko-KR" altLang="en-US"/>
+            <a:endParaRPr lang="ko-KR" altLang="en-US" dirty="0"/>
           </a:p>
         </p:txBody>
       </p:sp>
@@ -503,7 +503,7 @@
               <a:rPr lang="ko-KR" altLang="en-US" smtClean="0"/>
               <a:t>‹#›</a:t>
             </a:fld>
-            <a:endParaRPr lang="ko-KR" altLang="en-US"/>
+            <a:endParaRPr lang="ko-KR" altLang="en-US" dirty="0"/>
           </a:p>
         </p:txBody>
       </p:sp>
@@ -637,9 +637,9 @@
           <a:p>
             <a:fld id="{4A5A8114-1E97-441C-9068-A84206930F79}" type="datetimeFigureOut">
               <a:rPr lang="ko-KR" altLang="en-US" smtClean="0"/>
-              <a:t>2023-05-22</a:t>
+              <a:t>2023-05-23</a:t>
             </a:fld>
-            <a:endParaRPr lang="ko-KR" altLang="en-US"/>
+            <a:endParaRPr lang="ko-KR" altLang="en-US" dirty="0"/>
           </a:p>
         </p:txBody>
       </p:sp>
@@ -658,7 +658,7 @@
           <a:bodyPr/>
           <a:lstStyle/>
           <a:p>
-            <a:endParaRPr lang="ko-KR" altLang="en-US"/>
+            <a:endParaRPr lang="ko-KR" altLang="en-US" dirty="0"/>
           </a:p>
         </p:txBody>
       </p:sp>
@@ -681,7 +681,7 @@
               <a:rPr lang="ko-KR" altLang="en-US" smtClean="0"/>
               <a:t>‹#›</a:t>
             </a:fld>
-            <a:endParaRPr lang="ko-KR" altLang="en-US"/>
+            <a:endParaRPr lang="ko-KR" altLang="en-US" dirty="0"/>
           </a:p>
         </p:txBody>
       </p:sp>
@@ -805,9 +805,9 @@
           <a:p>
             <a:fld id="{4A5A8114-1E97-441C-9068-A84206930F79}" type="datetimeFigureOut">
               <a:rPr lang="ko-KR" altLang="en-US" smtClean="0"/>
-              <a:t>2023-05-22</a:t>
+              <a:t>2023-05-23</a:t>
             </a:fld>
-            <a:endParaRPr lang="ko-KR" altLang="en-US"/>
+            <a:endParaRPr lang="ko-KR" altLang="en-US" dirty="0"/>
           </a:p>
         </p:txBody>
       </p:sp>
@@ -826,7 +826,7 @@
           <a:bodyPr/>
           <a:lstStyle/>
           <a:p>
-            <a:endParaRPr lang="ko-KR" altLang="en-US"/>
+            <a:endParaRPr lang="ko-KR" altLang="en-US" dirty="0"/>
           </a:p>
         </p:txBody>
       </p:sp>
@@ -849,7 +849,7 @@
               <a:rPr lang="ko-KR" altLang="en-US" smtClean="0"/>
               <a:t>‹#›</a:t>
             </a:fld>
-            <a:endParaRPr lang="ko-KR" altLang="en-US"/>
+            <a:endParaRPr lang="ko-KR" altLang="en-US" dirty="0"/>
           </a:p>
         </p:txBody>
       </p:sp>
@@ -1050,9 +1050,9 @@
           <a:p>
             <a:fld id="{4A5A8114-1E97-441C-9068-A84206930F79}" type="datetimeFigureOut">
               <a:rPr lang="ko-KR" altLang="en-US" smtClean="0"/>
-              <a:t>2023-05-22</a:t>
+              <a:t>2023-05-23</a:t>
             </a:fld>
-            <a:endParaRPr lang="ko-KR" altLang="en-US"/>
+            <a:endParaRPr lang="ko-KR" altLang="en-US" dirty="0"/>
           </a:p>
         </p:txBody>
       </p:sp>
@@ -1071,7 +1071,7 @@
           <a:bodyPr/>
           <a:lstStyle/>
           <a:p>
-            <a:endParaRPr lang="ko-KR" altLang="en-US"/>
+            <a:endParaRPr lang="ko-KR" altLang="en-US" dirty="0"/>
           </a:p>
         </p:txBody>
       </p:sp>
@@ -1094,7 +1094,7 @@
               <a:rPr lang="ko-KR" altLang="en-US" smtClean="0"/>
               <a:t>‹#›</a:t>
             </a:fld>
-            <a:endParaRPr lang="ko-KR" altLang="en-US"/>
+            <a:endParaRPr lang="ko-KR" altLang="en-US" dirty="0"/>
           </a:p>
         </p:txBody>
       </p:sp>
@@ -1279,9 +1279,9 @@
           <a:p>
             <a:fld id="{4A5A8114-1E97-441C-9068-A84206930F79}" type="datetimeFigureOut">
               <a:rPr lang="ko-KR" altLang="en-US" smtClean="0"/>
-              <a:t>2023-05-22</a:t>
+              <a:t>2023-05-23</a:t>
             </a:fld>
-            <a:endParaRPr lang="ko-KR" altLang="en-US"/>
+            <a:endParaRPr lang="ko-KR" altLang="en-US" dirty="0"/>
           </a:p>
         </p:txBody>
       </p:sp>
@@ -1300,7 +1300,7 @@
           <a:bodyPr/>
           <a:lstStyle/>
           <a:p>
-            <a:endParaRPr lang="ko-KR" altLang="en-US"/>
+            <a:endParaRPr lang="ko-KR" altLang="en-US" dirty="0"/>
           </a:p>
         </p:txBody>
       </p:sp>
@@ -1323,7 +1323,7 @@
               <a:rPr lang="ko-KR" altLang="en-US" smtClean="0"/>
               <a:t>‹#›</a:t>
             </a:fld>
-            <a:endParaRPr lang="ko-KR" altLang="en-US"/>
+            <a:endParaRPr lang="ko-KR" altLang="en-US" dirty="0"/>
           </a:p>
         </p:txBody>
       </p:sp>
@@ -1643,9 +1643,9 @@
           <a:p>
             <a:fld id="{4A5A8114-1E97-441C-9068-A84206930F79}" type="datetimeFigureOut">
               <a:rPr lang="ko-KR" altLang="en-US" smtClean="0"/>
-              <a:t>2023-05-22</a:t>
+              <a:t>2023-05-23</a:t>
             </a:fld>
-            <a:endParaRPr lang="ko-KR" altLang="en-US"/>
+            <a:endParaRPr lang="ko-KR" altLang="en-US" dirty="0"/>
           </a:p>
         </p:txBody>
       </p:sp>
@@ -1664,7 +1664,7 @@
           <a:bodyPr/>
           <a:lstStyle/>
           <a:p>
-            <a:endParaRPr lang="ko-KR" altLang="en-US"/>
+            <a:endParaRPr lang="ko-KR" altLang="en-US" dirty="0"/>
           </a:p>
         </p:txBody>
       </p:sp>
@@ -1687,7 +1687,7 @@
               <a:rPr lang="ko-KR" altLang="en-US" smtClean="0"/>
               <a:t>‹#›</a:t>
             </a:fld>
-            <a:endParaRPr lang="ko-KR" altLang="en-US"/>
+            <a:endParaRPr lang="ko-KR" altLang="en-US" dirty="0"/>
           </a:p>
         </p:txBody>
       </p:sp>
@@ -1760,9 +1760,9 @@
           <a:p>
             <a:fld id="{4A5A8114-1E97-441C-9068-A84206930F79}" type="datetimeFigureOut">
               <a:rPr lang="ko-KR" altLang="en-US" smtClean="0"/>
-              <a:t>2023-05-22</a:t>
+              <a:t>2023-05-23</a:t>
             </a:fld>
-            <a:endParaRPr lang="ko-KR" altLang="en-US"/>
+            <a:endParaRPr lang="ko-KR" altLang="en-US" dirty="0"/>
           </a:p>
         </p:txBody>
       </p:sp>
@@ -1781,7 +1781,7 @@
           <a:bodyPr/>
           <a:lstStyle/>
           <a:p>
-            <a:endParaRPr lang="ko-KR" altLang="en-US"/>
+            <a:endParaRPr lang="ko-KR" altLang="en-US" dirty="0"/>
           </a:p>
         </p:txBody>
       </p:sp>
@@ -1804,7 +1804,7 @@
               <a:rPr lang="ko-KR" altLang="en-US" smtClean="0"/>
               <a:t>‹#›</a:t>
             </a:fld>
-            <a:endParaRPr lang="ko-KR" altLang="en-US"/>
+            <a:endParaRPr lang="ko-KR" altLang="en-US" dirty="0"/>
           </a:p>
         </p:txBody>
       </p:sp>
@@ -1855,9 +1855,9 @@
           <a:p>
             <a:fld id="{4A5A8114-1E97-441C-9068-A84206930F79}" type="datetimeFigureOut">
               <a:rPr lang="ko-KR" altLang="en-US" smtClean="0"/>
-              <a:t>2023-05-22</a:t>
+              <a:t>2023-05-23</a:t>
             </a:fld>
-            <a:endParaRPr lang="ko-KR" altLang="en-US"/>
+            <a:endParaRPr lang="ko-KR" altLang="en-US" dirty="0"/>
           </a:p>
         </p:txBody>
       </p:sp>
@@ -1876,7 +1876,7 @@
           <a:bodyPr/>
           <a:lstStyle/>
           <a:p>
-            <a:endParaRPr lang="ko-KR" altLang="en-US"/>
+            <a:endParaRPr lang="ko-KR" altLang="en-US" dirty="0"/>
           </a:p>
         </p:txBody>
       </p:sp>
@@ -1899,7 +1899,7 @@
               <a:rPr lang="ko-KR" altLang="en-US" smtClean="0"/>
               <a:t>‹#›</a:t>
             </a:fld>
-            <a:endParaRPr lang="ko-KR" altLang="en-US"/>
+            <a:endParaRPr lang="ko-KR" altLang="en-US" dirty="0"/>
           </a:p>
         </p:txBody>
       </p:sp>
@@ -2130,9 +2130,9 @@
           <a:p>
             <a:fld id="{4A5A8114-1E97-441C-9068-A84206930F79}" type="datetimeFigureOut">
               <a:rPr lang="ko-KR" altLang="en-US" smtClean="0"/>
-              <a:t>2023-05-22</a:t>
+              <a:t>2023-05-23</a:t>
             </a:fld>
-            <a:endParaRPr lang="ko-KR" altLang="en-US"/>
+            <a:endParaRPr lang="ko-KR" altLang="en-US" dirty="0"/>
           </a:p>
         </p:txBody>
       </p:sp>
@@ -2151,7 +2151,7 @@
           <a:bodyPr/>
           <a:lstStyle/>
           <a:p>
-            <a:endParaRPr lang="ko-KR" altLang="en-US"/>
+            <a:endParaRPr lang="ko-KR" altLang="en-US" dirty="0"/>
           </a:p>
         </p:txBody>
       </p:sp>
@@ -2174,7 +2174,7 @@
               <a:rPr lang="ko-KR" altLang="en-US" smtClean="0"/>
               <a:t>‹#›</a:t>
             </a:fld>
-            <a:endParaRPr lang="ko-KR" altLang="en-US"/>
+            <a:endParaRPr lang="ko-KR" altLang="en-US" dirty="0"/>
           </a:p>
         </p:txBody>
       </p:sp>
@@ -2296,7 +2296,7 @@
             </a:lvl9pPr>
           </a:lstStyle>
           <a:p>
-            <a:endParaRPr lang="ko-KR" altLang="en-US"/>
+            <a:endParaRPr lang="ko-KR" altLang="en-US" dirty="0"/>
           </a:p>
         </p:txBody>
       </p:sp>
@@ -2382,9 +2382,9 @@
           <a:p>
             <a:fld id="{4A5A8114-1E97-441C-9068-A84206930F79}" type="datetimeFigureOut">
               <a:rPr lang="ko-KR" altLang="en-US" smtClean="0"/>
-              <a:t>2023-05-22</a:t>
+              <a:t>2023-05-23</a:t>
             </a:fld>
-            <a:endParaRPr lang="ko-KR" altLang="en-US"/>
+            <a:endParaRPr lang="ko-KR" altLang="en-US" dirty="0"/>
           </a:p>
         </p:txBody>
       </p:sp>
@@ -2403,7 +2403,7 @@
           <a:bodyPr/>
           <a:lstStyle/>
           <a:p>
-            <a:endParaRPr lang="ko-KR" altLang="en-US"/>
+            <a:endParaRPr lang="ko-KR" altLang="en-US" dirty="0"/>
           </a:p>
         </p:txBody>
       </p:sp>
@@ -2426,7 +2426,7 @@
               <a:rPr lang="ko-KR" altLang="en-US" smtClean="0"/>
               <a:t>‹#›</a:t>
             </a:fld>
-            <a:endParaRPr lang="ko-KR" altLang="en-US"/>
+            <a:endParaRPr lang="ko-KR" altLang="en-US" dirty="0"/>
           </a:p>
         </p:txBody>
       </p:sp>
@@ -2593,9 +2593,9 @@
           <a:p>
             <a:fld id="{4A5A8114-1E97-441C-9068-A84206930F79}" type="datetimeFigureOut">
               <a:rPr lang="ko-KR" altLang="en-US" smtClean="0"/>
-              <a:t>2023-05-22</a:t>
+              <a:t>2023-05-23</a:t>
             </a:fld>
-            <a:endParaRPr lang="ko-KR" altLang="en-US"/>
+            <a:endParaRPr lang="ko-KR" altLang="en-US" dirty="0"/>
           </a:p>
         </p:txBody>
       </p:sp>
@@ -2632,7 +2632,7 @@
             </a:lvl1pPr>
           </a:lstStyle>
           <a:p>
-            <a:endParaRPr lang="ko-KR" altLang="en-US"/>
+            <a:endParaRPr lang="ko-KR" altLang="en-US" dirty="0"/>
           </a:p>
         </p:txBody>
       </p:sp>
@@ -2673,7 +2673,7 @@
               <a:rPr lang="ko-KR" altLang="en-US" smtClean="0"/>
               <a:t>‹#›</a:t>
             </a:fld>
-            <a:endParaRPr lang="ko-KR" altLang="en-US"/>
+            <a:endParaRPr lang="ko-KR" altLang="en-US" dirty="0"/>
           </a:p>
         </p:txBody>
       </p:sp>
@@ -3095,6 +3095,19 @@
               <a:rPr lang="ko-KR" altLang="en-US" b="1" dirty="0"/>
               <a:t>파일을 엑셀 파일로 결합하기</a:t>
             </a:r>
+            <a:r>
+              <a:rPr lang="en-US" altLang="ko-KR" b="1" dirty="0"/>
+              <a:t>(</a:t>
+            </a:r>
+            <a:r>
+              <a:rPr lang="ko-KR" altLang="en-US" b="1" dirty="0"/>
+              <a:t>확장</a:t>
+            </a:r>
+            <a:r>
+              <a:rPr lang="en-US" altLang="ko-KR" b="1" dirty="0"/>
+              <a:t>-1)</a:t>
+            </a:r>
+            <a:endParaRPr lang="ko-KR" altLang="en-US" b="1" dirty="0"/>
           </a:p>
         </p:txBody>
       </p:sp>
@@ -3110,124 +3123,408 @@
         </p:nvSpPr>
         <p:spPr/>
         <p:txBody>
-          <a:bodyPr/>
+          <a:bodyPr>
+            <a:normAutofit/>
+          </a:bodyPr>
           <a:lstStyle/>
           <a:p>
             <a:pPr marL="0" indent="0">
-              <a:buNone/>
-            </a:pPr>
-            <a:r>
-              <a:rPr lang="en-US" altLang="ko-KR" dirty="0"/>
-              <a:t>[</a:t>
-            </a:r>
-            <a:r>
-              <a:rPr lang="ko-KR" altLang="en-US" dirty="0"/>
+              <a:lnSpc>
+                <a:spcPct val="150000"/>
+              </a:lnSpc>
+              <a:buNone/>
+            </a:pPr>
+            <a:r>
+              <a:rPr lang="en-US" altLang="ko-KR" sz="1800" b="1" dirty="0"/>
+              <a:t>Python </a:t>
+            </a:r>
+            <a:r>
+              <a:rPr lang="ko-KR" altLang="en-US" sz="1800" b="1" dirty="0"/>
+              <a:t>코드를 작성해주세요</a:t>
+            </a:r>
+            <a:r>
+              <a:rPr lang="en-US" altLang="ko-KR" sz="1800" b="1" dirty="0"/>
+              <a:t>. </a:t>
+            </a:r>
+            <a:r>
+              <a:rPr lang="ko-KR" altLang="en-US" sz="1800" b="1" dirty="0"/>
+              <a:t>다음 기능이 포함되어야 합니다</a:t>
+            </a:r>
+            <a:r>
+              <a:rPr lang="en-US" altLang="ko-KR" sz="1800" b="1" dirty="0"/>
+              <a:t>: </a:t>
+            </a:r>
+          </a:p>
+          <a:p>
+            <a:pPr marL="0" indent="0">
+              <a:lnSpc>
+                <a:spcPct val="150000"/>
+              </a:lnSpc>
+              <a:buNone/>
+            </a:pPr>
+            <a:r>
+              <a:rPr lang="en-US" altLang="ko-KR" sz="1800" dirty="0"/>
+              <a:t>1. '</a:t>
+            </a:r>
+            <a:r>
+              <a:rPr lang="ko-KR" altLang="en-US" sz="1800" dirty="0"/>
               <a:t>회원정보</a:t>
             </a:r>
             <a:r>
-              <a:rPr lang="en-US" altLang="ko-KR" dirty="0"/>
-              <a:t>] </a:t>
-            </a:r>
-            <a:r>
-              <a:rPr lang="ko-KR" altLang="en-US" dirty="0"/>
-              <a:t>폴더 안에 있는 </a:t>
-            </a:r>
-            <a:r>
-              <a:rPr lang="en-US" altLang="ko-KR" dirty="0"/>
-              <a:t>100</a:t>
-            </a:r>
-            <a:r>
-              <a:rPr lang="ko-KR" altLang="en-US" dirty="0"/>
-              <a:t>개의 </a:t>
-            </a:r>
-            <a:r>
-              <a:rPr lang="en-US" altLang="ko-KR" dirty="0"/>
-              <a:t>txt</a:t>
-            </a:r>
-            <a:r>
-              <a:rPr lang="ko-KR" altLang="en-US" dirty="0"/>
-              <a:t>파일을 하나의 엑셀 파일로 합치는 </a:t>
-            </a:r>
-            <a:r>
-              <a:rPr lang="ko-KR" altLang="en-US" dirty="0" err="1"/>
-              <a:t>파이썬</a:t>
-            </a:r>
-            <a:r>
-              <a:rPr lang="ko-KR" altLang="en-US" dirty="0"/>
-              <a:t> 코드를 작성해줘</a:t>
-            </a:r>
-            <a:r>
-              <a:rPr lang="en-US" altLang="ko-KR" dirty="0"/>
+              <a:rPr lang="en-US" altLang="ko-KR" sz="1800" dirty="0"/>
+              <a:t>' </a:t>
+            </a:r>
+            <a:r>
+              <a:rPr lang="ko-KR" altLang="en-US" sz="1800" dirty="0"/>
+              <a:t>폴더에 있는 모든 </a:t>
+            </a:r>
+            <a:r>
+              <a:rPr lang="en-US" altLang="ko-KR" sz="1800" dirty="0"/>
+              <a:t>txt </a:t>
+            </a:r>
+            <a:r>
+              <a:rPr lang="ko-KR" altLang="en-US" sz="1800" dirty="0"/>
+              <a:t>파일을 읽습니다</a:t>
+            </a:r>
+            <a:r>
+              <a:rPr lang="en-US" altLang="ko-KR" sz="1800" dirty="0"/>
+              <a:t>.</a:t>
+            </a:r>
+          </a:p>
+          <a:p>
+            <a:pPr marL="0" indent="0">
+              <a:lnSpc>
+                <a:spcPct val="150000"/>
+              </a:lnSpc>
+              <a:buNone/>
+            </a:pPr>
+            <a:r>
+              <a:rPr lang="en-US" altLang="ko-KR" sz="1800" dirty="0"/>
+              <a:t>2. </a:t>
+            </a:r>
+            <a:r>
+              <a:rPr lang="ko-KR" altLang="en-US" sz="1800" dirty="0"/>
+              <a:t>각 파일에서 이름</a:t>
+            </a:r>
+            <a:r>
+              <a:rPr lang="en-US" altLang="ko-KR" sz="1800" dirty="0"/>
+              <a:t>, </a:t>
+            </a:r>
+            <a:r>
+              <a:rPr lang="ko-KR" altLang="en-US" sz="1800" dirty="0"/>
+              <a:t>나이</a:t>
+            </a:r>
+            <a:r>
+              <a:rPr lang="en-US" altLang="ko-KR" sz="1800" dirty="0"/>
+              <a:t>, </a:t>
+            </a:r>
+            <a:r>
+              <a:rPr lang="ko-KR" altLang="en-US" sz="1800" dirty="0"/>
+              <a:t>성별</a:t>
+            </a:r>
+            <a:r>
+              <a:rPr lang="en-US" altLang="ko-KR" sz="1800" dirty="0"/>
+              <a:t>, </a:t>
+            </a:r>
+            <a:r>
+              <a:rPr lang="ko-KR" altLang="en-US" sz="1800" dirty="0"/>
+              <a:t>이메일 정보를 읽고</a:t>
+            </a:r>
+            <a:r>
+              <a:rPr lang="en-US" altLang="ko-KR" sz="1800" dirty="0"/>
+              <a:t>, </a:t>
+            </a:r>
+            <a:r>
+              <a:rPr lang="en-US" altLang="ko-KR" sz="1800" b="0" i="0" dirty="0">
+                <a:solidFill>
+                  <a:srgbClr val="374151"/>
+                </a:solidFill>
+                <a:effectLst/>
+                <a:latin typeface="Söhne"/>
+              </a:rPr>
+              <a:t>":" </a:t>
+            </a:r>
+            <a:r>
+              <a:rPr lang="ko-KR" altLang="en-US" sz="1800" b="0" i="0" dirty="0">
+                <a:solidFill>
+                  <a:srgbClr val="374151"/>
+                </a:solidFill>
+                <a:effectLst/>
+                <a:latin typeface="Söhne"/>
+              </a:rPr>
+              <a:t>기호를 기준으로 문자열을 분리하고</a:t>
+            </a:r>
+            <a:r>
+              <a:rPr lang="en-US" altLang="ko-KR" sz="1800" b="0" i="0" dirty="0">
+                <a:solidFill>
+                  <a:srgbClr val="374151"/>
+                </a:solidFill>
+                <a:effectLst/>
+                <a:latin typeface="Söhne"/>
+              </a:rPr>
+              <a:t>, </a:t>
+            </a:r>
+            <a:r>
+              <a:rPr lang="ko-KR" altLang="en-US" sz="1800" b="0" i="0" dirty="0">
+                <a:solidFill>
+                  <a:srgbClr val="374151"/>
+                </a:solidFill>
+                <a:effectLst/>
+                <a:latin typeface="Söhne"/>
+              </a:rPr>
+              <a:t>분리된 문자열 중 두 번째 요소</a:t>
+            </a:r>
+            <a:r>
+              <a:rPr lang="en-US" altLang="ko-KR" sz="1800" b="0" i="0" dirty="0">
+                <a:solidFill>
+                  <a:srgbClr val="374151"/>
+                </a:solidFill>
+                <a:effectLst/>
+                <a:latin typeface="Söhne"/>
+              </a:rPr>
+              <a:t>(</a:t>
+            </a:r>
+            <a:r>
+              <a:rPr lang="ko-KR" altLang="en-US" sz="1800" b="0" i="0" dirty="0">
+                <a:solidFill>
+                  <a:srgbClr val="374151"/>
+                </a:solidFill>
+                <a:effectLst/>
+                <a:latin typeface="Söhne"/>
+              </a:rPr>
+              <a:t>즉</a:t>
+            </a:r>
+            <a:r>
+              <a:rPr lang="en-US" altLang="ko-KR" sz="1800" b="0" i="0" dirty="0">
+                <a:solidFill>
+                  <a:srgbClr val="374151"/>
+                </a:solidFill>
+                <a:effectLst/>
+                <a:latin typeface="Söhne"/>
+              </a:rPr>
+              <a:t>, ":" </a:t>
+            </a:r>
+            <a:r>
+              <a:rPr lang="ko-KR" altLang="en-US" sz="1800" b="0" i="0" dirty="0">
+                <a:solidFill>
+                  <a:srgbClr val="374151"/>
+                </a:solidFill>
+                <a:effectLst/>
+                <a:latin typeface="Söhne"/>
+              </a:rPr>
+              <a:t>뒤의 정보</a:t>
+            </a:r>
+            <a:r>
+              <a:rPr lang="en-US" altLang="ko-KR" sz="1800" b="0" i="0" dirty="0">
+                <a:solidFill>
+                  <a:srgbClr val="374151"/>
+                </a:solidFill>
+                <a:effectLst/>
+                <a:latin typeface="Söhne"/>
+              </a:rPr>
+              <a:t>)</a:t>
+            </a:r>
+            <a:r>
+              <a:rPr lang="ko-KR" altLang="en-US" sz="1800" b="0" i="0" dirty="0">
+                <a:solidFill>
+                  <a:srgbClr val="374151"/>
+                </a:solidFill>
+                <a:effectLst/>
+                <a:latin typeface="Söhne"/>
+              </a:rPr>
+              <a:t>를 추출한다</a:t>
+            </a:r>
+            <a:r>
+              <a:rPr lang="en-US" altLang="ko-KR" sz="1800" b="0" i="0" dirty="0">
+                <a:solidFill>
+                  <a:srgbClr val="374151"/>
+                </a:solidFill>
+                <a:effectLst/>
+                <a:latin typeface="Söhne"/>
+              </a:rPr>
+              <a:t>.</a:t>
+            </a:r>
+            <a:endParaRPr lang="en-US" altLang="ko-KR" sz="1800" dirty="0"/>
+          </a:p>
+          <a:p>
+            <a:pPr marL="0" indent="0">
+              <a:lnSpc>
+                <a:spcPct val="150000"/>
+              </a:lnSpc>
+              <a:buNone/>
+            </a:pPr>
+            <a:r>
+              <a:rPr lang="en-US" altLang="ko-KR" sz="1800" dirty="0"/>
+              <a:t>3. </a:t>
+            </a:r>
+            <a:r>
+              <a:rPr lang="ko-KR" altLang="en-US" sz="1800" dirty="0"/>
+              <a:t>추출한 정보를 데이터프레임으로 만들고</a:t>
+            </a:r>
+            <a:r>
+              <a:rPr lang="en-US" altLang="ko-KR" sz="1800" dirty="0"/>
+              <a:t>, </a:t>
+            </a:r>
+            <a:r>
+              <a:rPr lang="ko-KR" altLang="en-US" sz="1800" dirty="0"/>
+              <a:t>변수명은 </a:t>
+            </a:r>
+            <a:r>
+              <a:rPr lang="en-US" altLang="ko-KR" sz="1800" dirty="0"/>
+              <a:t>＇</a:t>
+            </a:r>
+            <a:r>
+              <a:rPr lang="ko-KR" altLang="en-US" sz="1800" dirty="0"/>
+              <a:t>이름</a:t>
+            </a:r>
+            <a:r>
+              <a:rPr lang="en-US" altLang="ko-KR" sz="1800" dirty="0"/>
+              <a:t>＇, ＇</a:t>
+            </a:r>
+            <a:r>
+              <a:rPr lang="ko-KR" altLang="en-US" sz="1800" dirty="0"/>
+              <a:t>나이</a:t>
+            </a:r>
+            <a:r>
+              <a:rPr lang="en-US" altLang="ko-KR" sz="1800" dirty="0"/>
+              <a:t>＇, ＇</a:t>
+            </a:r>
+            <a:r>
+              <a:rPr lang="ko-KR" altLang="en-US" sz="1800" dirty="0"/>
+              <a:t>성별</a:t>
+            </a:r>
+            <a:r>
+              <a:rPr lang="en-US" altLang="ko-KR" sz="1800" dirty="0"/>
+              <a:t>＇, ＇</a:t>
+            </a:r>
+            <a:r>
+              <a:rPr lang="ko-KR" altLang="en-US" sz="1800" dirty="0"/>
+              <a:t>이메일</a:t>
+            </a:r>
+            <a:r>
+              <a:rPr lang="en-US" altLang="ko-KR" sz="1800" dirty="0"/>
+              <a:t>＇ </a:t>
+            </a:r>
+            <a:r>
+              <a:rPr lang="ko-KR" altLang="en-US" sz="1800" dirty="0"/>
+              <a:t>순서대로 </a:t>
+            </a:r>
+            <a:r>
+              <a:rPr lang="en-US" altLang="ko-KR" sz="1800" dirty="0"/>
+              <a:t>A1:D1</a:t>
+            </a:r>
+            <a:r>
+              <a:rPr lang="ko-KR" altLang="en-US" sz="1800" dirty="0"/>
+              <a:t>이다</a:t>
+            </a:r>
+            <a:r>
+              <a:rPr lang="en-US" altLang="ko-KR" sz="1800" dirty="0"/>
+              <a:t>.</a:t>
+            </a:r>
+          </a:p>
+          <a:p>
+            <a:pPr marL="0" indent="0">
+              <a:lnSpc>
+                <a:spcPct val="150000"/>
+              </a:lnSpc>
+              <a:buNone/>
+            </a:pPr>
+            <a:r>
+              <a:rPr lang="en-US" altLang="ko-KR" sz="1800" dirty="0"/>
+              <a:t>5. </a:t>
+            </a:r>
+            <a:r>
+              <a:rPr lang="ko-KR" altLang="en-US" sz="1800" dirty="0"/>
+              <a:t>데이터프레임을 하나의 엑셀 파일로 저장합니다</a:t>
+            </a:r>
+            <a:r>
+              <a:rPr lang="en-US" altLang="ko-KR" sz="1800" dirty="0"/>
               <a:t>. </a:t>
             </a:r>
             <a:r>
-              <a:rPr lang="ko-KR" altLang="en-US" dirty="0"/>
-              <a:t>아래는 안에 있는 텍스트 파일의 예시야</a:t>
-            </a:r>
-            <a:r>
-              <a:rPr lang="en-US" altLang="ko-KR" dirty="0"/>
+              <a:rPr lang="ko-KR" altLang="en-US" sz="1800" dirty="0"/>
+              <a:t>저장된 파일의 이름은 </a:t>
+            </a:r>
+            <a:r>
+              <a:rPr lang="en-US" altLang="ko-KR" sz="1800" dirty="0"/>
+              <a:t>'</a:t>
+            </a:r>
+            <a:r>
+              <a:rPr lang="ko-KR" altLang="en-US" sz="1800" dirty="0"/>
+              <a:t>회원정보</a:t>
+            </a:r>
+            <a:r>
+              <a:rPr lang="en-US" altLang="ko-KR" sz="1800" dirty="0"/>
+              <a:t>_</a:t>
+            </a:r>
+            <a:r>
+              <a:rPr lang="ko-KR" altLang="en-US" sz="1800" dirty="0"/>
+              <a:t>결합</a:t>
+            </a:r>
+            <a:r>
+              <a:rPr lang="en-US" altLang="ko-KR" sz="1800" dirty="0"/>
+              <a:t>.xlsx'</a:t>
+            </a:r>
+            <a:r>
+              <a:rPr lang="ko-KR" altLang="en-US" sz="1800" dirty="0"/>
+              <a:t>입니다</a:t>
+            </a:r>
+            <a:r>
+              <a:rPr lang="en-US" altLang="ko-KR" sz="1800" dirty="0"/>
               <a:t>.</a:t>
             </a:r>
           </a:p>
           <a:p>
             <a:pPr marL="0" indent="0">
-              <a:buNone/>
-            </a:pPr>
-            <a:r>
-              <a:rPr lang="ko-KR" altLang="en-US" dirty="0"/>
-              <a:t>이름</a:t>
-            </a:r>
-            <a:r>
-              <a:rPr lang="en-US" altLang="ko-KR" dirty="0"/>
-              <a:t>:</a:t>
-            </a:r>
-          </a:p>
-          <a:p>
-            <a:pPr marL="0" indent="0">
-              <a:buNone/>
-            </a:pPr>
-            <a:r>
-              <a:rPr lang="ko-KR" altLang="en-US" dirty="0"/>
-              <a:t>나이</a:t>
-            </a:r>
-            <a:r>
-              <a:rPr lang="en-US" altLang="ko-KR" dirty="0"/>
-              <a:t>:</a:t>
-            </a:r>
-          </a:p>
-          <a:p>
-            <a:pPr marL="0" indent="0">
-              <a:buNone/>
-            </a:pPr>
-            <a:r>
-              <a:rPr lang="ko-KR" altLang="en-US" dirty="0"/>
-              <a:t>성별</a:t>
-            </a:r>
-            <a:r>
-              <a:rPr lang="en-US" altLang="ko-KR" dirty="0"/>
-              <a:t>:</a:t>
-            </a:r>
-          </a:p>
-          <a:p>
-            <a:pPr marL="0" indent="0">
-              <a:buNone/>
-            </a:pPr>
-            <a:r>
-              <a:rPr lang="ko-KR" altLang="en-US" dirty="0"/>
-              <a:t>이메일</a:t>
-            </a:r>
-            <a:r>
-              <a:rPr lang="en-US" altLang="ko-KR" dirty="0"/>
-              <a:t>:</a:t>
-            </a:r>
-            <a:endParaRPr lang="ko-KR" altLang="en-US" dirty="0"/>
+              <a:lnSpc>
+                <a:spcPct val="150000"/>
+              </a:lnSpc>
+              <a:buNone/>
+            </a:pPr>
+            <a:r>
+              <a:rPr lang="en-US" altLang="ko-KR" sz="1800" dirty="0"/>
+              <a:t>6. </a:t>
+            </a:r>
+            <a:r>
+              <a:rPr lang="ko-KR" altLang="en-US" sz="1800" dirty="0"/>
+              <a:t>파일 결합이 완료되면 </a:t>
+            </a:r>
+            <a:r>
+              <a:rPr lang="en-US" altLang="ko-KR" sz="1800" dirty="0"/>
+              <a:t>'</a:t>
+            </a:r>
+            <a:r>
+              <a:rPr lang="ko-KR" altLang="en-US" sz="1800" dirty="0"/>
+              <a:t>모든 </a:t>
+            </a:r>
+            <a:r>
+              <a:rPr lang="en-US" altLang="ko-KR" sz="1800" dirty="0"/>
+              <a:t>txt </a:t>
+            </a:r>
+            <a:r>
+              <a:rPr lang="ko-KR" altLang="en-US" sz="1800" dirty="0"/>
+              <a:t>파일을 엑셀 파일로 결합 완료</a:t>
+            </a:r>
+            <a:r>
+              <a:rPr lang="en-US" altLang="ko-KR" sz="1800" dirty="0"/>
+              <a:t>!' </a:t>
+            </a:r>
+            <a:r>
+              <a:rPr lang="ko-KR" altLang="en-US" sz="1800" dirty="0"/>
+              <a:t>메시지를 출력합니다</a:t>
+            </a:r>
+            <a:r>
+              <a:rPr lang="en-US" altLang="ko-KR" sz="1800" dirty="0"/>
+              <a:t>.</a:t>
+            </a:r>
+            <a:endParaRPr lang="ko-KR" altLang="en-US" sz="1800" dirty="0"/>
           </a:p>
         </p:txBody>
       </p:sp>
     </p:spTree>
     <p:extLst>
       <p:ext uri="{BB962C8B-B14F-4D97-AF65-F5344CB8AC3E}">
-        <p14:creationId xmlns:p14="http://schemas.microsoft.com/office/powerpoint/2010/main" val="3403567239"/>
+        <p14:creationId xmlns:p14="http://schemas.microsoft.com/office/powerpoint/2010/main" val="2433770321"/>
       </p:ext>
     </p:extLst>
   </p:cSld>
@@ -3306,7 +3603,7 @@
         <p:spPr/>
         <p:txBody>
           <a:bodyPr>
-            <a:normAutofit lnSpcReduction="10000"/>
+            <a:noAutofit/>
           </a:bodyPr>
           <a:lstStyle/>
           <a:p>
@@ -3317,24 +3614,24 @@
               <a:buNone/>
             </a:pPr>
             <a:r>
-              <a:rPr lang="en-US" altLang="ko-KR" sz="2000" b="1" dirty="0"/>
-              <a:t>Python </a:t>
-            </a:r>
-            <a:r>
-              <a:rPr lang="ko-KR" altLang="en-US" sz="2000" b="1" dirty="0"/>
+              <a:rPr lang="en-US" altLang="ko-KR" sz="1000" dirty="0"/>
+              <a:t>"Python </a:t>
+            </a:r>
+            <a:r>
+              <a:rPr lang="ko-KR" altLang="en-US" sz="1000" dirty="0"/>
               <a:t>코드를 작성해주세요</a:t>
             </a:r>
             <a:r>
-              <a:rPr lang="en-US" altLang="ko-KR" sz="2000" b="1" dirty="0"/>
+              <a:rPr lang="en-US" altLang="ko-KR" sz="1000" dirty="0"/>
               <a:t>. </a:t>
             </a:r>
             <a:r>
-              <a:rPr lang="ko-KR" altLang="en-US" sz="2000" b="1" dirty="0"/>
-              <a:t>다음 기능이 포함되어야 합니다</a:t>
-            </a:r>
-            <a:r>
-              <a:rPr lang="en-US" altLang="ko-KR" sz="2000" b="1" dirty="0"/>
-              <a:t>: </a:t>
+              <a:rPr lang="ko-KR" altLang="en-US" sz="1000" dirty="0"/>
+              <a:t>이 코드는 다음의 기능을 포함해야 합니다</a:t>
+            </a:r>
+            <a:r>
+              <a:rPr lang="en-US" altLang="ko-KR" sz="1000" dirty="0"/>
+              <a:t>:</a:t>
             </a:r>
           </a:p>
           <a:p>
@@ -3345,31 +3642,576 @@
               <a:buNone/>
             </a:pPr>
             <a:r>
-              <a:rPr lang="en-US" altLang="ko-KR" sz="2000" dirty="0"/>
+              <a:rPr lang="en-US" altLang="ko-KR" sz="1000" dirty="0"/>
               <a:t>1. '</a:t>
             </a:r>
             <a:r>
-              <a:rPr lang="ko-KR" altLang="en-US" sz="2000" dirty="0"/>
+              <a:rPr lang="ko-KR" altLang="en-US" sz="1000" dirty="0"/>
               <a:t>회원정보</a:t>
             </a:r>
             <a:r>
-              <a:rPr lang="en-US" altLang="ko-KR" sz="2000" dirty="0"/>
+              <a:rPr lang="en-US" altLang="ko-KR" sz="1000" dirty="0"/>
+              <a:t>'</a:t>
+            </a:r>
+            <a:r>
+              <a:rPr lang="ko-KR" altLang="en-US" sz="1000" dirty="0"/>
+              <a:t>라는 이름의 폴더를 찾아 폴더 안에 있는 모든 </a:t>
+            </a:r>
+            <a:r>
+              <a:rPr lang="en-US" altLang="ko-KR" sz="1000" dirty="0"/>
+              <a:t>txt </a:t>
+            </a:r>
+            <a:r>
+              <a:rPr lang="ko-KR" altLang="en-US" sz="1000" dirty="0"/>
+              <a:t>파일을 순차적으로 읽는 기능을 갖추어야 합니다</a:t>
+            </a:r>
+            <a:r>
+              <a:rPr lang="en-US" altLang="ko-KR" sz="1000" dirty="0"/>
+              <a:t>. </a:t>
+            </a:r>
+            <a:r>
+              <a:rPr lang="ko-KR" altLang="en-US" sz="1000" dirty="0"/>
+              <a:t>이 폴더가 존재하지 않는 경우</a:t>
+            </a:r>
+            <a:r>
+              <a:rPr lang="en-US" altLang="ko-KR" sz="1000" dirty="0"/>
+              <a:t>, '</a:t>
+            </a:r>
+            <a:r>
+              <a:rPr lang="ko-KR" altLang="en-US" sz="1000" dirty="0"/>
+              <a:t>회원정보 폴더를 찾을 수 없습니다</a:t>
+            </a:r>
+            <a:r>
+              <a:rPr lang="en-US" altLang="ko-KR" sz="1000" dirty="0"/>
+              <a:t>.'</a:t>
+            </a:r>
+            <a:r>
+              <a:rPr lang="ko-KR" altLang="en-US" sz="1000" dirty="0"/>
+              <a:t>라는 오류 메시지를 출력해야 합니다</a:t>
+            </a:r>
+            <a:r>
+              <a:rPr lang="en-US" altLang="ko-KR" sz="1000" dirty="0"/>
+              <a:t>.</a:t>
+            </a:r>
+          </a:p>
+          <a:p>
+            <a:pPr marL="0" indent="0">
+              <a:lnSpc>
+                <a:spcPct val="150000"/>
+              </a:lnSpc>
+              <a:buNone/>
+            </a:pPr>
+            <a:r>
+              <a:rPr lang="en-US" altLang="ko-KR" sz="1000" dirty="0"/>
+              <a:t>2. </a:t>
+            </a:r>
+            <a:r>
+              <a:rPr lang="ko-KR" altLang="en-US" sz="1000" dirty="0"/>
+              <a:t>각 </a:t>
+            </a:r>
+            <a:r>
+              <a:rPr lang="en-US" altLang="ko-KR" sz="1000" dirty="0"/>
+              <a:t>txt </a:t>
+            </a:r>
+            <a:r>
+              <a:rPr lang="ko-KR" altLang="en-US" sz="1000" dirty="0"/>
+              <a:t>파일에서 개인의 이름</a:t>
+            </a:r>
+            <a:r>
+              <a:rPr lang="en-US" altLang="ko-KR" sz="1000" dirty="0"/>
+              <a:t>, </a:t>
+            </a:r>
+            <a:r>
+              <a:rPr lang="ko-KR" altLang="en-US" sz="1000" dirty="0"/>
+              <a:t>나이</a:t>
+            </a:r>
+            <a:r>
+              <a:rPr lang="en-US" altLang="ko-KR" sz="1000" dirty="0"/>
+              <a:t>, </a:t>
+            </a:r>
+            <a:r>
+              <a:rPr lang="ko-KR" altLang="en-US" sz="1000" dirty="0"/>
+              <a:t>성별</a:t>
+            </a:r>
+            <a:r>
+              <a:rPr lang="en-US" altLang="ko-KR" sz="1000" dirty="0"/>
+              <a:t>, </a:t>
+            </a:r>
+            <a:r>
+              <a:rPr lang="ko-KR" altLang="en-US" sz="1000" dirty="0"/>
+              <a:t>이메일 주소 정보를 추출하는 기능을 갖추어야 합니다</a:t>
+            </a:r>
+            <a:r>
+              <a:rPr lang="en-US" altLang="ko-KR" sz="1000" dirty="0"/>
+              <a:t>. </a:t>
+            </a:r>
+            <a:r>
+              <a:rPr lang="ko-KR" altLang="en-US" sz="1000" dirty="0"/>
+              <a:t>이 정보들은 각 </a:t>
+            </a:r>
+            <a:r>
+              <a:rPr lang="en-US" altLang="ko-KR" sz="1000" dirty="0"/>
+              <a:t>txt </a:t>
+            </a:r>
+            <a:r>
+              <a:rPr lang="ko-KR" altLang="en-US" sz="1000" dirty="0"/>
+              <a:t>파일의 특정 행에 </a:t>
+            </a:r>
+            <a:r>
+              <a:rPr lang="en-US" altLang="ko-KR" sz="1000" dirty="0"/>
+              <a:t>'</a:t>
+            </a:r>
+            <a:r>
+              <a:rPr lang="ko-KR" altLang="en-US" sz="1000" dirty="0"/>
+              <a:t>이름</a:t>
+            </a:r>
+            <a:r>
+              <a:rPr lang="en-US" altLang="ko-KR" sz="1000" dirty="0"/>
+              <a:t>:', '</a:t>
+            </a:r>
+            <a:r>
+              <a:rPr lang="ko-KR" altLang="en-US" sz="1000" dirty="0"/>
+              <a:t>나이</a:t>
+            </a:r>
+            <a:r>
+              <a:rPr lang="en-US" altLang="ko-KR" sz="1000" dirty="0"/>
+              <a:t>:', '</a:t>
+            </a:r>
+            <a:r>
+              <a:rPr lang="ko-KR" altLang="en-US" sz="1000" dirty="0"/>
+              <a:t>성별</a:t>
+            </a:r>
+            <a:r>
+              <a:rPr lang="en-US" altLang="ko-KR" sz="1000" dirty="0"/>
+              <a:t>:', '</a:t>
+            </a:r>
+            <a:r>
+              <a:rPr lang="ko-KR" altLang="en-US" sz="1000" dirty="0"/>
+              <a:t>이메일</a:t>
+            </a:r>
+            <a:r>
+              <a:rPr lang="en-US" altLang="ko-KR" sz="1000" dirty="0"/>
+              <a:t>:'</a:t>
+            </a:r>
+            <a:r>
+              <a:rPr lang="ko-KR" altLang="en-US" sz="1000" dirty="0"/>
+              <a:t>과 같은 형태로 저장되어 있다</a:t>
+            </a:r>
+            <a:r>
+              <a:rPr lang="en-US" altLang="ko-KR" sz="1000" dirty="0"/>
+              <a:t>. </a:t>
+            </a:r>
+            <a:r>
+              <a:rPr lang="ko-KR" altLang="en-US" sz="1000" b="0" i="0" dirty="0">
+                <a:solidFill>
+                  <a:srgbClr val="374151"/>
+                </a:solidFill>
+                <a:effectLst/>
+                <a:latin typeface="Söhne"/>
+              </a:rPr>
+              <a:t>각 줄을 읽은 후</a:t>
+            </a:r>
+            <a:r>
+              <a:rPr lang="en-US" altLang="ko-KR" sz="1000" b="0" i="0" dirty="0">
+                <a:solidFill>
+                  <a:srgbClr val="374151"/>
+                </a:solidFill>
+                <a:effectLst/>
+                <a:latin typeface="Söhne"/>
+              </a:rPr>
+              <a:t>, ":" </a:t>
+            </a:r>
+            <a:r>
+              <a:rPr lang="ko-KR" altLang="en-US" sz="1000" b="0" i="0" dirty="0">
+                <a:solidFill>
+                  <a:srgbClr val="374151"/>
+                </a:solidFill>
+                <a:effectLst/>
+                <a:latin typeface="Söhne"/>
+              </a:rPr>
+              <a:t>기호를 기준으로 문자열을 분리하고</a:t>
+            </a:r>
+            <a:r>
+              <a:rPr lang="en-US" altLang="ko-KR" sz="1000" b="0" i="0" dirty="0">
+                <a:solidFill>
+                  <a:srgbClr val="374151"/>
+                </a:solidFill>
+                <a:effectLst/>
+                <a:latin typeface="Söhne"/>
+              </a:rPr>
+              <a:t>, </a:t>
+            </a:r>
+            <a:r>
+              <a:rPr lang="ko-KR" altLang="en-US" sz="1000" b="0" i="0" dirty="0">
+                <a:solidFill>
+                  <a:srgbClr val="374151"/>
+                </a:solidFill>
+                <a:effectLst/>
+                <a:latin typeface="Söhne"/>
+              </a:rPr>
+              <a:t>분리된 문자열 중 두 번째 요소</a:t>
+            </a:r>
+            <a:r>
+              <a:rPr lang="en-US" altLang="ko-KR" sz="1000" b="0" i="0" dirty="0">
+                <a:solidFill>
+                  <a:srgbClr val="374151"/>
+                </a:solidFill>
+                <a:effectLst/>
+                <a:latin typeface="Söhne"/>
+              </a:rPr>
+              <a:t>(</a:t>
+            </a:r>
+            <a:r>
+              <a:rPr lang="ko-KR" altLang="en-US" sz="1000" b="0" i="0" dirty="0">
+                <a:solidFill>
+                  <a:srgbClr val="374151"/>
+                </a:solidFill>
+                <a:effectLst/>
+                <a:latin typeface="Söhne"/>
+              </a:rPr>
+              <a:t>즉</a:t>
+            </a:r>
+            <a:r>
+              <a:rPr lang="en-US" altLang="ko-KR" sz="1000" b="0" i="0" dirty="0">
+                <a:solidFill>
+                  <a:srgbClr val="374151"/>
+                </a:solidFill>
+                <a:effectLst/>
+                <a:latin typeface="Söhne"/>
+              </a:rPr>
+              <a:t>, ":" </a:t>
+            </a:r>
+            <a:r>
+              <a:rPr lang="ko-KR" altLang="en-US" sz="1000" b="0" i="0" dirty="0">
+                <a:solidFill>
+                  <a:srgbClr val="374151"/>
+                </a:solidFill>
+                <a:effectLst/>
+                <a:latin typeface="Söhne"/>
+              </a:rPr>
+              <a:t>뒤의 정보</a:t>
+            </a:r>
+            <a:r>
+              <a:rPr lang="en-US" altLang="ko-KR" sz="1000" b="0" i="0" dirty="0">
+                <a:solidFill>
+                  <a:srgbClr val="374151"/>
+                </a:solidFill>
+                <a:effectLst/>
+                <a:latin typeface="Söhne"/>
+              </a:rPr>
+              <a:t>)</a:t>
+            </a:r>
+            <a:r>
+              <a:rPr lang="ko-KR" altLang="en-US" sz="1000" b="0" i="0" dirty="0">
+                <a:solidFill>
+                  <a:srgbClr val="374151"/>
+                </a:solidFill>
+                <a:effectLst/>
+                <a:latin typeface="Söhne"/>
+              </a:rPr>
+              <a:t>를 추출한다</a:t>
+            </a:r>
+            <a:r>
+              <a:rPr lang="en-US" altLang="ko-KR" sz="1000" b="0" i="0" dirty="0">
+                <a:solidFill>
+                  <a:srgbClr val="374151"/>
+                </a:solidFill>
+                <a:effectLst/>
+                <a:latin typeface="Söhne"/>
+              </a:rPr>
+              <a:t>.</a:t>
+            </a:r>
+            <a:endParaRPr lang="en-US" altLang="ko-KR" sz="1000" dirty="0"/>
+          </a:p>
+          <a:p>
+            <a:pPr marL="0" indent="0">
+              <a:lnSpc>
+                <a:spcPct val="150000"/>
+              </a:lnSpc>
+              <a:buNone/>
+            </a:pPr>
+            <a:r>
+              <a:rPr lang="ko-KR" altLang="en-US" sz="1000" dirty="0"/>
+              <a:t>만약 정보 추출 과정에서 오류가 발생한다면</a:t>
+            </a:r>
+            <a:r>
+              <a:rPr lang="en-US" altLang="ko-KR" sz="1000" dirty="0"/>
+              <a:t>, </a:t>
+            </a:r>
+            <a:r>
+              <a:rPr lang="ko-KR" altLang="en-US" sz="1000" dirty="0"/>
+              <a:t>해당 파일의 이름과 </a:t>
+            </a:r>
+            <a:r>
+              <a:rPr lang="en-US" altLang="ko-KR" sz="1000" dirty="0"/>
+              <a:t>'</a:t>
+            </a:r>
+            <a:r>
+              <a:rPr lang="ko-KR" altLang="en-US" sz="1000" dirty="0"/>
+              <a:t>파일에서 정보를 추출하는 데 문제가 발생했습니다</a:t>
+            </a:r>
+            <a:r>
+              <a:rPr lang="en-US" altLang="ko-KR" sz="1000" dirty="0"/>
+              <a:t>.'</a:t>
+            </a:r>
+            <a:r>
+              <a:rPr lang="ko-KR" altLang="en-US" sz="1000" dirty="0"/>
+              <a:t>라는 오류 메시지를 출력해야 합니다</a:t>
+            </a:r>
+            <a:r>
+              <a:rPr lang="en-US" altLang="ko-KR" sz="1000" dirty="0"/>
+              <a:t>. </a:t>
+            </a:r>
+            <a:r>
+              <a:rPr lang="ko-KR" altLang="en-US" sz="1000" dirty="0"/>
+              <a:t>각 </a:t>
+            </a:r>
+            <a:r>
+              <a:rPr lang="en-US" altLang="ko-KR" sz="1000" dirty="0"/>
+              <a:t>txt </a:t>
+            </a:r>
+            <a:r>
+              <a:rPr lang="ko-KR" altLang="en-US" sz="1000" dirty="0"/>
+              <a:t>파일은 </a:t>
+            </a:r>
+            <a:r>
+              <a:rPr lang="en-US" altLang="ko-KR" sz="1000" dirty="0"/>
+              <a:t>'cp949' </a:t>
+            </a:r>
+            <a:r>
+              <a:rPr lang="ko-KR" altLang="en-US" sz="1000" dirty="0"/>
+              <a:t>인코딩으로 읽어야 합니다</a:t>
+            </a:r>
+            <a:r>
+              <a:rPr lang="en-US" altLang="ko-KR" sz="1000" dirty="0"/>
+              <a:t>.</a:t>
+            </a:r>
+          </a:p>
+          <a:p>
+            <a:pPr marL="0" indent="0">
+              <a:lnSpc>
+                <a:spcPct val="150000"/>
+              </a:lnSpc>
+              <a:buNone/>
+            </a:pPr>
+            <a:r>
+              <a:rPr lang="en-US" altLang="ko-KR" sz="1000" dirty="0"/>
+              <a:t>3. </a:t>
+            </a:r>
+            <a:r>
+              <a:rPr lang="ko-KR" altLang="en-US" sz="1000" dirty="0"/>
+              <a:t>추출한 모든 정보를 하나의 </a:t>
+            </a:r>
+            <a:r>
+              <a:rPr lang="en-US" altLang="ko-KR" sz="1000" dirty="0"/>
+              <a:t>pandas </a:t>
+            </a:r>
+            <a:r>
+              <a:rPr lang="ko-KR" altLang="en-US" sz="1000" dirty="0"/>
+              <a:t>데이터프레임으로 합쳐야 합니다</a:t>
+            </a:r>
+            <a:r>
+              <a:rPr lang="en-US" altLang="ko-KR" sz="1000" dirty="0"/>
+              <a:t>. </a:t>
+            </a:r>
+            <a:r>
+              <a:rPr lang="ko-KR" altLang="en-US" sz="1000" dirty="0"/>
+              <a:t>데이터프레임의 열은 </a:t>
+            </a:r>
+            <a:r>
+              <a:rPr lang="en-US" altLang="ko-KR" sz="1000" dirty="0"/>
+              <a:t>'</a:t>
+            </a:r>
+            <a:r>
+              <a:rPr lang="ko-KR" altLang="en-US" sz="1000" dirty="0"/>
+              <a:t>이름</a:t>
+            </a:r>
+            <a:r>
+              <a:rPr lang="en-US" altLang="ko-KR" sz="1000" dirty="0"/>
+              <a:t>', '</a:t>
+            </a:r>
+            <a:r>
+              <a:rPr lang="ko-KR" altLang="en-US" sz="1000" dirty="0"/>
+              <a:t>나이</a:t>
+            </a:r>
+            <a:r>
+              <a:rPr lang="en-US" altLang="ko-KR" sz="1000" dirty="0"/>
+              <a:t>', '</a:t>
+            </a:r>
+            <a:r>
+              <a:rPr lang="ko-KR" altLang="en-US" sz="1000" dirty="0"/>
+              <a:t>성별</a:t>
+            </a:r>
+            <a:r>
+              <a:rPr lang="en-US" altLang="ko-KR" sz="1000" dirty="0"/>
+              <a:t>', '</a:t>
+            </a:r>
+            <a:r>
+              <a:rPr lang="ko-KR" altLang="en-US" sz="1000" dirty="0"/>
+              <a:t>이메일 주소</a:t>
+            </a:r>
+            <a:r>
+              <a:rPr lang="en-US" altLang="ko-KR" sz="1000" dirty="0"/>
               <a:t>' </a:t>
             </a:r>
             <a:r>
-              <a:rPr lang="ko-KR" altLang="en-US" sz="2000" dirty="0"/>
-              <a:t>폴더에 있는 모든 </a:t>
-            </a:r>
-            <a:r>
-              <a:rPr lang="en-US" altLang="ko-KR" sz="2000" dirty="0"/>
+              <a:rPr lang="ko-KR" altLang="en-US" sz="1000" dirty="0"/>
+              <a:t>순서대로 생성되어야 합니다</a:t>
+            </a:r>
+            <a:r>
+              <a:rPr lang="en-US" altLang="ko-KR" sz="1000" dirty="0"/>
+              <a:t>.</a:t>
+            </a:r>
+          </a:p>
+          <a:p>
+            <a:pPr marL="0" indent="0">
+              <a:lnSpc>
+                <a:spcPct val="150000"/>
+              </a:lnSpc>
+              <a:buNone/>
+            </a:pPr>
+            <a:r>
+              <a:rPr lang="en-US" altLang="ko-KR" sz="1000" dirty="0"/>
+              <a:t>4. </a:t>
+            </a:r>
+            <a:r>
+              <a:rPr lang="ko-KR" altLang="en-US" sz="1000" dirty="0"/>
+              <a:t>생성된 데이터프레임을 하나의 엑셀 파일로 저장하는 기능이 필요합니다</a:t>
+            </a:r>
+            <a:r>
+              <a:rPr lang="en-US" altLang="ko-KR" sz="1000" dirty="0"/>
+              <a:t>. </a:t>
+            </a:r>
+            <a:r>
+              <a:rPr lang="ko-KR" altLang="en-US" sz="1000" dirty="0"/>
+              <a:t>저장된 엑셀 파일의 이름은 </a:t>
+            </a:r>
+            <a:r>
+              <a:rPr lang="en-US" altLang="ko-KR" sz="1000" dirty="0"/>
+              <a:t>'</a:t>
+            </a:r>
+            <a:r>
+              <a:rPr lang="ko-KR" altLang="en-US" sz="1000" dirty="0"/>
+              <a:t>회원정보</a:t>
+            </a:r>
+            <a:r>
+              <a:rPr lang="en-US" altLang="ko-KR" sz="1000" dirty="0"/>
+              <a:t>_</a:t>
+            </a:r>
+            <a:r>
+              <a:rPr lang="ko-KR" altLang="en-US" sz="1000" dirty="0"/>
+              <a:t>결합</a:t>
+            </a:r>
+            <a:r>
+              <a:rPr lang="en-US" altLang="ko-KR" sz="1000" dirty="0"/>
+              <a:t>.xlsx'</a:t>
+            </a:r>
+            <a:r>
+              <a:rPr lang="ko-KR" altLang="en-US" sz="1000" dirty="0"/>
+              <a:t>이어야 하며</a:t>
+            </a:r>
+            <a:r>
+              <a:rPr lang="en-US" altLang="ko-KR" sz="1000" dirty="0"/>
+              <a:t>, </a:t>
+            </a:r>
+            <a:r>
+              <a:rPr lang="ko-KR" altLang="en-US" sz="1000" dirty="0"/>
+              <a:t>파일은 현재 작업 디렉토리에 저장되어야 합니다</a:t>
+            </a:r>
+            <a:r>
+              <a:rPr lang="en-US" altLang="ko-KR" sz="1000" dirty="0"/>
+              <a:t>. </a:t>
+            </a:r>
+            <a:r>
+              <a:rPr lang="ko-KR" altLang="en-US" sz="1000" dirty="0"/>
+              <a:t>파일 저장 과정에서 오류가 발생한다면</a:t>
+            </a:r>
+            <a:r>
+              <a:rPr lang="en-US" altLang="ko-KR" sz="1000" dirty="0"/>
+              <a:t>, '</a:t>
+            </a:r>
+            <a:r>
+              <a:rPr lang="ko-KR" altLang="en-US" sz="1000" dirty="0"/>
+              <a:t>엑셀 파일을 저장하는 데 문제가 발생했습니다</a:t>
+            </a:r>
+            <a:r>
+              <a:rPr lang="en-US" altLang="ko-KR" sz="1000" dirty="0"/>
+              <a:t>.'</a:t>
+            </a:r>
+            <a:r>
+              <a:rPr lang="ko-KR" altLang="en-US" sz="1000" dirty="0"/>
+              <a:t>라는 오류 메시지를 출력해야 합니다</a:t>
+            </a:r>
+            <a:r>
+              <a:rPr lang="en-US" altLang="ko-KR" sz="1000" dirty="0"/>
+              <a:t>.</a:t>
+            </a:r>
+          </a:p>
+          <a:p>
+            <a:pPr marL="0" indent="0">
+              <a:lnSpc>
+                <a:spcPct val="150000"/>
+              </a:lnSpc>
+              <a:buNone/>
+            </a:pPr>
+            <a:r>
+              <a:rPr lang="en-US" altLang="ko-KR" sz="1000" dirty="0"/>
+              <a:t>5. </a:t>
+            </a:r>
+            <a:r>
+              <a:rPr lang="ko-KR" altLang="en-US" sz="1000" dirty="0"/>
+              <a:t>마지막으로</a:t>
+            </a:r>
+            <a:r>
+              <a:rPr lang="en-US" altLang="ko-KR" sz="1000" dirty="0"/>
+              <a:t>, </a:t>
+            </a:r>
+            <a:r>
+              <a:rPr lang="ko-KR" altLang="en-US" sz="1000" dirty="0"/>
+              <a:t>모든 </a:t>
+            </a:r>
+            <a:r>
+              <a:rPr lang="en-US" altLang="ko-KR" sz="1000" dirty="0"/>
               <a:t>txt </a:t>
             </a:r>
             <a:r>
-              <a:rPr lang="ko-KR" altLang="en-US" sz="2000" dirty="0"/>
-              <a:t>파일을 읽습니다</a:t>
-            </a:r>
-            <a:r>
-              <a:rPr lang="en-US" altLang="ko-KR" sz="2000" dirty="0"/>
+              <a:rPr lang="ko-KR" altLang="en-US" sz="1000" dirty="0"/>
+              <a:t>파일이 성공적으로 엑셀 파일로 결합되면 </a:t>
+            </a:r>
+            <a:r>
+              <a:rPr lang="en-US" altLang="ko-KR" sz="1000" dirty="0"/>
+              <a:t>'</a:t>
+            </a:r>
+            <a:r>
+              <a:rPr lang="ko-KR" altLang="en-US" sz="1000" dirty="0"/>
+              <a:t>모든 </a:t>
+            </a:r>
+            <a:r>
+              <a:rPr lang="en-US" altLang="ko-KR" sz="1000" dirty="0"/>
+              <a:t>txt </a:t>
+            </a:r>
+            <a:r>
+              <a:rPr lang="ko-KR" altLang="en-US" sz="1000" dirty="0"/>
+              <a:t>파일을 엑셀 파일로 결합 완료</a:t>
+            </a:r>
+            <a:r>
+              <a:rPr lang="en-US" altLang="ko-KR" sz="1000" dirty="0"/>
+              <a:t>!'</a:t>
+            </a:r>
+            <a:r>
+              <a:rPr lang="ko-KR" altLang="en-US" sz="1000" dirty="0"/>
+              <a:t>라는 메시지를 출력해야 합니다</a:t>
+            </a:r>
+            <a:r>
+              <a:rPr lang="en-US" altLang="ko-KR" sz="1000" dirty="0"/>
+              <a:t>. </a:t>
+            </a:r>
+            <a:r>
+              <a:rPr lang="ko-KR" altLang="en-US" sz="1000" dirty="0"/>
+              <a:t>이 작업이 실패한 경우에는 적절한 오류 메시지를 출력해야 합니다</a:t>
+            </a:r>
+            <a:r>
+              <a:rPr lang="en-US" altLang="ko-KR" sz="1000" dirty="0"/>
               <a:t>.</a:t>
             </a:r>
           </a:p>
@@ -3381,214 +4223,30 @@
               <a:buNone/>
             </a:pPr>
             <a:r>
-              <a:rPr lang="en-US" altLang="ko-KR" sz="2000" dirty="0"/>
-              <a:t>2. </a:t>
-            </a:r>
-            <a:r>
-              <a:rPr lang="ko-KR" altLang="en-US" sz="2000" dirty="0"/>
-              <a:t>각 파일에서 이름</a:t>
-            </a:r>
-            <a:r>
-              <a:rPr lang="en-US" altLang="ko-KR" sz="2000" dirty="0"/>
+              <a:rPr lang="ko-KR" altLang="en-US" sz="1000" dirty="0"/>
+              <a:t>코드는 가능한 한 예외 처리를 포함해야 하며</a:t>
+            </a:r>
+            <a:r>
+              <a:rPr lang="en-US" altLang="ko-KR" sz="1000" dirty="0"/>
               <a:t>, </a:t>
             </a:r>
             <a:r>
-              <a:rPr lang="ko-KR" altLang="en-US" sz="2000" dirty="0"/>
-              <a:t>나이</a:t>
-            </a:r>
-            <a:r>
-              <a:rPr lang="en-US" altLang="ko-KR" sz="2000" dirty="0"/>
-              <a:t>, </a:t>
-            </a:r>
-            <a:r>
-              <a:rPr lang="ko-KR" altLang="en-US" sz="2000" dirty="0"/>
-              <a:t>성별</a:t>
-            </a:r>
-            <a:r>
-              <a:rPr lang="en-US" altLang="ko-KR" sz="2000" dirty="0"/>
-              <a:t>, </a:t>
-            </a:r>
-            <a:r>
-              <a:rPr lang="ko-KR" altLang="en-US" sz="2000" dirty="0"/>
-              <a:t>이메일 주소 정보를 추출합니다</a:t>
-            </a:r>
-            <a:r>
-              <a:rPr lang="en-US" altLang="ko-KR" sz="2000" dirty="0"/>
-              <a:t>.</a:t>
-            </a:r>
-          </a:p>
-          <a:p>
-            <a:pPr marL="0" indent="0">
-              <a:lnSpc>
-                <a:spcPct val="150000"/>
-              </a:lnSpc>
-              <a:buNone/>
-            </a:pPr>
-            <a:r>
-              <a:rPr lang="en-US" altLang="ko-KR" sz="2000" dirty="0"/>
-              <a:t>3. </a:t>
-            </a:r>
-            <a:r>
-              <a:rPr lang="ko-KR" altLang="en-US" sz="2000" dirty="0"/>
-              <a:t>추출한 정보를 데이터프레임으로 만들고</a:t>
-            </a:r>
-            <a:r>
-              <a:rPr lang="en-US" altLang="ko-KR" sz="2000" dirty="0"/>
-              <a:t>, </a:t>
-            </a:r>
-            <a:r>
-              <a:rPr lang="ko-KR" altLang="en-US" sz="2000" dirty="0"/>
-              <a:t>열은 </a:t>
-            </a:r>
-            <a:r>
-              <a:rPr lang="en-US" altLang="ko-KR" sz="2000" dirty="0"/>
-              <a:t>'</a:t>
-            </a:r>
-            <a:r>
-              <a:rPr lang="ko-KR" altLang="en-US" sz="2000" dirty="0"/>
-              <a:t>이름</a:t>
-            </a:r>
-            <a:r>
-              <a:rPr lang="en-US" altLang="ko-KR" sz="2000" dirty="0"/>
-              <a:t>', '</a:t>
-            </a:r>
-            <a:r>
-              <a:rPr lang="ko-KR" altLang="en-US" sz="2000" dirty="0"/>
-              <a:t>나이</a:t>
-            </a:r>
-            <a:r>
-              <a:rPr lang="en-US" altLang="ko-KR" sz="2000" dirty="0"/>
-              <a:t>', '</a:t>
-            </a:r>
-            <a:r>
-              <a:rPr lang="ko-KR" altLang="en-US" sz="2000" dirty="0"/>
-              <a:t>성별</a:t>
-            </a:r>
-            <a:r>
-              <a:rPr lang="en-US" altLang="ko-KR" sz="2000" dirty="0"/>
-              <a:t>', '</a:t>
-            </a:r>
-            <a:r>
-              <a:rPr lang="ko-KR" altLang="en-US" sz="2000" dirty="0"/>
-              <a:t>이메일 주소</a:t>
-            </a:r>
-            <a:r>
-              <a:rPr lang="en-US" altLang="ko-KR" sz="2000" dirty="0"/>
-              <a:t>' </a:t>
-            </a:r>
-            <a:r>
-              <a:rPr lang="ko-KR" altLang="en-US" sz="2000" dirty="0"/>
-              <a:t>순서대로 생성합니다</a:t>
-            </a:r>
-            <a:r>
-              <a:rPr lang="en-US" altLang="ko-KR" sz="2000" dirty="0"/>
-              <a:t>.</a:t>
-            </a:r>
-          </a:p>
-          <a:p>
-            <a:pPr marL="0" indent="0">
-              <a:lnSpc>
-                <a:spcPct val="150000"/>
-              </a:lnSpc>
-              <a:buNone/>
-            </a:pPr>
-            <a:r>
-              <a:rPr lang="en-US" altLang="ko-KR" sz="2000" dirty="0"/>
-              <a:t>4. </a:t>
-            </a:r>
-            <a:r>
-              <a:rPr lang="ko-KR" altLang="en-US" sz="2000" dirty="0"/>
-              <a:t>데이터프레임을 하나의 엑셀 파일로 저장합니다</a:t>
-            </a:r>
-            <a:r>
-              <a:rPr lang="en-US" altLang="ko-KR" sz="2000" dirty="0"/>
+              <a:rPr lang="ko-KR" altLang="en-US" sz="1000" dirty="0"/>
+              <a:t>사용자에게 친숙하고 이해하기 쉬운 오류 메시지를 제공해야 합니다</a:t>
+            </a:r>
+            <a:r>
+              <a:rPr lang="en-US" altLang="ko-KR" sz="1000" dirty="0"/>
               <a:t>. </a:t>
             </a:r>
             <a:r>
-              <a:rPr lang="ko-KR" altLang="en-US" sz="2000" dirty="0"/>
-              <a:t>저장된 파일의 이름은 </a:t>
-            </a:r>
-            <a:r>
-              <a:rPr lang="en-US" altLang="ko-KR" sz="2000" dirty="0"/>
-              <a:t>'</a:t>
-            </a:r>
-            <a:r>
-              <a:rPr lang="ko-KR" altLang="en-US" sz="2000" dirty="0"/>
-              <a:t>회원정보</a:t>
-            </a:r>
-            <a:r>
-              <a:rPr lang="en-US" altLang="ko-KR" sz="2000" dirty="0"/>
-              <a:t>_</a:t>
-            </a:r>
-            <a:r>
-              <a:rPr lang="ko-KR" altLang="en-US" sz="2000" dirty="0"/>
-              <a:t>결합</a:t>
-            </a:r>
-            <a:r>
-              <a:rPr lang="en-US" altLang="ko-KR" sz="2000" dirty="0"/>
-              <a:t>.</a:t>
-            </a:r>
-            <a:r>
-              <a:rPr lang="en-US" altLang="ko-KR" sz="2000" dirty="0" err="1"/>
-              <a:t>xlsx</a:t>
-            </a:r>
-            <a:r>
-              <a:rPr lang="en-US" altLang="ko-KR" sz="2000" dirty="0"/>
-              <a:t>'</a:t>
-            </a:r>
-            <a:r>
-              <a:rPr lang="ko-KR" altLang="en-US" sz="2000" dirty="0"/>
-              <a:t>입니다</a:t>
-            </a:r>
-            <a:r>
-              <a:rPr lang="en-US" altLang="ko-KR" sz="2000" dirty="0"/>
-              <a:t>.</a:t>
-            </a:r>
-          </a:p>
-          <a:p>
-            <a:pPr marL="0" indent="0">
-              <a:lnSpc>
-                <a:spcPct val="150000"/>
-              </a:lnSpc>
-              <a:buNone/>
-            </a:pPr>
-            <a:r>
-              <a:rPr lang="en-US" altLang="ko-KR" sz="2000" dirty="0"/>
-              <a:t>5. </a:t>
-            </a:r>
-            <a:r>
-              <a:rPr lang="ko-KR" altLang="en-US" sz="2000" dirty="0"/>
-              <a:t>파일 결합이 완료되면 </a:t>
-            </a:r>
-            <a:r>
-              <a:rPr lang="en-US" altLang="ko-KR" sz="2000" dirty="0"/>
-              <a:t>'</a:t>
-            </a:r>
-            <a:r>
-              <a:rPr lang="ko-KR" altLang="en-US" sz="2000" dirty="0"/>
-              <a:t>모든 </a:t>
-            </a:r>
-            <a:r>
-              <a:rPr lang="en-US" altLang="ko-KR" sz="2000" dirty="0"/>
-              <a:t>txt </a:t>
-            </a:r>
-            <a:r>
-              <a:rPr lang="ko-KR" altLang="en-US" sz="2000" dirty="0"/>
-              <a:t>파일을 엑셀 파일로 결합 완료</a:t>
-            </a:r>
-            <a:r>
-              <a:rPr lang="en-US" altLang="ko-KR" sz="2000" dirty="0"/>
-              <a:t>!' </a:t>
-            </a:r>
-            <a:r>
-              <a:rPr lang="ko-KR" altLang="en-US" sz="2000" dirty="0"/>
-              <a:t>메시지를 출력합니다</a:t>
-            </a:r>
-            <a:r>
-              <a:rPr lang="en-US" altLang="ko-KR" sz="2000" dirty="0"/>
-              <a:t>.</a:t>
-            </a:r>
-            <a:endParaRPr lang="ko-KR" altLang="en-US" sz="2000" dirty="0"/>
+              <a:rPr lang="ko-KR" altLang="en-US" sz="1000" dirty="0"/>
+              <a:t>코드 실행 환경에 따라 파일 인코딩이나 정보 추출 방법을 적절하게 변경해야 할 수도 있습니다</a:t>
+            </a:r>
+            <a:r>
+              <a:rPr lang="en-US" altLang="ko-KR" sz="1000" dirty="0"/>
+              <a:t>."</a:t>
+            </a:r>
+            <a:endParaRPr lang="ko-KR" altLang="en-US" sz="1000" dirty="0"/>
           </a:p>
         </p:txBody>
       </p:sp>
@@ -3667,11 +4325,7 @@
             </a:pPr>
             <a:r>
               <a:rPr lang="ko-KR" altLang="en-US" dirty="0"/>
-              <a:t>위 코드에서 성별이 남자인 사람들은 </a:t>
-            </a:r>
-            <a:r>
-              <a:rPr lang="ko-KR" altLang="en-US" dirty="0" err="1"/>
-              <a:t>남자탭에</a:t>
+              <a:t>위 코드에서 성별이 남자인 사람들은 남자탭에</a:t>
             </a:r>
             <a:r>
               <a:rPr lang="en-US" altLang="ko-KR" dirty="0"/>
@@ -3679,15 +4333,7 @@
             </a:r>
             <a:r>
               <a:rPr lang="ko-KR" altLang="en-US" dirty="0"/>
-              <a:t>여자인 사람들은 </a:t>
-            </a:r>
-            <a:r>
-              <a:rPr lang="ko-KR" altLang="en-US" dirty="0" err="1"/>
-              <a:t>여자탭으로</a:t>
-            </a:r>
-            <a:r>
-              <a:rPr lang="ko-KR" altLang="en-US" dirty="0"/>
-              <a:t> 저장해줘</a:t>
+              <a:t>여자인 사람들은 여자탭으로 저장해줘</a:t>
             </a:r>
             <a:r>
               <a:rPr lang="en-US" altLang="ko-KR" dirty="0"/>
@@ -3897,12 +4543,8 @@
               <a:buNone/>
             </a:pPr>
             <a:r>
-              <a:rPr lang="ko-KR" altLang="en-US" dirty="0" err="1"/>
-              <a:t>파이썬</a:t>
-            </a:r>
-            <a:r>
-              <a:rPr lang="ko-KR" altLang="en-US" dirty="0"/>
-              <a:t> 코드를 작성해줘</a:t>
+              <a:rPr lang="ko-KR" altLang="en-US" dirty="0"/>
+              <a:t>파이썬 코드를 작성해줘</a:t>
             </a:r>
             <a:r>
               <a:rPr lang="en-US" altLang="ko-KR" dirty="0"/>
@@ -3942,15 +4584,7 @@
             </a:r>
             <a:r>
               <a:rPr lang="ko-KR" altLang="en-US" dirty="0"/>
-              <a:t>각각의 </a:t>
-            </a:r>
-            <a:r>
-              <a:rPr lang="ko-KR" altLang="en-US" dirty="0" err="1"/>
-              <a:t>시트명은</a:t>
-            </a:r>
-            <a:r>
-              <a:rPr lang="ko-KR" altLang="en-US" dirty="0"/>
-              <a:t> 폴더 안의 엑셀 파일 이름과 같다</a:t>
+              <a:t>각각의 시트명은 폴더 안의 엑셀 파일 이름과 같다</a:t>
             </a:r>
             <a:r>
               <a:rPr lang="en-US" altLang="ko-KR" dirty="0"/>
@@ -4230,11 +4864,7 @@
             </a:r>
             <a:r>
               <a:rPr lang="ko-KR" altLang="en-US" sz="2000" dirty="0"/>
-              <a:t>코드 실행 중에 발생할 수 있는 오류를 대비해 적절한 예외 처리를 </a:t>
-            </a:r>
-            <a:r>
-              <a:rPr lang="ko-KR" altLang="en-US" sz="2000" dirty="0" err="1"/>
-              <a:t>포함해야한다</a:t>
+              <a:t>코드 실행 중에 발생할 수 있는 오류를 대비해 적절한 예외 처리를 포함해야한다</a:t>
             </a:r>
             <a:r>
               <a:rPr lang="en-US" altLang="ko-KR" sz="2000" dirty="0"/>
@@ -4406,15 +5036,7 @@
             </a:r>
             <a:r>
               <a:rPr lang="ko-KR" altLang="en-US" dirty="0"/>
-              <a:t>사용자가 선택한 엑셀 파일에서 각 시트를 분리하여 개별 엑셀 파일로 만드는 </a:t>
-            </a:r>
-            <a:r>
-              <a:rPr lang="ko-KR" altLang="en-US" dirty="0" err="1"/>
-              <a:t>파이썬</a:t>
-            </a:r>
-            <a:r>
-              <a:rPr lang="ko-KR" altLang="en-US" dirty="0"/>
-              <a:t> 코드를 작성해주세요</a:t>
+              <a:t>사용자가 선택한 엑셀 파일에서 각 시트를 분리하여 개별 엑셀 파일로 만드는 파이썬 코드를 작성해주세요</a:t>
             </a:r>
             <a:r>
               <a:rPr lang="en-US" altLang="ko-KR" dirty="0"/>
@@ -4442,15 +5064,7 @@
             </a:r>
             <a:r>
               <a:rPr lang="en-US" altLang="ko-KR" dirty="0"/>
-              <a:t>pandas, </a:t>
-            </a:r>
-            <a:r>
-              <a:rPr lang="en-US" altLang="ko-KR" dirty="0" err="1"/>
-              <a:t>tkinter</a:t>
-            </a:r>
-            <a:r>
-              <a:rPr lang="en-US" altLang="ko-KR" dirty="0"/>
-              <a:t> </a:t>
+              <a:t>pandas, tkinter </a:t>
             </a:r>
             <a:r>
               <a:rPr lang="ko-KR" altLang="en-US" dirty="0"/>
@@ -4645,7 +5259,7 @@
               <a:buNone/>
             </a:pPr>
             <a:r>
-              <a:rPr lang="en-US" altLang="ko-KR" sz="2000" dirty="0" err="1"/>
+              <a:rPr lang="en-US" altLang="ko-KR" sz="2000" dirty="0"/>
               <a:t>Tkinter</a:t>
             </a:r>
             <a:r>
@@ -4797,15 +5411,7 @@
             </a:pPr>
             <a:r>
               <a:rPr lang="ko-KR" altLang="en-US" sz="1200" dirty="0"/>
-              <a:t>필요한 라이브러리를 </a:t>
-            </a:r>
-            <a:r>
-              <a:rPr lang="ko-KR" altLang="en-US" sz="1200" dirty="0" err="1"/>
-              <a:t>임포트하는</a:t>
-            </a:r>
-            <a:r>
-              <a:rPr lang="ko-KR" altLang="en-US" sz="1200" dirty="0"/>
-              <a:t> 코드를 작성합니다</a:t>
+              <a:t>필요한 라이브러리를 임포트하는 코드를 작성합니다</a:t>
             </a:r>
             <a:r>
               <a:rPr lang="en-US" altLang="ko-KR" sz="1200" dirty="0"/>
@@ -4817,47 +5423,7 @@
             </a:r>
             <a:r>
               <a:rPr lang="en-US" altLang="ko-KR" sz="1200" dirty="0"/>
-              <a:t>'</a:t>
-            </a:r>
-            <a:r>
-              <a:rPr lang="en-US" altLang="ko-KR" sz="1200" dirty="0" err="1"/>
-              <a:t>os</a:t>
-            </a:r>
-            <a:r>
-              <a:rPr lang="en-US" altLang="ko-KR" sz="1200" dirty="0"/>
-              <a:t>', '</a:t>
-            </a:r>
-            <a:r>
-              <a:rPr lang="en-US" altLang="ko-KR" sz="1200" dirty="0" err="1"/>
-              <a:t>tkinter</a:t>
-            </a:r>
-            <a:r>
-              <a:rPr lang="en-US" altLang="ko-KR" sz="1200" dirty="0"/>
-              <a:t>', '</a:t>
-            </a:r>
-            <a:r>
-              <a:rPr lang="en-US" altLang="ko-KR" sz="1200" dirty="0" err="1"/>
-              <a:t>filedialog</a:t>
-            </a:r>
-            <a:r>
-              <a:rPr lang="en-US" altLang="ko-KR" sz="1200" dirty="0"/>
-              <a:t>', 'Document' (from '</a:t>
-            </a:r>
-            <a:r>
-              <a:rPr lang="en-US" altLang="ko-KR" sz="1200" dirty="0" err="1"/>
-              <a:t>docx</a:t>
-            </a:r>
-            <a:r>
-              <a:rPr lang="en-US" altLang="ko-KR" sz="1200" dirty="0"/>
-              <a:t>'), '</a:t>
-            </a:r>
-            <a:r>
-              <a:rPr lang="en-US" altLang="ko-KR" sz="1200" dirty="0" err="1"/>
-              <a:t>openpyxl</a:t>
-            </a:r>
-            <a:r>
-              <a:rPr lang="en-US" altLang="ko-KR" sz="1200" dirty="0"/>
-              <a:t>'</a:t>
+              <a:t>'os', 'tkinter', 'filedialog', 'Document' (from 'docx'), 'openpyxl'</a:t>
             </a:r>
             <a:r>
               <a:rPr lang="ko-KR" altLang="en-US" sz="1200" dirty="0"/>
@@ -4928,7 +5494,7 @@
               <a:t>이 함수는 </a:t>
             </a:r>
             <a:r>
-              <a:rPr lang="en-US" altLang="ko-KR" sz="1200" dirty="0" err="1"/>
+              <a:rPr lang="en-US" altLang="ko-KR" sz="1200" dirty="0"/>
               <a:t>tkinter</a:t>
             </a:r>
             <a:r>
@@ -4936,7 +5502,7 @@
               <a:t>의 </a:t>
             </a:r>
             <a:r>
-              <a:rPr lang="en-US" altLang="ko-KR" sz="1200" dirty="0" err="1"/>
+              <a:rPr lang="en-US" altLang="ko-KR" sz="1200" dirty="0"/>
               <a:t>filedialog</a:t>
             </a:r>
             <a:r>
@@ -5285,12 +5851,8 @@
           <a:lstStyle/>
           <a:p>
             <a:r>
-              <a:rPr lang="en-US" altLang="ko-KR" b="1" dirty="0" err="1"/>
-              <a:t>ChatGPT</a:t>
-            </a:r>
-            <a:r>
               <a:rPr lang="en-US" altLang="ko-KR" b="1" dirty="0"/>
-              <a:t> </a:t>
+              <a:t>ChatGPT </a:t>
             </a:r>
             <a:r>
               <a:rPr lang="ko-KR" altLang="en-US" b="1" dirty="0"/>
@@ -5334,7 +5896,7 @@
               <a:t>소중한 동료 여러분께서 </a:t>
             </a:r>
             <a:r>
-              <a:rPr lang="en-US" altLang="ko-KR" sz="1000" dirty="0" err="1"/>
+              <a:rPr lang="en-US" altLang="ko-KR" sz="1000" dirty="0"/>
               <a:t>ChatGPT</a:t>
             </a:r>
             <a:r>
@@ -5346,12 +5908,8 @@
               <a:t>. </a:t>
             </a:r>
             <a:r>
-              <a:rPr lang="ko-KR" altLang="en-US" sz="1000" dirty="0" err="1"/>
-              <a:t>먹는물검사팀에서</a:t>
-            </a:r>
-            <a:r>
               <a:rPr lang="ko-KR" altLang="en-US" sz="1000" dirty="0"/>
-              <a:t> 약 </a:t>
+              <a:t>먹는물검사팀에서 약 </a:t>
             </a:r>
             <a:r>
               <a:rPr lang="en-US" altLang="ko-KR" sz="1000" dirty="0"/>
@@ -5381,12 +5939,8 @@
               </a:lnSpc>
             </a:pPr>
             <a:r>
-              <a:rPr lang="ko-KR" altLang="en-US" sz="1000" dirty="0" err="1"/>
-              <a:t>알파고</a:t>
-            </a:r>
-            <a:r>
               <a:rPr lang="ko-KR" altLang="en-US" sz="1000" dirty="0"/>
-              <a:t> 이후 다시 불어온 </a:t>
+              <a:t>알파고 이후 다시 불어온 </a:t>
             </a:r>
             <a:r>
               <a:rPr lang="en-US" altLang="ko-KR" sz="1000" dirty="0"/>
@@ -5412,7 +5966,7 @@
               </a:lnSpc>
             </a:pPr>
             <a:r>
-              <a:rPr lang="en-US" altLang="ko-KR" sz="1000" dirty="0" err="1"/>
+              <a:rPr lang="en-US" altLang="ko-KR" sz="1000" dirty="0"/>
               <a:t>ChatGPT</a:t>
             </a:r>
             <a:r>
@@ -5457,15 +6011,7 @@
             </a:r>
             <a:r>
               <a:rPr lang="ko-KR" altLang="en-US" sz="1000" dirty="0"/>
-              <a:t>드라마 </a:t>
-            </a:r>
-            <a:r>
-              <a:rPr lang="ko-KR" altLang="en-US" sz="1000" dirty="0" err="1"/>
-              <a:t>시놉시스</a:t>
-            </a:r>
-            <a:r>
-              <a:rPr lang="ko-KR" altLang="en-US" sz="1000" dirty="0"/>
-              <a:t> 작성</a:t>
+              <a:t>드라마 시놉시스 작성</a:t>
             </a:r>
             <a:r>
               <a:rPr lang="en-US" altLang="ko-KR" sz="1000" dirty="0"/>
@@ -5488,7 +6034,7 @@
               <a:t>, </a:t>
             </a:r>
             <a:r>
-              <a:rPr lang="ko-KR" altLang="en-US" sz="1000" dirty="0" err="1"/>
+              <a:rPr lang="ko-KR" altLang="en-US" sz="1000" dirty="0"/>
               <a:t>프로그램언</a:t>
             </a:r>
             <a:r>
@@ -5535,7 +6081,7 @@
               <a:t>, </a:t>
             </a:r>
             <a:r>
-              <a:rPr lang="ko-KR" altLang="en-US" sz="1000" dirty="0" err="1"/>
+              <a:rPr lang="ko-KR" altLang="en-US" sz="1000" dirty="0"/>
               <a:t>할루시네이션</a:t>
             </a:r>
             <a:r>
@@ -5618,15 +6164,7 @@
             </a:r>
             <a:r>
               <a:rPr lang="ko-KR" altLang="en-US" sz="1000" dirty="0"/>
-              <a:t>관심 있으신 분들은 </a:t>
-            </a:r>
-            <a:r>
-              <a:rPr lang="ko-KR" altLang="en-US" sz="1000" dirty="0" err="1"/>
-              <a:t>팀별로</a:t>
-            </a:r>
-            <a:r>
-              <a:rPr lang="ko-KR" altLang="en-US" sz="1000" dirty="0"/>
-              <a:t> 수강인원을 취합하여 알려주세요</a:t>
+              <a:t>관심 있으신 분들은 팀별로 수강인원을 취합하여 알려주세요</a:t>
             </a:r>
             <a:r>
               <a:rPr lang="en-US" altLang="ko-KR" sz="1000" dirty="0"/>
@@ -5691,7 +6229,7 @@
               <a:t>이번 발표를 통해 여러분께서는 </a:t>
             </a:r>
             <a:r>
-              <a:rPr lang="en-US" altLang="ko-KR" sz="1000" dirty="0" err="1"/>
+              <a:rPr lang="en-US" altLang="ko-KR" sz="1000" dirty="0"/>
               <a:t>ChatGPT</a:t>
             </a:r>
             <a:r>
@@ -5712,23 +6250,7 @@
             </a:r>
             <a:r>
               <a:rPr lang="ko-KR" altLang="en-US" sz="1000" dirty="0"/>
-              <a:t>시대에서 어떻게 대응해야 할지에 대한 </a:t>
-            </a:r>
-            <a:r>
-              <a:rPr lang="ko-KR" altLang="en-US" sz="1000" dirty="0" err="1"/>
-              <a:t>인사이트를</a:t>
-            </a:r>
-            <a:r>
-              <a:rPr lang="ko-KR" altLang="en-US" sz="1000" dirty="0"/>
-              <a:t> </a:t>
-            </a:r>
-            <a:r>
-              <a:rPr lang="ko-KR" altLang="en-US" sz="1000" dirty="0" err="1"/>
-              <a:t>얻어가실</a:t>
-            </a:r>
-            <a:r>
-              <a:rPr lang="ko-KR" altLang="en-US" sz="1000" dirty="0"/>
-              <a:t> 수 있습니다</a:t>
+              <a:t>시대에서 어떻게 대응해야 할지에 대한 인사이트를 얻어가실 수 있습니다</a:t>
             </a:r>
             <a:r>
               <a:rPr lang="en-US" altLang="ko-KR" sz="1000" dirty="0"/>
@@ -5815,15 +6337,7 @@
           <a:p>
             <a:r>
               <a:rPr lang="en-US" altLang="ko-KR" b="1" dirty="0"/>
-              <a:t>Google </a:t>
-            </a:r>
-            <a:r>
-              <a:rPr lang="en-US" altLang="ko-KR" b="1" dirty="0" err="1"/>
-              <a:t>colab</a:t>
-            </a:r>
-            <a:r>
-              <a:rPr lang="en-US" altLang="ko-KR" b="1" dirty="0"/>
-              <a:t>, PDF</a:t>
+              <a:t>Google colab, PDF</a:t>
             </a:r>
             <a:r>
               <a:rPr lang="ko-KR" altLang="en-US" b="1" dirty="0"/>
@@ -5867,12 +6381,8 @@
               <a:t>라이브러리를 이용해서 </a:t>
             </a:r>
             <a:r>
-              <a:rPr lang="en-US" altLang="ko-KR" dirty="0" err="1"/>
-              <a:t>pdf_files</a:t>
-            </a:r>
-            <a:r>
-              <a:rPr lang="en-US" altLang="ko-KR" dirty="0"/>
-              <a:t> </a:t>
+              <a:rPr lang="en-US" altLang="ko-KR" dirty="0"/>
+              <a:t>pdf_files </a:t>
             </a:r>
             <a:r>
               <a:rPr lang="ko-KR" altLang="en-US" dirty="0"/>
@@ -5924,12 +6434,8 @@
               <a:buNone/>
             </a:pPr>
             <a:r>
-              <a:rPr lang="en-US" altLang="ko-KR" dirty="0" err="1"/>
-              <a:t>Pdf_files</a:t>
-            </a:r>
-            <a:r>
-              <a:rPr lang="en-US" altLang="ko-KR" dirty="0"/>
-              <a:t> </a:t>
+              <a:rPr lang="en-US" altLang="ko-KR" dirty="0"/>
+              <a:t>Pdf_files </a:t>
             </a:r>
             <a:r>
               <a:rPr lang="ko-KR" altLang="en-US" dirty="0"/>
@@ -5941,15 +6447,7 @@
             </a:r>
             <a:r>
               <a:rPr lang="ko-KR" altLang="en-US" dirty="0"/>
-              <a:t>파일 </a:t>
-            </a:r>
-            <a:r>
-              <a:rPr lang="ko-KR" altLang="en-US" dirty="0" err="1"/>
-              <a:t>추가해둘</a:t>
-            </a:r>
-            <a:r>
-              <a:rPr lang="ko-KR" altLang="en-US" dirty="0"/>
-              <a:t> 것</a:t>
+              <a:t>파일 추가해둘 것</a:t>
             </a:r>
             <a:r>
               <a:rPr lang="en-US" altLang="ko-KR" dirty="0"/>
@@ -6006,15 +6504,7 @@
           <a:p>
             <a:r>
               <a:rPr lang="en-US" altLang="ko-KR" b="1" dirty="0"/>
-              <a:t>Google </a:t>
-            </a:r>
-            <a:r>
-              <a:rPr lang="en-US" altLang="ko-KR" b="1" dirty="0" err="1"/>
-              <a:t>colab</a:t>
-            </a:r>
-            <a:r>
-              <a:rPr lang="en-US" altLang="ko-KR" b="1" dirty="0"/>
-              <a:t>, PDF</a:t>
+              <a:t>Google colab, PDF</a:t>
             </a:r>
             <a:r>
               <a:rPr lang="ko-KR" altLang="en-US" b="1" dirty="0"/>
@@ -6121,15 +6611,7 @@
             </a:r>
             <a:r>
               <a:rPr lang="en-US" altLang="ko-KR" sz="1200" dirty="0"/>
-              <a:t>'</a:t>
-            </a:r>
-            <a:r>
-              <a:rPr lang="en-US" altLang="ko-KR" sz="1200" dirty="0" err="1"/>
-              <a:t>poppler-utils</a:t>
-            </a:r>
-            <a:r>
-              <a:rPr lang="en-US" altLang="ko-KR" sz="1200" dirty="0"/>
-              <a:t>', </a:t>
+              <a:t>'poppler-utils', </a:t>
             </a:r>
             <a:r>
               <a:rPr lang="ko-KR" altLang="en-US" sz="1200" dirty="0"/>
@@ -6194,15 +6676,7 @@
             </a:pPr>
             <a:r>
               <a:rPr lang="en-US" altLang="ko-KR" sz="1200" dirty="0"/>
-              <a:t>2. '</a:t>
-            </a:r>
-            <a:r>
-              <a:rPr lang="en-US" altLang="ko-KR" sz="1200" dirty="0" err="1"/>
-              <a:t>os</a:t>
-            </a:r>
-            <a:r>
-              <a:rPr lang="en-US" altLang="ko-KR" sz="1200" dirty="0"/>
-              <a:t>'</a:t>
+              <a:t>2. 'os'</a:t>
             </a:r>
             <a:r>
               <a:rPr lang="ko-KR" altLang="en-US" sz="1200" dirty="0"/>
@@ -6214,15 +6688,7 @@
             </a:r>
             <a:r>
               <a:rPr lang="ko-KR" altLang="en-US" sz="1200" dirty="0"/>
-              <a:t>라이브러리를 </a:t>
-            </a:r>
-            <a:r>
-              <a:rPr lang="ko-KR" altLang="en-US" sz="1200" dirty="0" err="1"/>
-              <a:t>임포트하는</a:t>
-            </a:r>
-            <a:r>
-              <a:rPr lang="ko-KR" altLang="en-US" sz="1200" dirty="0"/>
-              <a:t> 코드를 작성합니다</a:t>
+              <a:t>라이브러리를 임포트하는 코드를 작성합니다</a:t>
             </a:r>
             <a:r>
               <a:rPr lang="en-US" altLang="ko-KR" sz="1200" dirty="0"/>
@@ -6242,12 +6708,8 @@
               <a:t>파일은 </a:t>
             </a:r>
             <a:r>
-              <a:rPr lang="en-US" altLang="ko-KR" sz="1200" dirty="0" err="1"/>
-              <a:t>pdf_files</a:t>
-            </a:r>
-            <a:r>
               <a:rPr lang="en-US" altLang="ko-KR" sz="1200" dirty="0"/>
-              <a:t> </a:t>
+              <a:t>pdf_files </a:t>
             </a:r>
             <a:r>
               <a:rPr lang="ko-KR" altLang="en-US" sz="1200" dirty="0"/>
@@ -6347,15 +6809,7 @@
             </a:r>
             <a:r>
               <a:rPr lang="en-US" altLang="ko-KR" sz="1200" dirty="0"/>
-              <a:t>'</a:t>
-            </a:r>
-            <a:r>
-              <a:rPr lang="en-US" altLang="ko-KR" sz="1200" dirty="0" err="1"/>
-              <a:t>convert_from_path</a:t>
-            </a:r>
-            <a:r>
-              <a:rPr lang="en-US" altLang="ko-KR" sz="1200" dirty="0"/>
-              <a:t>' </a:t>
+              <a:t>'convert_from_path' </a:t>
             </a:r>
             <a:r>
               <a:rPr lang="ko-KR" altLang="en-US" sz="1200" dirty="0"/>
@@ -6689,15 +7143,7 @@
             </a:r>
             <a:r>
               <a:rPr lang="ko-KR" altLang="en-US" dirty="0"/>
-              <a:t>이를 </a:t>
-            </a:r>
-            <a:r>
-              <a:rPr lang="ko-KR" altLang="en-US" dirty="0" err="1"/>
-              <a:t>로마숫자로</a:t>
-            </a:r>
-            <a:r>
-              <a:rPr lang="ko-KR" altLang="en-US" dirty="0"/>
-              <a:t> 변환하여</a:t>
+              <a:t>이를 로마숫자로 변환하여</a:t>
             </a:r>
             <a:r>
               <a:rPr lang="en-US" altLang="ko-KR" dirty="0"/>
@@ -6712,12 +7158,8 @@
               <a:t>. </a:t>
             </a:r>
             <a:r>
-              <a:rPr lang="ko-KR" altLang="en-US" dirty="0" err="1"/>
-              <a:t>엑셀코드를</a:t>
-            </a:r>
-            <a:r>
-              <a:rPr lang="ko-KR" altLang="en-US" dirty="0"/>
-              <a:t> 작성해라</a:t>
+              <a:rPr lang="ko-KR" altLang="en-US" dirty="0"/>
+              <a:t>엑셀코드를 작성해라</a:t>
             </a:r>
             <a:r>
               <a:rPr lang="en-US" altLang="ko-KR" dirty="0"/>
@@ -6893,11 +7335,7 @@
             </a:r>
             <a:r>
               <a:rPr lang="ko-KR" altLang="en-US" dirty="0"/>
-              <a:t>을 </a:t>
-            </a:r>
-            <a:r>
-              <a:rPr lang="ko-KR" altLang="en-US" dirty="0" err="1"/>
-              <a:t>사용해야한다</a:t>
+              <a:t>을 사용해야한다</a:t>
             </a:r>
             <a:r>
               <a:rPr lang="en-US" altLang="ko-KR" dirty="0"/>
@@ -7045,15 +7483,7 @@
             </a:r>
             <a:r>
               <a:rPr lang="en-US" altLang="ko-KR" sz="1400" dirty="0"/>
-              <a:t>＇</a:t>
-            </a:r>
-            <a:r>
-              <a:rPr lang="en-US" altLang="ko-KR" sz="1400" dirty="0" err="1"/>
-              <a:t>UsedRange</a:t>
-            </a:r>
-            <a:r>
-              <a:rPr lang="en-US" altLang="ko-KR" sz="1400" dirty="0"/>
-              <a:t>＇ </a:t>
+              <a:t>＇UsedRange＇ </a:t>
             </a:r>
             <a:r>
               <a:rPr lang="ko-KR" altLang="en-US" sz="1400" dirty="0"/>
@@ -7145,15 +7575,7 @@
             </a:r>
             <a:r>
               <a:rPr lang="ko-KR" altLang="en-US" sz="1400" dirty="0"/>
-              <a:t>보다 </a:t>
-            </a:r>
-            <a:r>
-              <a:rPr lang="ko-KR" altLang="en-US" sz="1400" dirty="0" err="1"/>
-              <a:t>작은지</a:t>
-            </a:r>
-            <a:r>
-              <a:rPr lang="ko-KR" altLang="en-US" sz="1400" dirty="0"/>
-              <a:t> 확인한다</a:t>
+              <a:t>보다 작은지 확인한다</a:t>
             </a:r>
             <a:r>
               <a:rPr lang="en-US" altLang="ko-KR" sz="1400" dirty="0"/>
@@ -7181,15 +7603,7 @@
             </a:r>
             <a:r>
               <a:rPr lang="en-US" altLang="ko-KR" sz="1400" dirty="0"/>
-              <a:t>, </a:t>
-            </a:r>
-            <a:r>
-              <a:rPr lang="en-US" altLang="ko-KR" sz="1400" dirty="0" err="1"/>
-              <a:t>WorksheetFunction.roman</a:t>
-            </a:r>
-            <a:r>
-              <a:rPr lang="en-US" altLang="ko-KR" sz="1400" dirty="0"/>
-              <a:t> </a:t>
+              <a:t>, WorksheetFunction.roman </a:t>
             </a:r>
             <a:r>
               <a:rPr lang="ko-KR" altLang="en-US" sz="1400" dirty="0"/>
@@ -7329,12 +7743,8 @@
               <a:t>엑셀 </a:t>
             </a:r>
             <a:r>
-              <a:rPr lang="en-US" altLang="ko-KR" dirty="0" err="1"/>
-              <a:t>vba</a:t>
-            </a:r>
-            <a:r>
-              <a:rPr lang="en-US" altLang="ko-KR" dirty="0"/>
-              <a:t> </a:t>
+              <a:rPr lang="en-US" altLang="ko-KR" dirty="0"/>
+              <a:t>vba </a:t>
             </a:r>
             <a:r>
               <a:rPr lang="ko-KR" altLang="en-US" dirty="0"/>
@@ -7745,12 +8155,8 @@
               <a:t>| </a:t>
             </a:r>
             <a:r>
-              <a:rPr lang="ko-KR" altLang="en-US" dirty="0" err="1"/>
-              <a:t>봉화산</a:t>
-            </a:r>
-            <a:r>
-              <a:rPr lang="ko-KR" altLang="en-US" dirty="0"/>
-              <a:t> </a:t>
+              <a:rPr lang="ko-KR" altLang="en-US" dirty="0"/>
+              <a:t>봉화산 </a:t>
             </a:r>
             <a:r>
               <a:rPr lang="en-US" altLang="ko-KR" dirty="0"/>
@@ -7774,24 +8180,16 @@
               <a:t>| 2  | </a:t>
             </a:r>
             <a:r>
-              <a:rPr lang="ko-KR" altLang="en-US" dirty="0" err="1"/>
-              <a:t>동인천</a:t>
-            </a:r>
-            <a:r>
-              <a:rPr lang="ko-KR" altLang="en-US" dirty="0"/>
-              <a:t> </a:t>
+              <a:rPr lang="ko-KR" altLang="en-US" dirty="0"/>
+              <a:t>동인천 </a:t>
             </a:r>
             <a:r>
               <a:rPr lang="en-US" altLang="ko-KR" dirty="0"/>
               <a:t>| </a:t>
             </a:r>
             <a:r>
-              <a:rPr lang="ko-KR" altLang="en-US" dirty="0" err="1"/>
-              <a:t>건대입구</a:t>
-            </a:r>
-            <a:r>
-              <a:rPr lang="ko-KR" altLang="en-US" dirty="0"/>
-              <a:t>  </a:t>
+              <a:rPr lang="ko-KR" altLang="en-US" dirty="0"/>
+              <a:t>건대입구  </a:t>
             </a:r>
             <a:r>
               <a:rPr lang="en-US" altLang="ko-KR" dirty="0"/>
@@ -7806,12 +8204,8 @@
               <a:t>| </a:t>
             </a:r>
             <a:r>
-              <a:rPr lang="ko-KR" altLang="en-US" dirty="0" err="1"/>
-              <a:t>정왕</a:t>
-            </a:r>
-            <a:r>
-              <a:rPr lang="ko-KR" altLang="en-US" dirty="0"/>
-              <a:t>   </a:t>
+              <a:rPr lang="ko-KR" altLang="en-US" dirty="0"/>
+              <a:t>정왕   </a:t>
             </a:r>
             <a:r>
               <a:rPr lang="en-US" altLang="ko-KR" dirty="0"/>
@@ -7826,12 +8220,8 @@
               <a:t>| </a:t>
             </a:r>
             <a:r>
-              <a:rPr lang="ko-KR" altLang="en-US" dirty="0" err="1"/>
-              <a:t>화랑대</a:t>
-            </a:r>
-            <a:r>
-              <a:rPr lang="ko-KR" altLang="en-US" dirty="0"/>
-              <a:t> </a:t>
+              <a:rPr lang="ko-KR" altLang="en-US" dirty="0"/>
+              <a:t>화랑대 </a:t>
             </a:r>
             <a:r>
               <a:rPr lang="en-US" altLang="ko-KR" dirty="0"/>
@@ -7879,12 +8269,8 @@
               <a:t>| </a:t>
             </a:r>
             <a:r>
-              <a:rPr lang="ko-KR" altLang="en-US" dirty="0" err="1"/>
-              <a:t>신길온천</a:t>
-            </a:r>
-            <a:r>
-              <a:rPr lang="ko-KR" altLang="en-US" dirty="0"/>
-              <a:t> </a:t>
+              <a:rPr lang="ko-KR" altLang="en-US" dirty="0"/>
+              <a:t>신길온천 </a:t>
             </a:r>
             <a:r>
               <a:rPr lang="en-US" altLang="ko-KR" dirty="0"/>
@@ -7940,12 +8326,8 @@
               <a:t>| </a:t>
             </a:r>
             <a:r>
-              <a:rPr lang="ko-KR" altLang="en-US" dirty="0" err="1"/>
-              <a:t>학여울</a:t>
-            </a:r>
-            <a:r>
-              <a:rPr lang="ko-KR" altLang="en-US" dirty="0"/>
-              <a:t>   </a:t>
+              <a:rPr lang="ko-KR" altLang="en-US" dirty="0"/>
+              <a:t>학여울   </a:t>
             </a:r>
             <a:r>
               <a:rPr lang="en-US" altLang="ko-KR" dirty="0"/>
@@ -7968,24 +8350,16 @@
               <a:t>| </a:t>
             </a:r>
             <a:r>
-              <a:rPr lang="ko-KR" altLang="en-US" dirty="0" err="1"/>
-              <a:t>석계</a:t>
-            </a:r>
-            <a:r>
-              <a:rPr lang="ko-KR" altLang="en-US" dirty="0"/>
-              <a:t>  </a:t>
+              <a:rPr lang="ko-KR" altLang="en-US" dirty="0"/>
+              <a:t>석계  </a:t>
             </a:r>
             <a:r>
               <a:rPr lang="en-US" altLang="ko-KR" dirty="0"/>
               <a:t>| </a:t>
             </a:r>
             <a:r>
-              <a:rPr lang="ko-KR" altLang="en-US" dirty="0" err="1"/>
-              <a:t>수락산</a:t>
-            </a:r>
-            <a:r>
-              <a:rPr lang="ko-KR" altLang="en-US" dirty="0"/>
-              <a:t>  </a:t>
+              <a:rPr lang="ko-KR" altLang="en-US" dirty="0"/>
+              <a:t>수락산  </a:t>
             </a:r>
             <a:r>
               <a:rPr lang="en-US" altLang="ko-KR" dirty="0"/>
@@ -8041,12 +8415,8 @@
               <a:t>| </a:t>
             </a:r>
             <a:r>
-              <a:rPr lang="ko-KR" altLang="en-US" dirty="0" err="1"/>
-              <a:t>돌곶이</a:t>
-            </a:r>
-            <a:r>
-              <a:rPr lang="ko-KR" altLang="en-US" dirty="0"/>
-              <a:t> </a:t>
+              <a:rPr lang="ko-KR" altLang="en-US" dirty="0"/>
+              <a:t>돌곶이 </a:t>
             </a:r>
             <a:r>
               <a:rPr lang="en-US" altLang="ko-KR" dirty="0"/>
@@ -8151,12 +8521,8 @@
               <a:t>| </a:t>
             </a:r>
             <a:r>
-              <a:rPr lang="ko-KR" altLang="en-US" dirty="0" err="1"/>
-              <a:t>매봉</a:t>
-            </a:r>
-            <a:r>
-              <a:rPr lang="ko-KR" altLang="en-US" dirty="0"/>
-              <a:t>    </a:t>
+              <a:rPr lang="ko-KR" altLang="en-US" dirty="0"/>
+              <a:t>매봉    </a:t>
             </a:r>
             <a:r>
               <a:rPr lang="en-US" altLang="ko-KR" dirty="0"/>
@@ -8171,24 +8537,16 @@
               <a:t>| </a:t>
             </a:r>
             <a:r>
-              <a:rPr lang="ko-KR" altLang="en-US" dirty="0" err="1"/>
-              <a:t>우장산</a:t>
-            </a:r>
-            <a:r>
-              <a:rPr lang="ko-KR" altLang="en-US" dirty="0"/>
-              <a:t>  </a:t>
+              <a:rPr lang="ko-KR" altLang="en-US" dirty="0"/>
+              <a:t>우장산  </a:t>
             </a:r>
             <a:r>
               <a:rPr lang="en-US" altLang="ko-KR" dirty="0"/>
               <a:t>| </a:t>
             </a:r>
             <a:r>
-              <a:rPr lang="ko-KR" altLang="en-US" dirty="0" err="1"/>
-              <a:t>월곡</a:t>
-            </a:r>
-            <a:r>
-              <a:rPr lang="ko-KR" altLang="en-US" dirty="0"/>
-              <a:t>  </a:t>
+              <a:rPr lang="ko-KR" altLang="en-US" dirty="0"/>
+              <a:t>월곡  </a:t>
             </a:r>
             <a:r>
               <a:rPr lang="en-US" altLang="ko-KR" dirty="0"/>
@@ -8212,12 +8570,8 @@
               <a:t>| 8  | </a:t>
             </a:r>
             <a:r>
-              <a:rPr lang="ko-KR" altLang="en-US" dirty="0" err="1"/>
-              <a:t>동암</a:t>
-            </a:r>
-            <a:r>
-              <a:rPr lang="ko-KR" altLang="en-US" dirty="0"/>
-              <a:t>  </a:t>
+              <a:rPr lang="ko-KR" altLang="en-US" dirty="0"/>
+              <a:t>동암  </a:t>
             </a:r>
             <a:r>
               <a:rPr lang="en-US" altLang="ko-KR" dirty="0"/>
@@ -8240,12 +8594,8 @@
               <a:t>| </a:t>
             </a:r>
             <a:r>
-              <a:rPr lang="ko-KR" altLang="en-US" dirty="0" err="1"/>
-              <a:t>한대앞</a:t>
-            </a:r>
-            <a:r>
-              <a:rPr lang="ko-KR" altLang="en-US" dirty="0"/>
-              <a:t>  </a:t>
+              <a:rPr lang="ko-KR" altLang="en-US" dirty="0"/>
+              <a:t>한대앞  </a:t>
             </a:r>
             <a:r>
               <a:rPr lang="en-US" altLang="ko-KR" dirty="0"/>
@@ -8398,12 +8748,8 @@
               <a:t>| </a:t>
             </a:r>
             <a:r>
-              <a:rPr lang="ko-KR" altLang="en-US" dirty="0" err="1"/>
-              <a:t>태릉입구</a:t>
-            </a:r>
-            <a:r>
-              <a:rPr lang="ko-KR" altLang="en-US" dirty="0"/>
-              <a:t> </a:t>
+              <a:rPr lang="ko-KR" altLang="en-US" dirty="0"/>
+              <a:t>태릉입구 </a:t>
             </a:r>
             <a:r>
               <a:rPr lang="en-US" altLang="ko-KR" dirty="0"/>
@@ -8614,7 +8960,7 @@
               <a:t>"</a:t>
             </a:r>
             <a:r>
-              <a:rPr lang="ko-KR" altLang="en-US" sz="2400" dirty="0" err="1"/>
+              <a:rPr lang="ko-KR" altLang="en-US" sz="2400" dirty="0"/>
               <a:t>한대앞</a:t>
             </a:r>
             <a:r>
@@ -8630,12 +8976,8 @@
               <a:t>"</a:t>
             </a:r>
             <a:r>
-              <a:rPr lang="ko-KR" altLang="en-US" sz="2400" dirty="0" err="1"/>
-              <a:t>한대앞</a:t>
-            </a:r>
-            <a:r>
               <a:rPr lang="ko-KR" altLang="en-US" sz="2400" dirty="0"/>
-              <a:t> </a:t>
+              <a:t>한대앞 </a:t>
             </a:r>
             <a:r>
               <a:rPr lang="en-US" altLang="ko-KR" sz="2400" dirty="0"/>
@@ -8792,11 +9134,7 @@
             </a:pPr>
             <a:r>
               <a:rPr lang="en-US" altLang="ko-KR" dirty="0"/>
-              <a:t>1. </a:t>
-            </a:r>
-            <a:r>
-              <a:rPr lang="en-US" altLang="ko-KR" dirty="0" err="1"/>
-              <a:t>ChatGPT</a:t>
+              <a:t>1. ChatGPT</a:t>
             </a:r>
             <a:r>
               <a:rPr lang="ko-KR" altLang="en-US" dirty="0"/>
@@ -8838,11 +9176,7 @@
             </a:pPr>
             <a:r>
               <a:rPr lang="en-US" altLang="ko-KR" dirty="0"/>
-              <a:t>3. </a:t>
-            </a:r>
-            <a:r>
-              <a:rPr lang="en-US" altLang="ko-KR" dirty="0" err="1"/>
-              <a:t>ChatGPT</a:t>
+              <a:t>3. ChatGPT</a:t>
             </a:r>
             <a:r>
               <a:rPr lang="ko-KR" altLang="en-US" dirty="0"/>
@@ -9644,7 +9978,7 @@
               <a:t>"</a:t>
             </a:r>
             <a:r>
-              <a:rPr lang="ko-KR" altLang="en-US" dirty="0" err="1"/>
+              <a:rPr lang="ko-KR" altLang="en-US" dirty="0"/>
               <a:t>한대앞</a:t>
             </a:r>
             <a:r>
@@ -9660,12 +9994,8 @@
               <a:t>"</a:t>
             </a:r>
             <a:r>
-              <a:rPr lang="ko-KR" altLang="en-US" dirty="0" err="1"/>
-              <a:t>한대앞</a:t>
-            </a:r>
-            <a:r>
-              <a:rPr lang="ko-KR" altLang="en-US" dirty="0"/>
-              <a:t> </a:t>
+              <a:rPr lang="ko-KR" altLang="en-US" dirty="0"/>
+              <a:t>한대앞 </a:t>
             </a:r>
             <a:r>
               <a:rPr lang="en-US" altLang="ko-KR" dirty="0"/>
@@ -9746,15 +10076,7 @@
           <a:p>
             <a:r>
               <a:rPr lang="ko-KR" altLang="en-US" dirty="0"/>
-              <a:t>엑셀 </a:t>
-            </a:r>
-            <a:r>
-              <a:rPr lang="ko-KR" altLang="en-US" dirty="0" err="1"/>
-              <a:t>날짜별로</a:t>
-            </a:r>
-            <a:r>
-              <a:rPr lang="ko-KR" altLang="en-US" dirty="0"/>
-              <a:t> 시트 구분하여 생성하기</a:t>
+              <a:t>엑셀 날짜별로 시트 구분하여 생성하기</a:t>
             </a:r>
           </a:p>
         </p:txBody>
@@ -9834,12 +10156,8 @@
               <a:t>| </a:t>
             </a:r>
             <a:r>
-              <a:rPr lang="ko-KR" altLang="en-US" dirty="0" err="1"/>
-              <a:t>행정지원팀</a:t>
-            </a:r>
-            <a:r>
-              <a:rPr lang="ko-KR" altLang="en-US" dirty="0"/>
-              <a:t>  </a:t>
+              <a:rPr lang="ko-KR" altLang="en-US" dirty="0"/>
+              <a:t>행정지원팀  </a:t>
             </a:r>
             <a:r>
               <a:rPr lang="en-US" altLang="ko-KR" dirty="0"/>
@@ -9871,12 +10189,8 @@
               <a:t>| </a:t>
             </a:r>
             <a:r>
-              <a:rPr lang="ko-KR" altLang="en-US" dirty="0" err="1"/>
-              <a:t>행정지원팀</a:t>
-            </a:r>
-            <a:r>
-              <a:rPr lang="ko-KR" altLang="en-US" dirty="0"/>
-              <a:t>  </a:t>
+              <a:rPr lang="ko-KR" altLang="en-US" dirty="0"/>
+              <a:t>행정지원팀  </a:t>
             </a:r>
             <a:r>
               <a:rPr lang="en-US" altLang="ko-KR" dirty="0"/>
@@ -9908,24 +10222,16 @@
               <a:t>| </a:t>
             </a:r>
             <a:r>
-              <a:rPr lang="ko-KR" altLang="en-US" dirty="0" err="1"/>
-              <a:t>식품분석팀</a:t>
-            </a:r>
-            <a:r>
-              <a:rPr lang="ko-KR" altLang="en-US" dirty="0"/>
-              <a:t>  </a:t>
+              <a:rPr lang="ko-KR" altLang="en-US" dirty="0"/>
+              <a:t>식품분석팀  </a:t>
             </a:r>
             <a:r>
               <a:rPr lang="en-US" altLang="ko-KR" dirty="0"/>
               <a:t>| </a:t>
             </a:r>
             <a:r>
-              <a:rPr lang="ko-KR" altLang="en-US" dirty="0" err="1"/>
-              <a:t>오상헌</a:t>
-            </a:r>
-            <a:r>
-              <a:rPr lang="ko-KR" altLang="en-US" dirty="0"/>
-              <a:t> </a:t>
+              <a:rPr lang="ko-KR" altLang="en-US" dirty="0"/>
+              <a:t>오상헌 </a:t>
             </a:r>
             <a:r>
               <a:rPr lang="en-US" altLang="ko-KR" dirty="0"/>
@@ -9949,24 +10255,16 @@
               <a:t>| </a:t>
             </a:r>
             <a:r>
-              <a:rPr lang="ko-KR" altLang="en-US" dirty="0" err="1"/>
-              <a:t>식품분석팀</a:t>
-            </a:r>
-            <a:r>
-              <a:rPr lang="ko-KR" altLang="en-US" dirty="0"/>
-              <a:t>  </a:t>
+              <a:rPr lang="ko-KR" altLang="en-US" dirty="0"/>
+              <a:t>식품분석팀  </a:t>
             </a:r>
             <a:r>
               <a:rPr lang="en-US" altLang="ko-KR" dirty="0"/>
               <a:t>| </a:t>
             </a:r>
             <a:r>
-              <a:rPr lang="ko-KR" altLang="en-US" dirty="0" err="1"/>
-              <a:t>하진옥</a:t>
-            </a:r>
-            <a:r>
-              <a:rPr lang="ko-KR" altLang="en-US" dirty="0"/>
-              <a:t> </a:t>
+              <a:rPr lang="ko-KR" altLang="en-US" dirty="0"/>
+              <a:t>하진옥 </a:t>
             </a:r>
             <a:r>
               <a:rPr lang="en-US" altLang="ko-KR" dirty="0"/>
@@ -9990,24 +10288,16 @@
               <a:t>| </a:t>
             </a:r>
             <a:r>
-              <a:rPr lang="ko-KR" altLang="en-US" dirty="0" err="1"/>
-              <a:t>식품분석팀</a:t>
-            </a:r>
-            <a:r>
-              <a:rPr lang="ko-KR" altLang="en-US" dirty="0"/>
-              <a:t>  </a:t>
+              <a:rPr lang="ko-KR" altLang="en-US" dirty="0"/>
+              <a:t>식품분석팀  </a:t>
             </a:r>
             <a:r>
               <a:rPr lang="en-US" altLang="ko-KR" dirty="0"/>
               <a:t>| </a:t>
             </a:r>
             <a:r>
-              <a:rPr lang="ko-KR" altLang="en-US" dirty="0" err="1"/>
-              <a:t>박신희</a:t>
-            </a:r>
-            <a:r>
-              <a:rPr lang="ko-KR" altLang="en-US" dirty="0"/>
-              <a:t> </a:t>
+              <a:rPr lang="ko-KR" altLang="en-US" dirty="0"/>
+              <a:t>박신희 </a:t>
             </a:r>
             <a:r>
               <a:rPr lang="en-US" altLang="ko-KR" dirty="0"/>
@@ -10031,24 +10321,16 @@
               <a:t>| </a:t>
             </a:r>
             <a:r>
-              <a:rPr lang="ko-KR" altLang="en-US" dirty="0" err="1"/>
-              <a:t>식품분석팀</a:t>
-            </a:r>
-            <a:r>
-              <a:rPr lang="ko-KR" altLang="en-US" dirty="0"/>
-              <a:t>  </a:t>
+              <a:rPr lang="ko-KR" altLang="en-US" dirty="0"/>
+              <a:t>식품분석팀  </a:t>
             </a:r>
             <a:r>
               <a:rPr lang="en-US" altLang="ko-KR" dirty="0"/>
               <a:t>| </a:t>
             </a:r>
             <a:r>
-              <a:rPr lang="ko-KR" altLang="en-US" dirty="0" err="1"/>
-              <a:t>손명진</a:t>
-            </a:r>
-            <a:r>
-              <a:rPr lang="ko-KR" altLang="en-US" dirty="0"/>
-              <a:t> </a:t>
+              <a:rPr lang="ko-KR" altLang="en-US" dirty="0"/>
+              <a:t>손명진 </a:t>
             </a:r>
             <a:r>
               <a:rPr lang="en-US" altLang="ko-KR" dirty="0"/>
@@ -10113,12 +10395,8 @@
               <a:t>| </a:t>
             </a:r>
             <a:r>
-              <a:rPr lang="ko-KR" altLang="en-US" dirty="0" err="1"/>
-              <a:t>권연옥</a:t>
-            </a:r>
-            <a:r>
-              <a:rPr lang="ko-KR" altLang="en-US" dirty="0"/>
-              <a:t> </a:t>
+              <a:rPr lang="ko-KR" altLang="en-US" dirty="0"/>
+              <a:t>권연옥 </a:t>
             </a:r>
             <a:r>
               <a:rPr lang="en-US" altLang="ko-KR" dirty="0"/>
@@ -10175,24 +10453,16 @@
               <a:t>| </a:t>
             </a:r>
             <a:r>
-              <a:rPr lang="ko-KR" altLang="en-US" dirty="0" err="1"/>
-              <a:t>토양분석팀</a:t>
-            </a:r>
-            <a:r>
-              <a:rPr lang="ko-KR" altLang="en-US" dirty="0"/>
-              <a:t>  </a:t>
+              <a:rPr lang="ko-KR" altLang="en-US" dirty="0"/>
+              <a:t>토양분석팀  </a:t>
             </a:r>
             <a:r>
               <a:rPr lang="en-US" altLang="ko-KR" dirty="0"/>
               <a:t>| </a:t>
             </a:r>
             <a:r>
-              <a:rPr lang="ko-KR" altLang="en-US" dirty="0" err="1"/>
-              <a:t>임윤정</a:t>
-            </a:r>
-            <a:r>
-              <a:rPr lang="ko-KR" altLang="en-US" dirty="0"/>
-              <a:t> </a:t>
+              <a:rPr lang="ko-KR" altLang="en-US" dirty="0"/>
+              <a:t>임윤정 </a:t>
             </a:r>
             <a:r>
               <a:rPr lang="en-US" altLang="ko-KR" dirty="0"/>
@@ -10216,12 +10486,8 @@
               <a:t>| </a:t>
             </a:r>
             <a:r>
-              <a:rPr lang="ko-KR" altLang="en-US" dirty="0" err="1"/>
-              <a:t>토양분석팀</a:t>
-            </a:r>
-            <a:r>
-              <a:rPr lang="ko-KR" altLang="en-US" dirty="0"/>
-              <a:t>  </a:t>
+              <a:rPr lang="ko-KR" altLang="en-US" dirty="0"/>
+              <a:t>토양분석팀  </a:t>
             </a:r>
             <a:r>
               <a:rPr lang="en-US" altLang="ko-KR" dirty="0"/>
@@ -10253,24 +10519,16 @@
               <a:t>| </a:t>
             </a:r>
             <a:r>
-              <a:rPr lang="ko-KR" altLang="en-US" dirty="0" err="1"/>
-              <a:t>토양분석팀</a:t>
-            </a:r>
-            <a:r>
-              <a:rPr lang="ko-KR" altLang="en-US" dirty="0"/>
-              <a:t>  </a:t>
+              <a:rPr lang="ko-KR" altLang="en-US" dirty="0"/>
+              <a:t>토양분석팀  </a:t>
             </a:r>
             <a:r>
               <a:rPr lang="en-US" altLang="ko-KR" dirty="0"/>
               <a:t>| </a:t>
             </a:r>
             <a:r>
-              <a:rPr lang="ko-KR" altLang="en-US" dirty="0" err="1"/>
-              <a:t>김진길</a:t>
-            </a:r>
-            <a:r>
-              <a:rPr lang="ko-KR" altLang="en-US" dirty="0"/>
-              <a:t> </a:t>
+              <a:rPr lang="ko-KR" altLang="en-US" dirty="0"/>
+              <a:t>김진길 </a:t>
             </a:r>
             <a:r>
               <a:rPr lang="en-US" altLang="ko-KR" dirty="0"/>
@@ -10294,24 +10552,16 @@
               <a:t>| </a:t>
             </a:r>
             <a:r>
-              <a:rPr lang="ko-KR" altLang="en-US" dirty="0" err="1"/>
-              <a:t>토양분석팀</a:t>
-            </a:r>
-            <a:r>
-              <a:rPr lang="ko-KR" altLang="en-US" dirty="0"/>
-              <a:t>  </a:t>
+              <a:rPr lang="ko-KR" altLang="en-US" dirty="0"/>
+              <a:t>토양분석팀  </a:t>
             </a:r>
             <a:r>
               <a:rPr lang="en-US" altLang="ko-KR" dirty="0"/>
               <a:t>| </a:t>
             </a:r>
             <a:r>
-              <a:rPr lang="ko-KR" altLang="en-US" dirty="0" err="1"/>
-              <a:t>윤주연</a:t>
-            </a:r>
-            <a:r>
-              <a:rPr lang="ko-KR" altLang="en-US" dirty="0"/>
-              <a:t> </a:t>
+              <a:rPr lang="ko-KR" altLang="en-US" dirty="0"/>
+              <a:t>윤주연 </a:t>
             </a:r>
             <a:r>
               <a:rPr lang="en-US" altLang="ko-KR" dirty="0"/>
@@ -10335,24 +10585,16 @@
               <a:t>| </a:t>
             </a:r>
             <a:r>
-              <a:rPr lang="ko-KR" altLang="en-US" dirty="0" err="1"/>
-              <a:t>수질환경팀</a:t>
-            </a:r>
-            <a:r>
-              <a:rPr lang="ko-KR" altLang="en-US" dirty="0"/>
-              <a:t>  </a:t>
+              <a:rPr lang="ko-KR" altLang="en-US" dirty="0"/>
+              <a:t>수질환경팀  </a:t>
             </a:r>
             <a:r>
               <a:rPr lang="en-US" altLang="ko-KR" dirty="0"/>
               <a:t>| </a:t>
             </a:r>
             <a:r>
-              <a:rPr lang="ko-KR" altLang="en-US" dirty="0" err="1"/>
-              <a:t>정종필</a:t>
-            </a:r>
-            <a:r>
-              <a:rPr lang="ko-KR" altLang="en-US" dirty="0"/>
-              <a:t> </a:t>
+              <a:rPr lang="ko-KR" altLang="en-US" dirty="0"/>
+              <a:t>정종필 </a:t>
             </a:r>
             <a:r>
               <a:rPr lang="en-US" altLang="ko-KR" dirty="0"/>
@@ -10376,12 +10618,8 @@
               <a:t>| </a:t>
             </a:r>
             <a:r>
-              <a:rPr lang="ko-KR" altLang="en-US" dirty="0" err="1"/>
-              <a:t>수질환경팀</a:t>
-            </a:r>
-            <a:r>
-              <a:rPr lang="ko-KR" altLang="en-US" dirty="0"/>
-              <a:t>  </a:t>
+              <a:rPr lang="ko-KR" altLang="en-US" dirty="0"/>
+              <a:t>수질환경팀  </a:t>
             </a:r>
             <a:r>
               <a:rPr lang="en-US" altLang="ko-KR" dirty="0"/>
@@ -10413,12 +10651,8 @@
               <a:t>| </a:t>
             </a:r>
             <a:r>
-              <a:rPr lang="ko-KR" altLang="en-US" dirty="0" err="1"/>
-              <a:t>수질환경팀</a:t>
-            </a:r>
-            <a:r>
-              <a:rPr lang="ko-KR" altLang="en-US" dirty="0"/>
-              <a:t>  </a:t>
+              <a:rPr lang="ko-KR" altLang="en-US" dirty="0"/>
+              <a:t>수질환경팀  </a:t>
             </a:r>
             <a:r>
               <a:rPr lang="en-US" altLang="ko-KR" dirty="0"/>
@@ -10450,12 +10684,8 @@
               <a:t>| </a:t>
             </a:r>
             <a:r>
-              <a:rPr lang="ko-KR" altLang="en-US" dirty="0" err="1"/>
-              <a:t>수질환경팀</a:t>
-            </a:r>
-            <a:r>
-              <a:rPr lang="ko-KR" altLang="en-US" dirty="0"/>
-              <a:t>  </a:t>
+              <a:rPr lang="ko-KR" altLang="en-US" dirty="0"/>
+              <a:t>수질환경팀  </a:t>
             </a:r>
             <a:r>
               <a:rPr lang="en-US" altLang="ko-KR" dirty="0"/>
@@ -10487,12 +10717,8 @@
               <a:t>| </a:t>
             </a:r>
             <a:r>
-              <a:rPr lang="ko-KR" altLang="en-US" dirty="0" err="1"/>
-              <a:t>수질환경팀</a:t>
-            </a:r>
-            <a:r>
-              <a:rPr lang="ko-KR" altLang="en-US" dirty="0"/>
-              <a:t>  </a:t>
+              <a:rPr lang="ko-KR" altLang="en-US" dirty="0"/>
+              <a:t>수질환경팀  </a:t>
             </a:r>
             <a:r>
               <a:rPr lang="en-US" altLang="ko-KR" dirty="0"/>
@@ -10524,12 +10750,8 @@
               <a:t>| </a:t>
             </a:r>
             <a:r>
-              <a:rPr lang="ko-KR" altLang="en-US" dirty="0" err="1"/>
-              <a:t>수질환경팀</a:t>
-            </a:r>
-            <a:r>
-              <a:rPr lang="ko-KR" altLang="en-US" dirty="0"/>
-              <a:t>  </a:t>
+              <a:rPr lang="ko-KR" altLang="en-US" dirty="0"/>
+              <a:t>수질환경팀  </a:t>
             </a:r>
             <a:r>
               <a:rPr lang="en-US" altLang="ko-KR" dirty="0"/>
@@ -10561,24 +10783,16 @@
               <a:t>| </a:t>
             </a:r>
             <a:r>
-              <a:rPr lang="ko-KR" altLang="en-US" dirty="0" err="1"/>
-              <a:t>수질환경팀</a:t>
-            </a:r>
-            <a:r>
-              <a:rPr lang="ko-KR" altLang="en-US" dirty="0"/>
-              <a:t>  </a:t>
+              <a:rPr lang="ko-KR" altLang="en-US" dirty="0"/>
+              <a:t>수질환경팀  </a:t>
             </a:r>
             <a:r>
               <a:rPr lang="en-US" altLang="ko-KR" dirty="0"/>
               <a:t>| </a:t>
             </a:r>
             <a:r>
-              <a:rPr lang="ko-KR" altLang="en-US" dirty="0" err="1"/>
-              <a:t>윤수현</a:t>
-            </a:r>
-            <a:r>
-              <a:rPr lang="ko-KR" altLang="en-US" dirty="0"/>
-              <a:t> </a:t>
+              <a:rPr lang="ko-KR" altLang="en-US" dirty="0"/>
+              <a:t>윤수현 </a:t>
             </a:r>
             <a:r>
               <a:rPr lang="en-US" altLang="ko-KR" dirty="0"/>
@@ -10602,24 +10816,16 @@
               <a:t>| </a:t>
             </a:r>
             <a:r>
-              <a:rPr lang="ko-KR" altLang="en-US" dirty="0" err="1"/>
-              <a:t>수질환경팀</a:t>
-            </a:r>
-            <a:r>
-              <a:rPr lang="ko-KR" altLang="en-US" dirty="0"/>
-              <a:t>  </a:t>
+              <a:rPr lang="ko-KR" altLang="en-US" dirty="0"/>
+              <a:t>수질환경팀  </a:t>
             </a:r>
             <a:r>
               <a:rPr lang="en-US" altLang="ko-KR" dirty="0"/>
               <a:t>| </a:t>
             </a:r>
             <a:r>
-              <a:rPr lang="ko-KR" altLang="en-US" dirty="0" err="1"/>
-              <a:t>백다원</a:t>
-            </a:r>
-            <a:r>
-              <a:rPr lang="ko-KR" altLang="en-US" dirty="0"/>
-              <a:t> </a:t>
+              <a:rPr lang="ko-KR" altLang="en-US" dirty="0"/>
+              <a:t>백다원 </a:t>
             </a:r>
             <a:r>
               <a:rPr lang="en-US" altLang="ko-KR" dirty="0"/>
@@ -10705,15 +10911,7 @@
           <a:p>
             <a:r>
               <a:rPr lang="ko-KR" altLang="en-US" b="1" dirty="0"/>
-              <a:t>엑셀 </a:t>
-            </a:r>
-            <a:r>
-              <a:rPr lang="ko-KR" altLang="en-US" b="1" dirty="0" err="1"/>
-              <a:t>날짜별로</a:t>
-            </a:r>
-            <a:r>
-              <a:rPr lang="ko-KR" altLang="en-US" b="1" dirty="0"/>
-              <a:t> 시트 구분하여 생성하기</a:t>
+              <a:t>엑셀 날짜별로 시트 구분하여 생성하기</a:t>
             </a:r>
             <a:r>
               <a:rPr lang="en-US" altLang="ko-KR" b="1" dirty="0"/>
@@ -10933,15 +11131,7 @@
           <a:p>
             <a:r>
               <a:rPr lang="ko-KR" altLang="en-US" b="1" dirty="0"/>
-              <a:t>엑셀 </a:t>
-            </a:r>
-            <a:r>
-              <a:rPr lang="ko-KR" altLang="en-US" b="1" dirty="0" err="1"/>
-              <a:t>날짜별로</a:t>
-            </a:r>
-            <a:r>
-              <a:rPr lang="ko-KR" altLang="en-US" b="1" dirty="0"/>
-              <a:t> 시트 구분하여 생성하기</a:t>
+              <a:t>엑셀 날짜별로 시트 구분하여 생성하기</a:t>
             </a:r>
             <a:r>
               <a:rPr lang="en-US" altLang="ko-KR" b="1" dirty="0"/>
@@ -11185,15 +11375,7 @@
           <a:p>
             <a:r>
               <a:rPr lang="ko-KR" altLang="en-US" b="1" dirty="0"/>
-              <a:t>엑셀 </a:t>
-            </a:r>
-            <a:r>
-              <a:rPr lang="ko-KR" altLang="en-US" b="1" dirty="0" err="1"/>
-              <a:t>날짜별로</a:t>
-            </a:r>
-            <a:r>
-              <a:rPr lang="ko-KR" altLang="en-US" b="1" dirty="0"/>
-              <a:t> 시트 구분하여 생성하기</a:t>
+              <a:t>엑셀 날짜별로 시트 구분하여 생성하기</a:t>
             </a:r>
             <a:r>
               <a:rPr lang="en-US" altLang="ko-KR" b="1" dirty="0"/>
@@ -11303,12 +11485,8 @@
           <a:lstStyle/>
           <a:p>
             <a:r>
-              <a:rPr lang="ko-KR" altLang="en-US" dirty="0" err="1"/>
-              <a:t>수능문제</a:t>
-            </a:r>
-            <a:r>
-              <a:rPr lang="ko-KR" altLang="en-US" dirty="0"/>
-              <a:t> 풀기</a:t>
+              <a:rPr lang="ko-KR" altLang="en-US" dirty="0"/>
+              <a:t>수능문제 풀기</a:t>
             </a:r>
             <a:br>
               <a:rPr lang="en-US" altLang="ko-KR" dirty="0"/>
@@ -11318,12 +11496,8 @@
               <a:t>(</a:t>
             </a:r>
             <a:r>
-              <a:rPr lang="ko-KR" altLang="en-US" dirty="0" err="1"/>
-              <a:t>바드랑</a:t>
-            </a:r>
-            <a:r>
-              <a:rPr lang="ko-KR" altLang="en-US" dirty="0"/>
-              <a:t> 비교하기</a:t>
+              <a:rPr lang="ko-KR" altLang="en-US" dirty="0"/>
+              <a:t>바드랑 비교하기</a:t>
             </a:r>
             <a:r>
               <a:rPr lang="en-US" altLang="ko-KR" dirty="0"/>
@@ -11351,15 +11525,7 @@
             <a:pPr algn="l"/>
             <a:r>
               <a:rPr lang="ko-KR" altLang="en-US" dirty="0"/>
-              <a:t>영문학 </a:t>
-            </a:r>
-            <a:r>
-              <a:rPr lang="ko-KR" altLang="en-US" dirty="0" err="1"/>
-              <a:t>교수가되어</a:t>
-            </a:r>
-            <a:r>
-              <a:rPr lang="ko-KR" altLang="en-US" dirty="0"/>
-              <a:t> 최대한의 노력을 다하여 내가 제시하는 지문을 분석하고</a:t>
+              <a:t>영문학 교수가되어 최대한의 노력을 다하여 내가 제시하는 지문을 분석하고</a:t>
             </a:r>
             <a:r>
               <a:rPr lang="en-US" altLang="ko-KR" dirty="0"/>
@@ -11494,11 +11660,7 @@
             </a:r>
             <a:r>
               <a:rPr lang="ko-KR" altLang="en-US" sz="1050" dirty="0"/>
-              <a:t>답을 찾은 이유에 대해서 </a:t>
-            </a:r>
-            <a:r>
-              <a:rPr lang="ko-KR" altLang="en-US" sz="1050" dirty="0" err="1"/>
-              <a:t>설명할것</a:t>
+              <a:t>답을 찾은 이유에 대해서 설명할것</a:t>
             </a:r>
             <a:r>
               <a:rPr lang="en-US" altLang="ko-KR" sz="1050" dirty="0"/>
@@ -11522,39 +11684,7 @@
             </a:r>
             <a:r>
               <a:rPr lang="ko-KR" altLang="en-US" sz="1050" dirty="0"/>
-              <a:t>년 </a:t>
-            </a:r>
-            <a:r>
-              <a:rPr lang="ko-KR" altLang="en-US" sz="1050" dirty="0" err="1"/>
-              <a:t>트리핀</a:t>
-            </a:r>
-            <a:r>
-              <a:rPr lang="ko-KR" altLang="en-US" sz="1050" dirty="0"/>
-              <a:t> 교수는 </a:t>
-            </a:r>
-            <a:r>
-              <a:rPr lang="ko-KR" altLang="en-US" sz="1050" dirty="0" err="1"/>
-              <a:t>브레턴우</a:t>
-            </a:r>
-            <a:r>
-              <a:rPr lang="ko-KR" altLang="en-US" sz="1050" dirty="0"/>
-              <a:t> </a:t>
-            </a:r>
-            <a:r>
-              <a:rPr lang="ko-KR" altLang="en-US" sz="1050" dirty="0" err="1"/>
-              <a:t>즈</a:t>
-            </a:r>
-            <a:r>
-              <a:rPr lang="ko-KR" altLang="en-US" sz="1050" dirty="0"/>
-              <a:t> 체제에서의 기축 통화인 달러화의 구조적 모순을 </a:t>
-            </a:r>
-            <a:r>
-              <a:rPr lang="ko-KR" altLang="en-US" sz="1050" dirty="0" err="1"/>
-              <a:t>지적했</a:t>
-            </a:r>
-            <a:r>
-              <a:rPr lang="ko-KR" altLang="en-US" sz="1050" dirty="0"/>
-              <a:t> 다 한 </a:t>
+              <a:t>년 트리핀 교수는 브레턴우 즈 체제에서의 기축 통화인 달러화의 구조적 모순을 지적했 다 한 국가의 재화와 서비스의 수출입 간 차이인 경상 수지 는 수입이 수출을 초과하면 적자이고 수출이 수입을 초과하 면 흑자이다 그는 미국이 경상 수지 적자를 허용하지 않아 국제 유동성 공급이 중단되면 세계 경제는 크게 위축될 것 이라면서도 반면 적자 상태가 지속돼 달러화가 과잉 공급되면 준비 자산으로서의 신뢰도가 저하되고 고정 환율 제도도 붕 괴될 것 이라고 말했다 </a:t>
             </a:r>
             <a:r>
               <a:rPr lang="en-US" altLang="ko-KR" sz="1050" dirty="0"/>
@@ -11562,35 +11692,23 @@
             </a:r>
             <a:r>
               <a:rPr lang="ko-KR" altLang="en-US" sz="1050" dirty="0"/>
-              <a:t>국가의 재화와 서비스의 수출입 간 차이인 경상 수지 는 수입이 수출을 초과하면 적자이고 수</a:t>
+              <a:t>이러한 트리핀 딜레마는 국제 유동성 확보와 달러화의 신 뢰도 간의 문제이다</a:t>
+            </a:r>
+            <a:r>
+              <a:rPr lang="en-US" altLang="ko-KR" sz="1050" dirty="0"/>
+              <a:t>. </a:t>
+            </a:r>
+            <a:r>
+              <a:rPr lang="ko-KR" altLang="en-US" sz="1050" dirty="0"/>
+              <a:t>국제 유동성이란 국제적으로 보편적인 통용력을 갖는 지불 수단을 말하는데</a:t>
             </a:r>
             <a:r>
               <a:rPr lang="en-US" altLang="ko-KR" sz="1050" dirty="0"/>
               <a:t>, </a:t>
             </a:r>
             <a:r>
-              <a:rPr lang="ko-KR" altLang="en-US" sz="1050" dirty="0" err="1"/>
-              <a:t>출이</a:t>
-            </a:r>
-            <a:r>
               <a:rPr lang="ko-KR" altLang="en-US" sz="1050" dirty="0"/>
-              <a:t> 수입을 초과하 면 흑자이다 그는 미 </a:t>
-            </a:r>
-            <a:r>
-              <a:rPr lang="en-US" altLang="ko-KR" sz="1050" dirty="0"/>
-              <a:t>. “ </a:t>
-            </a:r>
-            <a:r>
-              <a:rPr lang="ko-KR" altLang="en-US" sz="1050" dirty="0"/>
-              <a:t>국이 경상 수지 적자를 허용하지 않아 국제 유동성 공급이 중단되면 세계 경제는 크게 위축될 것 이” 라면서도 반면 적자 상 “ 태가 지속돼 달러화가 과잉 공급되면 준비 자산으로서의 신뢰도가 저하되고 고정 환율 제도도 붕 </a:t>
-            </a:r>
-            <a:r>
-              <a:rPr lang="ko-KR" altLang="en-US" sz="1050" dirty="0" err="1"/>
-              <a:t>괴될</a:t>
-            </a:r>
-            <a:r>
-              <a:rPr lang="ko-KR" altLang="en-US" sz="1050" dirty="0"/>
-              <a:t> 것 이라고 말했다 ” </a:t>
+              <a:t>㉠금 본위 체제에서는 금이 국제 유동성의 역할을 했으며 각 국가의 통화 가치는 정해진 양의 금의 가치에 고정되었다 이에 </a:t>
             </a:r>
             <a:r>
               <a:rPr lang="en-US" altLang="ko-KR" sz="1050" dirty="0"/>
@@ -11598,23 +11716,39 @@
             </a:r>
             <a:r>
               <a:rPr lang="ko-KR" altLang="en-US" sz="1050" dirty="0"/>
-              <a:t>이러한 </a:t>
-            </a:r>
-            <a:r>
-              <a:rPr lang="ko-KR" altLang="en-US" sz="1050" dirty="0" err="1"/>
-              <a:t>트리핀</a:t>
+              <a:t>따라 국가 간 통 화의 교환 비율인 환율은 자동적으로 결정되었다 이후 ㉡브 레턴우즈 체제에서는 국제 유동성으로 달러화가 추가되어 금 환 본위제 가 되었다</a:t>
+            </a:r>
+            <a:r>
+              <a:rPr lang="en-US" altLang="ko-KR" sz="1050" dirty="0"/>
+              <a:t>. 1944</a:t>
             </a:r>
             <a:r>
               <a:rPr lang="ko-KR" altLang="en-US" sz="1050" dirty="0"/>
-              <a:t> 딜레마는 국제 유동성 확보와 달러화의 신 </a:t>
-            </a:r>
-            <a:r>
-              <a:rPr lang="ko-KR" altLang="en-US" sz="1050" dirty="0" err="1"/>
-              <a:t>뢰도</a:t>
+              <a:t>년에 성립된 이 체제는 미국의 중앙은행에 금 태환 조항 에 따라 금 </a:t>
+            </a:r>
+            <a:r>
+              <a:rPr lang="en-US" altLang="ko-KR" sz="1050" dirty="0"/>
+              <a:t>1 3 </a:t>
             </a:r>
             <a:r>
               <a:rPr lang="ko-KR" altLang="en-US" sz="1050" dirty="0"/>
-              <a:t> 간의 문제이다</a:t>
+              <a:t>온스와 </a:t>
+            </a:r>
+            <a:r>
+              <a:rPr lang="en-US" altLang="ko-KR" sz="1050" dirty="0"/>
+              <a:t>5</a:t>
+            </a:r>
+            <a:r>
+              <a:rPr lang="ko-KR" altLang="en-US" sz="1050" dirty="0"/>
+              <a:t>달러를 언제 나 맞교환해 주어야 한다는 의무를 지게 했다 다른 국가들은 달러화에 대한 자국 통화의 가치를 고정했고</a:t>
+            </a:r>
+            <a:r>
+              <a:rPr lang="en-US" altLang="ko-KR" sz="1050" dirty="0"/>
+              <a:t>, </a:t>
+            </a:r>
+            <a:r>
+              <a:rPr lang="ko-KR" altLang="en-US" sz="1050" dirty="0"/>
+              <a:t>달러화로만 금 을 매입할 수 있었다</a:t>
             </a:r>
             <a:r>
               <a:rPr lang="en-US" altLang="ko-KR" sz="1050" dirty="0"/>
@@ -11622,307 +11756,75 @@
             </a:r>
             <a:r>
               <a:rPr lang="ko-KR" altLang="en-US" sz="1050" dirty="0"/>
-              <a:t>국제 유동성이란 국제적으로 보편적인 </a:t>
+              <a:t>환율은 경상 수지의 구조적 불균형이 있는 예외적인 경우를 제외하면 내에서의 변동만을 허 </a:t>
+            </a:r>
+            <a:r>
+              <a:rPr lang="en-US" altLang="ko-KR" sz="1050" dirty="0"/>
+              <a:t>±1% </a:t>
+            </a:r>
+            <a:r>
+              <a:rPr lang="ko-KR" altLang="en-US" sz="1050" dirty="0"/>
+              <a:t>용했다 이에 따라 기축 통화인 달러화를 제외한 다른 통화들 간 환율인 교차 환율은 자동적으로 결정되었다</a:t>
+            </a:r>
+            <a:r>
+              <a:rPr lang="en-US" altLang="ko-KR" sz="1050" dirty="0"/>
+              <a:t>. 1970</a:t>
+            </a:r>
+            <a:r>
+              <a:rPr lang="ko-KR" altLang="en-US" sz="1050" dirty="0"/>
+              <a:t>년대 초에 미국은 경상 수지 적자가 누적되기 시작하 고 달러화가 과잉 공급되어 미국의 금 준비량이 급감했다 이에 따라 미국은 달러화의 금 태환 의무를 더 이상 감당할 수 없는 상황에 도달했다 이를 해결할 수 있는 방법은</a:t>
+            </a:r>
+            <a:r>
+              <a:rPr lang="en-US" altLang="ko-KR" sz="1050" dirty="0"/>
+              <a:t> </a:t>
+            </a:r>
+            <a:r>
+              <a:rPr lang="ko-KR" altLang="en-US" sz="1050" dirty="0"/>
+              <a:t>달러화의 가치를 내리는 평가 절하 또는</a:t>
+            </a:r>
+            <a:r>
+              <a:rPr lang="en-US" altLang="ko-KR" sz="1050" dirty="0"/>
+              <a:t> </a:t>
+            </a:r>
+            <a:r>
+              <a:rPr lang="ko-KR" altLang="en-US" sz="1050" dirty="0"/>
+              <a:t>달러화에 대한 여타국 통화의 환율을 하락시켜 그 가치를 올리는 평가 절상이었다 하지만 </a:t>
             </a:r>
             <a:r>
               <a:rPr lang="ko-KR" altLang="en-US" sz="1050" dirty="0" err="1"/>
-              <a:t>통용력을</a:t>
+              <a:t>브레턴우즈</a:t>
             </a:r>
             <a:r>
               <a:rPr lang="ko-KR" altLang="en-US" sz="1050" dirty="0"/>
-              <a:t> 갖는 지불 수단을 말하는데</a:t>
+              <a:t> 체제하에서 달러화의 평가 절하는 규정상 불가능 했고 당시 대규모 대미 무역 흑자 상태였던 독일 일본 등 주요국들은 평가 절상에 나서려고 하지 않았다 이 상황이 유지되기 어려울 것이라는 전망으로 독일의 마르크화와 일본의 엔화에 대한 투기적 수요가 증가했고 결국 환율의 변동 압력 은 더욱 커질 수밖에 없었다 이러한 상황에서 각 국은 보유한 달러화를 대규모로 금으로 바꾸기를 원했다 미국은 결국 </a:t>
+            </a:r>
+            <a:r>
+              <a:rPr lang="en-US" altLang="ko-KR" sz="1050" dirty="0"/>
+              <a:t>1971</a:t>
+            </a:r>
+            <a:r>
+              <a:rPr lang="ko-KR" altLang="en-US" sz="1050" dirty="0"/>
+              <a:t>년 달러화의 금 태환 정지를 선언한 닉슨 쇼크를 단행 했고</a:t>
             </a:r>
             <a:r>
               <a:rPr lang="en-US" altLang="ko-KR" sz="1050" dirty="0"/>
               <a:t>, </a:t>
             </a:r>
             <a:r>
-              <a:rPr lang="ko-KR" altLang="en-US" sz="1050" dirty="0"/>
-              <a:t>㉠금 본위 체제에서는 금이 국제 유동성의 역할을 했으며 각 </a:t>
-            </a:r>
-            <a:r>
-              <a:rPr lang="en-US" altLang="ko-KR" sz="1050" dirty="0"/>
-              <a:t>, </a:t>
-            </a:r>
-            <a:r>
-              <a:rPr lang="ko-KR" altLang="en-US" sz="1050" dirty="0"/>
-              <a:t>국가의 통화 가치는 정해진 양의 금의 가치에 고정되었다 이에 </a:t>
-            </a:r>
-            <a:r>
-              <a:rPr lang="en-US" altLang="ko-KR" sz="1050" dirty="0"/>
-              <a:t>. </a:t>
-            </a:r>
-            <a:r>
-              <a:rPr lang="ko-KR" altLang="en-US" sz="1050" dirty="0"/>
-              <a:t>따라 국가 간 통 화의 교환 비율인 환율은 자동적으로 결정되었다 이</a:t>
-            </a:r>
-            <a:r>
-              <a:rPr lang="en-US" altLang="ko-KR" sz="1050" dirty="0"/>
-              <a:t>. </a:t>
-            </a:r>
-            <a:r>
-              <a:rPr lang="ko-KR" altLang="en-US" sz="1050" dirty="0"/>
-              <a:t>후 ㉡</a:t>
-            </a:r>
-            <a:r>
-              <a:rPr lang="ko-KR" altLang="en-US" sz="1050" dirty="0" err="1"/>
-              <a:t>브</a:t>
-            </a:r>
-            <a:r>
-              <a:rPr lang="ko-KR" altLang="en-US" sz="1050" dirty="0"/>
-              <a:t> </a:t>
-            </a:r>
-            <a:r>
-              <a:rPr lang="ko-KR" altLang="en-US" sz="1050" dirty="0" err="1"/>
-              <a:t>레턴우즈</a:t>
-            </a:r>
-            <a:r>
-              <a:rPr lang="ko-KR" altLang="en-US" sz="1050" dirty="0"/>
-              <a:t> 체제에서는 국제 유동성으로 달러화가 추가되어 ‘금 환 </a:t>
-            </a:r>
-            <a:r>
-              <a:rPr lang="ko-KR" altLang="en-US" sz="1050" dirty="0" err="1"/>
-              <a:t>본위제</a:t>
-            </a:r>
-            <a:r>
-              <a:rPr lang="ko-KR" altLang="en-US" sz="1050" dirty="0"/>
-              <a:t> 가 ’ 되었다</a:t>
-            </a:r>
-            <a:r>
-              <a:rPr lang="en-US" altLang="ko-KR" sz="1050" dirty="0"/>
-              <a:t>. 1944</a:t>
-            </a:r>
-            <a:r>
-              <a:rPr lang="ko-KR" altLang="en-US" sz="1050" dirty="0"/>
-              <a:t>년에 성립된 이 체제는 미국의 중 </a:t>
-            </a:r>
-            <a:r>
-              <a:rPr lang="ko-KR" altLang="en-US" sz="1050" dirty="0" err="1"/>
-              <a:t>앙은행에</a:t>
-            </a:r>
-            <a:r>
-              <a:rPr lang="ko-KR" altLang="en-US" sz="1050" dirty="0"/>
-              <a:t> ‘ ’ 금 태환 조항 에 따라 금 </a:t>
-            </a:r>
-            <a:r>
-              <a:rPr lang="en-US" altLang="ko-KR" sz="1050" dirty="0"/>
-              <a:t>1 3 </a:t>
-            </a:r>
-            <a:r>
-              <a:rPr lang="ko-KR" altLang="en-US" sz="1050" dirty="0"/>
-              <a:t>온스와 </a:t>
-            </a:r>
-            <a:r>
-              <a:rPr lang="en-US" altLang="ko-KR" sz="1050" dirty="0"/>
-              <a:t>5</a:t>
-            </a:r>
-            <a:r>
-              <a:rPr lang="ko-KR" altLang="en-US" sz="1050" dirty="0"/>
-              <a:t>달러를 언제 나 </a:t>
-            </a:r>
-            <a:r>
-              <a:rPr lang="ko-KR" altLang="en-US" sz="1050" dirty="0" err="1"/>
-              <a:t>맞교환해</a:t>
-            </a:r>
-            <a:r>
-              <a:rPr lang="ko-KR" altLang="en-US" sz="1050" dirty="0"/>
-              <a:t> 주어야 한다는 의무를 지게 했다 다른 </a:t>
-            </a:r>
-            <a:r>
-              <a:rPr lang="en-US" altLang="ko-KR" sz="1050" dirty="0"/>
-              <a:t>. </a:t>
-            </a:r>
-            <a:r>
-              <a:rPr lang="ko-KR" altLang="en-US" sz="1050" dirty="0"/>
-              <a:t>국가들은 달러화에 대한 자국 통화의 가치를 고정했고</a:t>
-            </a:r>
-            <a:r>
-              <a:rPr lang="en-US" altLang="ko-KR" sz="1050" dirty="0"/>
-              <a:t>, </a:t>
-            </a:r>
-            <a:r>
-              <a:rPr lang="ko-KR" altLang="en-US" sz="1050" dirty="0"/>
-              <a:t>달러화로만 금 을 매입할 수 있었다</a:t>
-            </a:r>
-            <a:r>
-              <a:rPr lang="en-US" altLang="ko-KR" sz="1050" dirty="0"/>
-              <a:t>. </a:t>
-            </a:r>
-            <a:r>
-              <a:rPr lang="ko-KR" altLang="en-US" sz="1050" dirty="0"/>
-              <a:t>환율은 경상 수지의 구조적 불균형이 있는 예외적인 경우를 제외하면 내에서의 </a:t>
-            </a:r>
-            <a:r>
-              <a:rPr lang="ko-KR" altLang="en-US" sz="1050" dirty="0" err="1"/>
-              <a:t>변동만을</a:t>
-            </a:r>
-            <a:r>
-              <a:rPr lang="ko-KR" altLang="en-US" sz="1050" dirty="0"/>
-              <a:t> 허 </a:t>
-            </a:r>
-            <a:r>
-              <a:rPr lang="en-US" altLang="ko-KR" sz="1050" dirty="0"/>
-              <a:t>±1% </a:t>
-            </a:r>
-            <a:r>
-              <a:rPr lang="ko-KR" altLang="en-US" sz="1050" dirty="0"/>
-              <a:t>용했다 이에 </a:t>
-            </a:r>
-            <a:r>
-              <a:rPr lang="en-US" altLang="ko-KR" sz="1050" dirty="0"/>
-              <a:t>. </a:t>
-            </a:r>
-            <a:r>
-              <a:rPr lang="ko-KR" altLang="en-US" sz="1050" dirty="0"/>
-              <a:t>따라 기축 통화인 달러화를 제외한 다른 통화들 간 환율인 교차 환율은 자동적으로 결정되었다</a:t>
-            </a:r>
-            <a:r>
-              <a:rPr lang="en-US" altLang="ko-KR" sz="1050" dirty="0"/>
-              <a:t>. 1970</a:t>
-            </a:r>
-            <a:r>
-              <a:rPr lang="ko-KR" altLang="en-US" sz="1050" dirty="0"/>
-              <a:t>년대 초에 미국은 경상 수지 적자가 누적되기 시작하 고 달러화가 과잉 공급되어 미국의 금 </a:t>
-            </a:r>
-            <a:r>
-              <a:rPr lang="ko-KR" altLang="en-US" sz="1050" dirty="0" err="1"/>
-              <a:t>준비량이</a:t>
-            </a:r>
-            <a:r>
-              <a:rPr lang="ko-KR" altLang="en-US" sz="1050" dirty="0"/>
-              <a:t> 급감했다 이</a:t>
-            </a:r>
-            <a:r>
-              <a:rPr lang="en-US" altLang="ko-KR" sz="1050" dirty="0"/>
-              <a:t>. </a:t>
-            </a:r>
-            <a:r>
-              <a:rPr lang="ko-KR" altLang="en-US" sz="1050" dirty="0"/>
-              <a:t>에 따라 미국은 달러화의 금 태환 의무를 더 이상 감당할 수 없는 상황에 도달했다 이를 해결할 수 있는 방법은 </a:t>
-            </a:r>
-            <a:r>
-              <a:rPr lang="en-US" altLang="ko-KR" sz="1050" dirty="0"/>
-              <a:t>. </a:t>
-            </a:r>
-            <a:r>
-              <a:rPr lang="ko-KR" altLang="en-US" sz="1050" dirty="0"/>
-              <a:t>달러화의 가치를 내리는 평가 절하 또는 </a:t>
-            </a:r>
-            <a:r>
-              <a:rPr lang="en-US" altLang="ko-KR" sz="1050" dirty="0"/>
-              <a:t>, </a:t>
-            </a:r>
-            <a:r>
-              <a:rPr lang="ko-KR" altLang="en-US" sz="1050" dirty="0"/>
-              <a:t>달러화에 대한 </a:t>
-            </a:r>
-            <a:r>
-              <a:rPr lang="ko-KR" altLang="en-US" sz="1050" dirty="0" err="1"/>
-              <a:t>여타국</a:t>
-            </a:r>
-            <a:r>
-              <a:rPr lang="ko-KR" altLang="en-US" sz="1050" dirty="0"/>
-              <a:t> 통화의 환율을 하락시켜 그 가치를 올리는 평가 절상이었다 하지만 </a:t>
-            </a:r>
-            <a:r>
-              <a:rPr lang="en-US" altLang="ko-KR" sz="1050" dirty="0"/>
-              <a:t>. </a:t>
-            </a:r>
-            <a:r>
               <a:rPr lang="ko-KR" altLang="en-US" sz="1050" dirty="0" err="1"/>
               <a:t>브레턴우즈</a:t>
             </a:r>
             <a:r>
               <a:rPr lang="ko-KR" altLang="en-US" sz="1050" dirty="0"/>
-              <a:t> 체제하에서 달러화의 평가 절하는 규정상 불가능 했고 당시 대 </a:t>
+              <a:t> 체제는 붕괴되었다 그러나 붕괴 이후에도 달러화의 기축 통화 역할은 계속되 었다 그 이유로</a:t>
             </a:r>
             <a:r>
               <a:rPr lang="en-US" altLang="ko-KR" sz="1050" dirty="0"/>
-              <a:t>, , </a:t>
+              <a:t> </a:t>
             </a:r>
             <a:r>
               <a:rPr lang="ko-KR" altLang="en-US" sz="1050" dirty="0"/>
-              <a:t>규모 대미 무역 흑자 상태였던 독일 일본 등 주요국들은 평가 절상에 나서려고 하지 않았다 이 상황이 유 </a:t>
-            </a:r>
-            <a:r>
-              <a:rPr lang="en-US" altLang="ko-KR" sz="1050" dirty="0"/>
-              <a:t>. </a:t>
-            </a:r>
-            <a:r>
-              <a:rPr lang="ko-KR" altLang="en-US" sz="1050" dirty="0" err="1"/>
-              <a:t>지되기</a:t>
-            </a:r>
-            <a:r>
-              <a:rPr lang="ko-KR" altLang="en-US" sz="1050" dirty="0"/>
-              <a:t> 어려울 것이라는 전망으로 독일의 마르크화와 일본의 엔화에 대한 투기적 수요가 증가했고 결</a:t>
-            </a:r>
-            <a:r>
-              <a:rPr lang="en-US" altLang="ko-KR" sz="1050" dirty="0"/>
-              <a:t>, </a:t>
-            </a:r>
-            <a:r>
-              <a:rPr lang="ko-KR" altLang="en-US" sz="1050" dirty="0"/>
-              <a:t>국 환율의 변동 압력 은 더욱 커질 수밖에 없었다 이러한 상황에서 각 </a:t>
-            </a:r>
-            <a:r>
-              <a:rPr lang="en-US" altLang="ko-KR" sz="1050" dirty="0"/>
-              <a:t>. </a:t>
-            </a:r>
-            <a:r>
-              <a:rPr lang="ko-KR" altLang="en-US" sz="1050" dirty="0"/>
-              <a:t>국은 보유한 달러화를 대규모로 금으로 바꾸기를 원했다 미 </a:t>
-            </a:r>
-            <a:r>
-              <a:rPr lang="en-US" altLang="ko-KR" sz="1050" dirty="0"/>
-              <a:t>. </a:t>
-            </a:r>
-            <a:r>
-              <a:rPr lang="ko-KR" altLang="en-US" sz="1050" dirty="0"/>
-              <a:t>국은 결국 </a:t>
-            </a:r>
-            <a:r>
-              <a:rPr lang="en-US" altLang="ko-KR" sz="1050" dirty="0"/>
-              <a:t>1971</a:t>
-            </a:r>
-            <a:r>
-              <a:rPr lang="ko-KR" altLang="en-US" sz="1050" dirty="0"/>
-              <a:t>년 달러화의 금 태환 정지를 선언한 닉슨 쇼크를 단행 했고</a:t>
-            </a:r>
-            <a:r>
-              <a:rPr lang="en-US" altLang="ko-KR" sz="1050" dirty="0"/>
-              <a:t>, . </a:t>
-            </a:r>
-            <a:r>
-              <a:rPr lang="ko-KR" altLang="en-US" sz="1050" dirty="0" err="1"/>
-              <a:t>브레턴우즈</a:t>
-            </a:r>
-            <a:r>
-              <a:rPr lang="ko-KR" altLang="en-US" sz="1050" dirty="0"/>
-              <a:t> 체제는 붕괴되었다 그러나 붕괴 이후에도 달러화의 기축 통화 역할은 계속되 </a:t>
-            </a:r>
-            <a:r>
-              <a:rPr lang="ko-KR" altLang="en-US" sz="1050" dirty="0" err="1"/>
-              <a:t>었다</a:t>
-            </a:r>
-            <a:r>
-              <a:rPr lang="ko-KR" altLang="en-US" sz="1050" dirty="0"/>
-              <a:t> 그 이유로 </a:t>
-            </a:r>
-            <a:r>
-              <a:rPr lang="en-US" altLang="ko-KR" sz="1050" dirty="0"/>
-              <a:t>. . </a:t>
-            </a:r>
-            <a:r>
-              <a:rPr lang="ko-KR" altLang="en-US" sz="1050" dirty="0"/>
-              <a:t>규모의 경제를 생각할 수 있다 세계의 모든 국가에서 ㉢어떠한 기축 통화도 없이 각각 다른 통화가 사용 되는 경우 두 국가를 짝짓는 경우의 수만큼 환율의 가짓수가 생긴다 그러 </a:t>
-            </a:r>
-            <a:r>
-              <a:rPr lang="en-US" altLang="ko-KR" sz="1050" dirty="0"/>
-              <a:t>. </a:t>
-            </a:r>
-            <a:r>
-              <a:rPr lang="ko-KR" altLang="en-US" sz="1050" dirty="0"/>
-              <a:t>나 하나의 기축 통화를 중심으로 외환 거래를 하 면 비용을 절감하고 규모의 경제를 달성할 수 있다</a:t>
+              <a:t>규모의 경제를 생각할 수 있다 세계의 모든 국가에서 ㉢어떠한 기축 통화도 없이 각각 다른 통화가 사용 되는 경우 두 국가를 짝짓는 경우의 수만큼 환율의 가짓수가 생긴다 그러나 하나의 기축 통화를 중심으로 외환 거래를 하 면 비용을 절감하고 규모의 경제를 달성할 수 있다</a:t>
             </a:r>
             <a:r>
               <a:rPr lang="en-US" altLang="ko-KR" sz="1050" dirty="0"/>
@@ -12030,11 +11932,7 @@
             </a:pPr>
             <a:r>
               <a:rPr lang="ko-KR" altLang="en-US" sz="2400" dirty="0"/>
-              <a:t>윗글을 통해 답을 찾을 수 없는 질문은 </a:t>
-            </a:r>
-            <a:r>
-              <a:rPr lang="ko-KR" altLang="en-US" sz="2400" dirty="0" err="1"/>
-              <a:t>몇번인가</a:t>
+              <a:t>윗글을 통해 답을 찾을 수 없는 질문은 몇번인가</a:t>
             </a:r>
             <a:r>
               <a:rPr lang="en-US" altLang="ko-KR" sz="2400" dirty="0"/>
@@ -12053,12 +11951,8 @@
               <a:t>① </a:t>
             </a:r>
             <a:r>
-              <a:rPr lang="ko-KR" altLang="en-US" sz="2400" dirty="0" err="1"/>
-              <a:t>브레턴우즈</a:t>
-            </a:r>
-            <a:r>
               <a:rPr lang="ko-KR" altLang="en-US" sz="2400" dirty="0"/>
-              <a:t> 체제 붕괴 이후에도 달러화가 기축 통화로서 역 할을 할 수 있었던 이유는 무엇인가</a:t>
+              <a:t>브레턴우즈 체제 붕괴 이후에도 달러화가 기축 통화로서 역 할을 할 수 있었던 이유는 무엇인가</a:t>
             </a:r>
             <a:r>
               <a:rPr lang="en-US" altLang="ko-KR" sz="2400" dirty="0"/>
@@ -12077,12 +11971,8 @@
               <a:t>② </a:t>
             </a:r>
             <a:r>
-              <a:rPr lang="ko-KR" altLang="en-US" sz="2400" dirty="0" err="1"/>
-              <a:t>브레턴우즈</a:t>
-            </a:r>
-            <a:r>
               <a:rPr lang="ko-KR" altLang="en-US" sz="2400" dirty="0"/>
-              <a:t> 체제 붕괴 이후의 세계 경제 위축에 대해 트리 핀은 어떤 전망을 했는가</a:t>
+              <a:t>브레턴우즈 체제 붕괴 이후의 세계 경제 위축에 대해 트리 핀은 어떤 전망을 했는가</a:t>
             </a:r>
             <a:r>
               <a:rPr lang="en-US" altLang="ko-KR" sz="2400" dirty="0"/>
@@ -12101,12 +11991,8 @@
               <a:t>③ </a:t>
             </a:r>
             <a:r>
-              <a:rPr lang="ko-KR" altLang="en-US" sz="2400" dirty="0" err="1"/>
-              <a:t>브레턴우즈</a:t>
-            </a:r>
-            <a:r>
               <a:rPr lang="ko-KR" altLang="en-US" sz="2400" dirty="0"/>
-              <a:t> 체제에서 미국 중앙은행은 어떤 의무를 수행해 야 했는가</a:t>
+              <a:t>브레턴우즈 체제에서 미국 중앙은행은 어떤 의무를 수행해 야 했는가</a:t>
             </a:r>
             <a:r>
               <a:rPr lang="en-US" altLang="ko-KR" sz="2400" dirty="0"/>
@@ -12125,12 +12011,8 @@
               <a:t>④ </a:t>
             </a:r>
             <a:r>
-              <a:rPr lang="ko-KR" altLang="en-US" sz="2400" dirty="0" err="1"/>
-              <a:t>브레턴우즈</a:t>
-            </a:r>
-            <a:r>
               <a:rPr lang="ko-KR" altLang="en-US" sz="2400" dirty="0"/>
-              <a:t> 체제에서 국제 유동성의 역할을 한 것은 무엇인 가</a:t>
+              <a:t>브레턴우즈 체제에서 국제 유동성의 역할을 한 것은 무엇인 가</a:t>
             </a:r>
             <a:r>
               <a:rPr lang="en-US" altLang="ko-KR" sz="2400" dirty="0"/>
@@ -12149,12 +12031,8 @@
               <a:t>⑤ </a:t>
             </a:r>
             <a:r>
-              <a:rPr lang="ko-KR" altLang="en-US" sz="2400" dirty="0" err="1"/>
-              <a:t>브레턴우즈</a:t>
-            </a:r>
-            <a:r>
               <a:rPr lang="ko-KR" altLang="en-US" sz="2400" dirty="0"/>
-              <a:t> 체제에서 달러화 신뢰도 하락의 원인은 무엇인 가</a:t>
+              <a:t>브레턴우즈 체제에서 달러화 신뢰도 하락의 원인은 무엇인 가</a:t>
             </a:r>
             <a:r>
               <a:rPr lang="en-US" altLang="ko-KR" sz="2400" dirty="0"/>
@@ -12282,31 +12160,7 @@
             </a:pPr>
             <a:r>
               <a:rPr lang="en-US" altLang="ko-KR" sz="1100" dirty="0"/>
-              <a:t>Dear Mr. Kayne, I am a resident of </a:t>
-            </a:r>
-            <a:r>
-              <a:rPr lang="en-US" altLang="ko-KR" sz="1100" dirty="0" err="1"/>
-              <a:t>Cansinghill</a:t>
-            </a:r>
-            <a:r>
-              <a:rPr lang="en-US" altLang="ko-KR" sz="1100" dirty="0"/>
-              <a:t> Apartments, located right next to the newly opened </a:t>
-            </a:r>
-            <a:r>
-              <a:rPr lang="en-US" altLang="ko-KR" sz="1100" dirty="0" err="1"/>
-              <a:t>Vuenna</a:t>
-            </a:r>
-            <a:r>
-              <a:rPr lang="en-US" altLang="ko-KR" sz="1100" dirty="0"/>
-              <a:t> Dog Park. As I live with three dogs, I am very happy to let my dogs run around and safely play with other dogs from the neighborhood. However, the noise of barking and yelling from the park at night is so loud and disturbing that I cannot relax in my apartment. Many of my apartment neighbors also seriously complain about this noise. I want immediate action to solve this urgent problem. Since you are the manager of </a:t>
-            </a:r>
-            <a:r>
-              <a:rPr lang="en-US" altLang="ko-KR" sz="1100" dirty="0" err="1"/>
-              <a:t>Vuenna</a:t>
-            </a:r>
-            <a:r>
-              <a:rPr lang="en-US" altLang="ko-KR" sz="1100" dirty="0"/>
-              <a:t> Dog Park, I ask you to take measures to prevent the noise at night. I hope to hear from you soon. Sincerely, Monty Kim</a:t>
+              <a:t>Dear Mr. Kayne, I am a resident of Cansinghill Apartments, located right next to the newly opened Vuenna Dog Park. As I live with three dogs, I am very happy to let my dogs run around and safely play with other dogs from the neighborhood. However, the noise of barking and yelling from the park at night is so loud and disturbing that I cannot relax in my apartment. Many of my apartment neighbors also seriously complain about this noise. I want immediate action to solve this urgent problem. Since you are the manager of Vuenna Dog Park, I ask you to take measures to prevent the noise at night. I hope to hear from you soon. Sincerely, Monty Kim</a:t>
             </a:r>
           </a:p>
           <a:p>
@@ -12456,63 +12310,12 @@
         <p:spPr/>
         <p:txBody>
           <a:bodyPr>
-            <a:normAutofit lnSpcReduction="10000"/>
+            <a:normAutofit/>
           </a:bodyPr>
           <a:lstStyle/>
           <a:p>
             <a:pPr algn="l"/>
-            <a:r>
-              <a:rPr lang="ko-KR" altLang="en-US" dirty="0"/>
-              <a:t>여행지도 만들기</a:t>
-            </a:r>
-            <a:endParaRPr lang="en-US" altLang="ko-KR" dirty="0"/>
-          </a:p>
-          <a:p>
-            <a:pPr algn="l"/>
-            <a:r>
-              <a:rPr lang="en-US" altLang="ko-KR" dirty="0"/>
-              <a:t>Txt</a:t>
-            </a:r>
-            <a:r>
-              <a:rPr lang="ko-KR" altLang="en-US" dirty="0"/>
-              <a:t> 파일 만들고</a:t>
-            </a:r>
-            <a:r>
-              <a:rPr lang="en-US" altLang="ko-KR" dirty="0"/>
-              <a:t>, </a:t>
-            </a:r>
-            <a:r>
-              <a:rPr lang="ko-KR" altLang="en-US" dirty="0"/>
-              <a:t>엑셀로 결합하기</a:t>
-            </a:r>
-            <a:endParaRPr lang="en-US" altLang="ko-KR" dirty="0"/>
-          </a:p>
-          <a:p>
-            <a:pPr algn="l"/>
-            <a:r>
-              <a:rPr lang="ko-KR" altLang="en-US" dirty="0"/>
-              <a:t>엑셀파일 결합</a:t>
-            </a:r>
-            <a:r>
-              <a:rPr lang="en-US" altLang="ko-KR" dirty="0"/>
-              <a:t>, </a:t>
-            </a:r>
-            <a:r>
-              <a:rPr lang="ko-KR" altLang="en-US" dirty="0"/>
-              <a:t>분리하기</a:t>
-            </a:r>
-            <a:endParaRPr lang="en-US" altLang="ko-KR" dirty="0"/>
-          </a:p>
-          <a:p>
-            <a:pPr algn="l"/>
-            <a:r>
-              <a:rPr lang="en-US" altLang="ko-KR" dirty="0"/>
-              <a:t>PDF image</a:t>
-            </a:r>
-            <a:r>
-              <a:rPr lang="ko-KR" altLang="en-US" dirty="0"/>
-              <a:t>파일로 변환하기</a:t>
-            </a:r>
+            <a:endParaRPr lang="ko-KR" altLang="en-US" dirty="0"/>
           </a:p>
         </p:txBody>
       </p:sp>
@@ -12597,11 +12400,14 @@
         <p:spPr/>
         <p:txBody>
           <a:bodyPr>
-            <a:normAutofit fontScale="62500" lnSpcReduction="20000"/>
+            <a:normAutofit fontScale="40000" lnSpcReduction="20000"/>
           </a:bodyPr>
           <a:lstStyle/>
           <a:p>
             <a:pPr marL="0" indent="0">
+              <a:lnSpc>
+                <a:spcPct val="170000"/>
+              </a:lnSpc>
               <a:buNone/>
             </a:pPr>
             <a:r>
@@ -12623,12 +12429,18 @@
           </a:p>
           <a:p>
             <a:pPr marL="0" indent="0">
+              <a:lnSpc>
+                <a:spcPct val="170000"/>
+              </a:lnSpc>
               <a:buNone/>
             </a:pPr>
             <a:endParaRPr lang="en-US" altLang="ko-KR" dirty="0"/>
           </a:p>
           <a:p>
             <a:pPr marL="0" indent="0">
+              <a:lnSpc>
+                <a:spcPct val="170000"/>
+              </a:lnSpc>
               <a:buNone/>
             </a:pPr>
             <a:r>
@@ -12638,12 +12450,18 @@
           </a:p>
           <a:p>
             <a:pPr marL="0" indent="0">
+              <a:lnSpc>
+                <a:spcPct val="170000"/>
+              </a:lnSpc>
               <a:buNone/>
             </a:pPr>
             <a:endParaRPr lang="en-US" altLang="ko-KR" dirty="0"/>
           </a:p>
           <a:p>
             <a:pPr marL="0" indent="0">
+              <a:lnSpc>
+                <a:spcPct val="170000"/>
+              </a:lnSpc>
               <a:buNone/>
             </a:pPr>
             <a:r>
@@ -12653,6 +12471,9 @@
           </a:p>
           <a:p>
             <a:pPr marL="0" indent="0">
+              <a:lnSpc>
+                <a:spcPct val="170000"/>
+              </a:lnSpc>
               <a:buNone/>
             </a:pPr>
             <a:r>
@@ -12662,6 +12483,9 @@
           </a:p>
           <a:p>
             <a:pPr marL="0" indent="0">
+              <a:lnSpc>
+                <a:spcPct val="170000"/>
+              </a:lnSpc>
               <a:buNone/>
             </a:pPr>
             <a:r>
@@ -12671,6 +12495,9 @@
           </a:p>
           <a:p>
             <a:pPr marL="0" indent="0">
+              <a:lnSpc>
+                <a:spcPct val="170000"/>
+              </a:lnSpc>
               <a:buNone/>
             </a:pPr>
             <a:r>
@@ -12680,6 +12507,9 @@
           </a:p>
           <a:p>
             <a:pPr marL="0" indent="0">
+              <a:lnSpc>
+                <a:spcPct val="170000"/>
+              </a:lnSpc>
               <a:buNone/>
             </a:pPr>
             <a:r>
@@ -12749,7 +12579,7 @@
             </a:r>
             <a:r>
               <a:rPr lang="en-US" altLang="ko-KR" dirty="0"/>
-              <a:t>4</a:t>
+              <a:t>1</a:t>
             </a:r>
             <a:r>
               <a:rPr lang="ko-KR" altLang="en-US" dirty="0"/>
@@ -13228,16 +13058,8 @@
               <a:t>1) “</a:t>
             </a:r>
             <a:r>
-              <a:rPr lang="ko-KR" altLang="en-US" dirty="0" err="1"/>
-              <a:t>왜케</a:t>
-            </a:r>
-            <a:r>
-              <a:rPr lang="ko-KR" altLang="en-US" dirty="0"/>
-              <a:t> 평점이 </a:t>
-            </a:r>
-            <a:r>
-              <a:rPr lang="ko-KR" altLang="en-US" dirty="0" err="1"/>
-              <a:t>낮은건데</a:t>
+              <a:rPr lang="ko-KR" altLang="en-US" dirty="0"/>
+              <a:t>왜케 평점이 낮은건데</a:t>
             </a:r>
             <a:r>
               <a:rPr lang="en-US" altLang="ko-KR" dirty="0"/>
@@ -13252,12 +13074,8 @@
               <a:t>.. </a:t>
             </a:r>
             <a:r>
-              <a:rPr lang="ko-KR" altLang="en-US" dirty="0" err="1"/>
-              <a:t>헐리우드식</a:t>
-            </a:r>
-            <a:r>
-              <a:rPr lang="ko-KR" altLang="en-US" dirty="0"/>
-              <a:t> 화려함에만 너무 길들여져 있나</a:t>
+              <a:rPr lang="ko-KR" altLang="en-US" dirty="0"/>
+              <a:t>헐리우드식 화려함에만 너무 길들여져 있나</a:t>
             </a:r>
             <a:r>
               <a:rPr lang="en-US" altLang="ko-KR" dirty="0"/>
@@ -13308,7 +13126,7 @@
               <a:t>'</a:t>
             </a:r>
             <a:r>
-              <a:rPr lang="ko-KR" altLang="en-US" dirty="0" err="1"/>
+              <a:rPr lang="ko-KR" altLang="en-US" dirty="0"/>
               <a:t>황복</a:t>
             </a:r>
             <a:r>
@@ -13386,10 +13204,9 @@
           <a:lstStyle/>
           <a:p>
             <a:r>
-              <a:rPr lang="ko-KR" altLang="en-US"/>
+              <a:rPr lang="ko-KR" altLang="en-US" dirty="0"/>
               <a:t>공문 분석하기</a:t>
             </a:r>
-            <a:endParaRPr lang="ko-KR" altLang="en-US" dirty="0"/>
           </a:p>
         </p:txBody>
       </p:sp>
@@ -13518,11 +13335,7 @@
             </a:r>
             <a:r>
               <a:rPr lang="ko-KR" altLang="en-US" dirty="0"/>
-              <a:t>최근 ‘</a:t>
-            </a:r>
-            <a:r>
-              <a:rPr lang="ko-KR" altLang="en-US" dirty="0" err="1"/>
-              <a:t>챗</a:t>
+              <a:t>최근 ‘챗</a:t>
             </a:r>
             <a:r>
               <a:rPr lang="en-US" altLang="ko-KR" dirty="0"/>
@@ -13530,11 +13343,7 @@
             </a:r>
             <a:r>
               <a:rPr lang="ko-KR" altLang="en-US" dirty="0"/>
-              <a:t>등 대형 </a:t>
-            </a:r>
-            <a:r>
-              <a:rPr lang="ko-KR" altLang="en-US" dirty="0" err="1"/>
-              <a:t>언어모델</a:t>
+              <a:t>등 대형 언어모델</a:t>
             </a:r>
             <a:r>
               <a:rPr lang="en-US" altLang="ko-KR" dirty="0"/>
@@ -13550,19 +13359,7 @@
             </a:r>
             <a:r>
               <a:rPr lang="ko-KR" altLang="en-US" dirty="0"/>
-              <a:t>정보 </a:t>
-            </a:r>
-            <a:r>
-              <a:rPr lang="ko-KR" altLang="en-US" dirty="0" err="1"/>
-              <a:t>수집ㆍ데이터</a:t>
-            </a:r>
-            <a:r>
-              <a:rPr lang="ko-KR" altLang="en-US" dirty="0"/>
-              <a:t> 유출 등 보안 우려가 지속 제기되고 있어 다음 사항 준수를 </a:t>
-            </a:r>
-            <a:r>
-              <a:rPr lang="ko-KR" altLang="en-US" dirty="0" err="1"/>
-              <a:t>요청드립니다</a:t>
+              <a:t>정보 수집ㆍ데이터 유출 등 보안 우려가 지속 제기되고 있어 다음 사항 준수를 요청드립니다</a:t>
             </a:r>
             <a:r>
               <a:rPr lang="en-US" altLang="ko-KR" dirty="0"/>
@@ -13598,43 +13395,15 @@
             </a:r>
             <a:r>
               <a:rPr lang="ko-KR" altLang="en-US" dirty="0"/>
-              <a:t>에 △개인정보 △비공개 </a:t>
-            </a:r>
-            <a:r>
-              <a:rPr lang="ko-KR" altLang="en-US" dirty="0" err="1"/>
-              <a:t>업무자료</a:t>
-            </a:r>
-            <a:r>
-              <a:rPr lang="ko-KR" altLang="en-US" dirty="0"/>
-              <a:t> 등 </a:t>
-            </a:r>
-            <a:r>
-              <a:rPr lang="ko-KR" altLang="en-US" dirty="0" err="1"/>
-              <a:t>민감정보</a:t>
-            </a:r>
-            <a:r>
-              <a:rPr lang="ko-KR" altLang="en-US" dirty="0"/>
-              <a:t> </a:t>
-            </a:r>
-            <a:r>
-              <a:rPr lang="ko-KR" altLang="en-US" dirty="0" err="1"/>
-              <a:t>입력시</a:t>
-            </a:r>
-            <a:r>
-              <a:rPr lang="ko-KR" altLang="en-US" dirty="0"/>
-              <a:t> 정보가 유출될 수 있는 바</a:t>
+              <a:t>에 △개인정보 △비공개 업무자료 등 민감정보 입력시 정보가 유출될 수 있는 바</a:t>
             </a:r>
             <a:r>
               <a:rPr lang="en-US" altLang="ko-KR" dirty="0"/>
               <a:t>, </a:t>
             </a:r>
             <a:r>
-              <a:rPr lang="ko-KR" altLang="en-US" dirty="0" err="1"/>
-              <a:t>공개정보</a:t>
-            </a:r>
-            <a:r>
-              <a:rPr lang="ko-KR" altLang="en-US" dirty="0"/>
-              <a:t> 위주로 보안에 유의하여 사용</a:t>
+              <a:rPr lang="ko-KR" altLang="en-US" dirty="0"/>
+              <a:t>공개정보 위주로 보안에 유의하여 사용</a:t>
             </a:r>
           </a:p>
           <a:p>
@@ -13654,39 +13423,7 @@
             </a:r>
             <a:r>
               <a:rPr lang="ko-KR" altLang="en-US" dirty="0"/>
-              <a:t>도입 등 대형 </a:t>
-            </a:r>
-            <a:r>
-              <a:rPr lang="ko-KR" altLang="en-US" dirty="0" err="1"/>
-              <a:t>언어모델</a:t>
-            </a:r>
-            <a:r>
-              <a:rPr lang="ko-KR" altLang="en-US" dirty="0"/>
-              <a:t> 기반의 인공지능 기술을 활용한 </a:t>
-            </a:r>
-            <a:r>
-              <a:rPr lang="ko-KR" altLang="en-US" dirty="0" err="1"/>
-              <a:t>정보화사업</a:t>
-            </a:r>
-            <a:r>
-              <a:rPr lang="ko-KR" altLang="en-US" dirty="0"/>
-              <a:t> </a:t>
-            </a:r>
-            <a:r>
-              <a:rPr lang="ko-KR" altLang="en-US" dirty="0" err="1"/>
-              <a:t>추진시</a:t>
-            </a:r>
-            <a:r>
-              <a:rPr lang="ko-KR" altLang="en-US" dirty="0"/>
-              <a:t> 국가정보원의 사전 </a:t>
-            </a:r>
-            <a:r>
-              <a:rPr lang="ko-KR" altLang="en-US" dirty="0" err="1"/>
-              <a:t>보안성</a:t>
-            </a:r>
-            <a:r>
-              <a:rPr lang="ko-KR" altLang="en-US" dirty="0"/>
-              <a:t> 검토 준수</a:t>
+              <a:t>도입 등 대형 언어모델 기반의 인공지능 기술을 활용한 정보화사업 추진시 국가정보원의 사전 보안성 검토 준수</a:t>
             </a:r>
           </a:p>
           <a:p>
@@ -13746,11 +13483,7 @@
             </a:r>
             <a:r>
               <a:rPr lang="ko-KR" altLang="en-US" dirty="0"/>
-              <a:t>첨단 정보통신기술 활용 </a:t>
-            </a:r>
-            <a:r>
-              <a:rPr lang="ko-KR" altLang="en-US" dirty="0" err="1"/>
-              <a:t>정보화사업</a:t>
+              <a:t>첨단 정보통신기술 활용 정보화사업</a:t>
             </a:r>
             <a:r>
               <a:rPr lang="en-US" altLang="ko-KR" dirty="0"/>
@@ -13770,23 +13503,7 @@
             </a:r>
             <a:r>
               <a:rPr lang="ko-KR" altLang="en-US" dirty="0"/>
-              <a:t>同 사항을 </a:t>
-            </a:r>
-            <a:r>
-              <a:rPr lang="ko-KR" altLang="en-US" dirty="0" err="1"/>
-              <a:t>시ㆍ군에서는</a:t>
-            </a:r>
-            <a:r>
-              <a:rPr lang="ko-KR" altLang="en-US" dirty="0"/>
-              <a:t> </a:t>
-            </a:r>
-            <a:r>
-              <a:rPr lang="ko-KR" altLang="en-US" dirty="0" err="1"/>
-              <a:t>소속ㆍ산하기관에</a:t>
-            </a:r>
-            <a:r>
-              <a:rPr lang="ko-KR" altLang="en-US" dirty="0"/>
-              <a:t> 전파하여 주시고</a:t>
+              <a:t>同 사항을 시ㆍ군에서는 소속ㆍ산하기관에 전파하여 주시고</a:t>
             </a:r>
             <a:r>
               <a:rPr lang="en-US" altLang="ko-KR" dirty="0"/>
@@ -13918,12 +13635,8 @@
               <a:t>) </a:t>
             </a:r>
             <a:r>
-              <a:rPr lang="ko-KR" altLang="en-US" sz="1100" dirty="0" err="1"/>
-              <a:t>차대운</a:t>
-            </a:r>
-            <a:r>
               <a:rPr lang="ko-KR" altLang="en-US" sz="1100" dirty="0"/>
-              <a:t> 기자 </a:t>
+              <a:t>차대운 기자 </a:t>
             </a:r>
             <a:r>
               <a:rPr lang="en-US" altLang="ko-KR" sz="1100" dirty="0"/>
@@ -13955,15 +13668,7 @@
             </a:r>
             <a:r>
               <a:rPr lang="ko-KR" altLang="en-US" sz="1100" dirty="0"/>
-              <a:t>천억원 규모의 </a:t>
-            </a:r>
-            <a:r>
-              <a:rPr lang="ko-KR" altLang="en-US" sz="1100" dirty="0" err="1"/>
-              <a:t>자구안</a:t>
-            </a:r>
-            <a:r>
-              <a:rPr lang="ko-KR" altLang="en-US" sz="1100" dirty="0"/>
-              <a:t> 발표와 함께 사의를 표명했다</a:t>
+              <a:t>천억원 규모의 자구안 발표와 함께 사의를 표명했다</a:t>
             </a:r>
             <a:r>
               <a:rPr lang="en-US" altLang="ko-KR" sz="1100" dirty="0"/>
@@ -14037,23 +13742,7 @@
             </a:r>
             <a:r>
               <a:rPr lang="ko-KR" altLang="en-US" sz="1100" dirty="0"/>
-              <a:t>다가오는 여름철 </a:t>
-            </a:r>
-            <a:r>
-              <a:rPr lang="ko-KR" altLang="en-US" sz="1100" dirty="0" err="1"/>
-              <a:t>비상전력</a:t>
-            </a:r>
-            <a:r>
-              <a:rPr lang="ko-KR" altLang="en-US" sz="1100" dirty="0"/>
-              <a:t> 수급의 안정적 운영과 </a:t>
-            </a:r>
-            <a:r>
-              <a:rPr lang="ko-KR" altLang="en-US" sz="1100" dirty="0" err="1"/>
-              <a:t>작업현장</a:t>
-            </a:r>
-            <a:r>
-              <a:rPr lang="ko-KR" altLang="en-US" sz="1100" dirty="0"/>
-              <a:t> 산업재해 예방에도 만전을 기할 것</a:t>
+              <a:t>다가오는 여름철 비상전력 수급의 안정적 운영과 작업현장 산업재해 예방에도 만전을 기할 것</a:t>
             </a:r>
             <a:r>
               <a:rPr lang="en-US" altLang="ko-KR" sz="1100" dirty="0"/>
@@ -14086,20 +13775,8 @@
               <a:buNone/>
             </a:pPr>
             <a:r>
-              <a:rPr lang="ko-KR" altLang="en-US" sz="1100" dirty="0" err="1"/>
-              <a:t>임면권자인</a:t>
-            </a:r>
-            <a:r>
               <a:rPr lang="ko-KR" altLang="en-US" sz="1100" dirty="0"/>
-              <a:t> </a:t>
-            </a:r>
-            <a:r>
-              <a:rPr lang="ko-KR" altLang="en-US" sz="1100" dirty="0" err="1"/>
-              <a:t>윤석열</a:t>
-            </a:r>
-            <a:r>
-              <a:rPr lang="ko-KR" altLang="en-US" sz="1100" dirty="0"/>
-              <a:t> 대통령이 정 사장의 사표를 곧바로 수리할지 주목된다</a:t>
+              <a:t>임면권자인 윤석열 대통령이 정 사장의 사표를 곧바로 수리할지 주목된다</a:t>
             </a:r>
             <a:r>
               <a:rPr lang="en-US" altLang="ko-KR" sz="1100" dirty="0"/>
@@ -14135,12 +13812,8 @@
               <a:t>, </a:t>
             </a:r>
             <a:r>
-              <a:rPr lang="ko-KR" altLang="en-US" sz="1100" dirty="0" err="1"/>
-              <a:t>산업부</a:t>
-            </a:r>
-            <a:r>
               <a:rPr lang="ko-KR" altLang="en-US" sz="1100" dirty="0"/>
-              <a:t> 차관을 거쳐 </a:t>
+              <a:t>산업부 차관을 거쳐 </a:t>
             </a:r>
             <a:r>
               <a:rPr lang="en-US" altLang="ko-KR" sz="1100" dirty="0"/>
@@ -14184,7 +13857,7 @@
               <a:t>(</a:t>
             </a:r>
             <a:r>
-              <a:rPr lang="ko-KR" altLang="en-US" sz="1100" dirty="0" err="1"/>
+              <a:rPr lang="ko-KR" altLang="en-US" sz="1100" dirty="0"/>
               <a:t>한전공대</a:t>
             </a:r>
             <a:r>
@@ -14214,15 +13887,7 @@
             </a:r>
             <a:r>
               <a:rPr lang="ko-KR" altLang="en-US" sz="1100" dirty="0"/>
-              <a:t>일 단행된 </a:t>
-            </a:r>
-            <a:r>
-              <a:rPr lang="ko-KR" altLang="en-US" sz="1100" dirty="0" err="1"/>
-              <a:t>산업부</a:t>
-            </a:r>
-            <a:r>
-              <a:rPr lang="ko-KR" altLang="en-US" sz="1100" dirty="0"/>
-              <a:t> </a:t>
+              <a:t>일 단행된 산업부 </a:t>
             </a:r>
             <a:r>
               <a:rPr lang="en-US" altLang="ko-KR" sz="1100" dirty="0"/>
@@ -14258,7 +13923,7 @@
               <a:t>"</a:t>
             </a:r>
             <a:r>
-              <a:rPr lang="ko-KR" altLang="en-US" sz="1100" dirty="0" err="1"/>
+              <a:rPr lang="ko-KR" altLang="en-US" sz="1100" dirty="0"/>
               <a:t>탈원전</a:t>
             </a:r>
             <a:r>
@@ -14383,15 +14048,7 @@
             </a:pPr>
             <a:r>
               <a:rPr lang="ko-KR" altLang="en-US" sz="1100" dirty="0"/>
-              <a:t>정 사장의 사의 표명과 한전의 </a:t>
-            </a:r>
-            <a:r>
-              <a:rPr lang="ko-KR" altLang="en-US" sz="1100" dirty="0" err="1"/>
-              <a:t>자구안</a:t>
-            </a:r>
-            <a:r>
-              <a:rPr lang="ko-KR" altLang="en-US" sz="1100" dirty="0"/>
-              <a:t> 발표가 동시에 이뤄짐에 따라 정부</a:t>
+              <a:t>정 사장의 사의 표명과 한전의 자구안 발표가 동시에 이뤄짐에 따라 정부</a:t>
             </a:r>
             <a:r>
               <a:rPr lang="en-US" altLang="ko-KR" sz="1100" dirty="0"/>
@@ -14608,7 +14265,7 @@
           <a:lstStyle/>
           <a:p>
             <a:r>
-              <a:rPr lang="ko-KR" altLang="en-US"/>
+              <a:rPr lang="ko-KR" altLang="en-US" dirty="0"/>
               <a:t>기사의 내용 표로 정리하기</a:t>
             </a:r>
           </a:p>
@@ -14639,39 +14296,7 @@
             </a:pPr>
             <a:r>
               <a:rPr lang="ko-KR" altLang="en-US" sz="1000" dirty="0"/>
-              <a:t>종합 </a:t>
-            </a:r>
-            <a:r>
-              <a:rPr lang="ko-KR" altLang="en-US" sz="1000" dirty="0" err="1"/>
-              <a:t>프롭테크</a:t>
-            </a:r>
-            <a:r>
-              <a:rPr lang="ko-KR" altLang="en-US" sz="1000" dirty="0"/>
-              <a:t> 기업 직방은 </a:t>
-            </a:r>
-            <a:r>
-              <a:rPr lang="ko-KR" altLang="en-US" sz="1000" dirty="0" err="1"/>
-              <a:t>국토교통부</a:t>
-            </a:r>
-            <a:r>
-              <a:rPr lang="ko-KR" altLang="en-US" sz="1000" dirty="0"/>
-              <a:t> </a:t>
-            </a:r>
-            <a:r>
-              <a:rPr lang="ko-KR" altLang="en-US" sz="1000" dirty="0" err="1"/>
-              <a:t>실거래</a:t>
-            </a:r>
-            <a:r>
-              <a:rPr lang="ko-KR" altLang="en-US" sz="1000" dirty="0"/>
-              <a:t> 자료 기반으로 자체 </a:t>
-            </a:r>
-            <a:r>
-              <a:rPr lang="ko-KR" altLang="en-US" sz="1000" dirty="0" err="1"/>
-              <a:t>딥러닝</a:t>
-            </a:r>
-            <a:r>
-              <a:rPr lang="ko-KR" altLang="en-US" sz="1000" dirty="0"/>
-              <a:t> 모형을 통해 아파트 매매가격지수를 산출한 결과</a:t>
+              <a:t>종합 프롭테크 기업 직방은 국토교통부 실거래 자료 기반으로 자체 딥러닝 모형을 통해 아파트 매매가격지수를 산출한 결과</a:t>
             </a:r>
             <a:r>
               <a:rPr lang="en-US" altLang="ko-KR" sz="1000" dirty="0"/>
@@ -14934,12 +14559,8 @@
               <a:t>0.180%, </a:t>
             </a:r>
             <a:r>
-              <a:rPr lang="ko-KR" altLang="en-US" sz="1000" dirty="0" err="1"/>
-              <a:t>용인경전철</a:t>
-            </a:r>
-            <a:r>
               <a:rPr lang="ko-KR" altLang="en-US" sz="1000" dirty="0"/>
-              <a:t> </a:t>
+              <a:t>용인경전철 </a:t>
             </a:r>
             <a:r>
               <a:rPr lang="en-US" altLang="ko-KR" sz="1000" dirty="0"/>
@@ -15026,20 +14647,8 @@
               <a:t>, </a:t>
             </a:r>
             <a:r>
-              <a:rPr lang="ko-KR" altLang="en-US" sz="1000" dirty="0" err="1"/>
-              <a:t>특례보금자리론와</a:t>
-            </a:r>
-            <a:r>
               <a:rPr lang="ko-KR" altLang="en-US" sz="1000" dirty="0"/>
-              <a:t> 같은 대출확대 정책과 금리동결 등의 영향으로 아파트 가격 </a:t>
-            </a:r>
-            <a:r>
-              <a:rPr lang="ko-KR" altLang="en-US" sz="1000" dirty="0" err="1"/>
-              <a:t>급락세에</a:t>
-            </a:r>
-            <a:r>
-              <a:rPr lang="ko-KR" altLang="en-US" sz="1000" dirty="0"/>
-              <a:t> 제동이 걸렸다</a:t>
+              <a:t>특례보금자리론와 같은 대출확대 정책과 금리동결 등의 영향으로 아파트 가격 급락세에 제동이 걸렸다</a:t>
             </a:r>
             <a:r>
               <a:rPr lang="en-US" altLang="ko-KR" sz="1000" dirty="0"/>
@@ -15084,15 +14693,7 @@
             </a:r>
             <a:r>
               <a:rPr lang="ko-KR" altLang="en-US" sz="1000" dirty="0"/>
-              <a:t>위 기사 내용 중 아파트값 상승 </a:t>
-            </a:r>
-            <a:r>
-              <a:rPr lang="ko-KR" altLang="en-US" sz="1000" dirty="0" err="1"/>
-              <a:t>하락율을</a:t>
-            </a:r>
-            <a:r>
-              <a:rPr lang="ko-KR" altLang="en-US" sz="1000" dirty="0"/>
-              <a:t> 지역으로 구분하여 표로 나타내라</a:t>
+              <a:t>위 기사 내용 중 아파트값 상승 하락율을 지역으로 구분하여 표로 나타내라</a:t>
             </a:r>
             <a:r>
               <a:rPr lang="en-US" altLang="ko-KR" sz="1000" dirty="0"/>
@@ -15147,16 +14748,8 @@
           <a:lstStyle/>
           <a:p>
             <a:r>
-              <a:rPr lang="ko-KR" altLang="en-US"/>
-              <a:t>기사에서 </a:t>
-            </a:r>
-            <a:r>
-              <a:rPr lang="ko-KR" altLang="en-US" dirty="0" err="1"/>
-              <a:t>개체명</a:t>
-            </a:r>
-            <a:r>
-              <a:rPr lang="ko-KR" altLang="en-US" dirty="0"/>
-              <a:t> 추출하기</a:t>
+              <a:rPr lang="ko-KR" altLang="en-US" dirty="0"/>
+              <a:t>기사에서 개체명 추출하기</a:t>
             </a:r>
           </a:p>
         </p:txBody>
@@ -15186,15 +14779,7 @@
             </a:pPr>
             <a:r>
               <a:rPr lang="ko-KR" altLang="en-US" dirty="0"/>
-              <a:t>다음 뉴스기사에서 </a:t>
-            </a:r>
-            <a:r>
-              <a:rPr lang="ko-KR" altLang="en-US" dirty="0" err="1"/>
-              <a:t>개체명을</a:t>
-            </a:r>
-            <a:r>
-              <a:rPr lang="ko-KR" altLang="en-US" dirty="0"/>
-              <a:t> 추출해 주세요</a:t>
+              <a:t>다음 뉴스기사에서 개체명을 추출해 주세요</a:t>
             </a:r>
             <a:r>
               <a:rPr lang="en-US" altLang="ko-KR" dirty="0"/>
@@ -15225,20 +14810,8 @@
               <a:t>: &lt;</a:t>
             </a:r>
             <a:r>
-              <a:rPr lang="ko-KR" altLang="en-US" dirty="0" err="1"/>
-              <a:t>출력결과를</a:t>
-            </a:r>
-            <a:r>
-              <a:rPr lang="ko-KR" altLang="en-US" dirty="0"/>
-              <a:t> 콤마 </a:t>
-            </a:r>
-            <a:r>
-              <a:rPr lang="ko-KR" altLang="en-US" dirty="0" err="1"/>
-              <a:t>구분자로</a:t>
-            </a:r>
-            <a:r>
-              <a:rPr lang="ko-KR" altLang="en-US" dirty="0"/>
-              <a:t> 구분</a:t>
+              <a:rPr lang="ko-KR" altLang="en-US" dirty="0"/>
+              <a:t>출력결과를 콤마 구분자로 구분</a:t>
             </a:r>
             <a:r>
               <a:rPr lang="en-US" altLang="ko-KR" dirty="0"/>
@@ -15261,20 +14834,8 @@
               <a:t>: &lt;</a:t>
             </a:r>
             <a:r>
-              <a:rPr lang="ko-KR" altLang="en-US" dirty="0" err="1"/>
-              <a:t>출력결과를</a:t>
-            </a:r>
-            <a:r>
-              <a:rPr lang="ko-KR" altLang="en-US" dirty="0"/>
-              <a:t> 콤마 </a:t>
-            </a:r>
-            <a:r>
-              <a:rPr lang="ko-KR" altLang="en-US" dirty="0" err="1"/>
-              <a:t>구분자로</a:t>
-            </a:r>
-            <a:r>
-              <a:rPr lang="ko-KR" altLang="en-US" dirty="0"/>
-              <a:t> 구분</a:t>
+              <a:rPr lang="ko-KR" altLang="en-US" dirty="0"/>
+              <a:t>출력결과를 콤마 구분자로 구분</a:t>
             </a:r>
             <a:r>
               <a:rPr lang="en-US" altLang="ko-KR" dirty="0"/>
@@ -15297,20 +14858,8 @@
               <a:t>: &lt;</a:t>
             </a:r>
             <a:r>
-              <a:rPr lang="ko-KR" altLang="en-US" dirty="0" err="1"/>
-              <a:t>출력결과를</a:t>
-            </a:r>
-            <a:r>
-              <a:rPr lang="ko-KR" altLang="en-US" dirty="0"/>
-              <a:t> 콤마 </a:t>
-            </a:r>
-            <a:r>
-              <a:rPr lang="ko-KR" altLang="en-US" dirty="0" err="1"/>
-              <a:t>구분자로</a:t>
-            </a:r>
-            <a:r>
-              <a:rPr lang="ko-KR" altLang="en-US" dirty="0"/>
-              <a:t> 구분</a:t>
+              <a:rPr lang="ko-KR" altLang="en-US" dirty="0"/>
+              <a:t>출력결과를 콤마 구분자로 구분</a:t>
             </a:r>
             <a:r>
               <a:rPr lang="en-US" altLang="ko-KR" dirty="0"/>
@@ -15333,20 +14882,8 @@
               <a:t>: &lt;</a:t>
             </a:r>
             <a:r>
-              <a:rPr lang="ko-KR" altLang="en-US" dirty="0" err="1"/>
-              <a:t>출력결과를</a:t>
-            </a:r>
-            <a:r>
-              <a:rPr lang="ko-KR" altLang="en-US" dirty="0"/>
-              <a:t> 콤마 </a:t>
-            </a:r>
-            <a:r>
-              <a:rPr lang="ko-KR" altLang="en-US" dirty="0" err="1"/>
-              <a:t>구분자로</a:t>
-            </a:r>
-            <a:r>
-              <a:rPr lang="ko-KR" altLang="en-US" dirty="0"/>
-              <a:t> 구분</a:t>
+              <a:rPr lang="ko-KR" altLang="en-US" dirty="0"/>
+              <a:t>출력결과를 콤마 구분자로 구분</a:t>
             </a:r>
             <a:r>
               <a:rPr lang="en-US" altLang="ko-KR" dirty="0"/>
@@ -15378,12 +14915,8 @@
               <a:t>…</a:t>
             </a:r>
             <a:r>
-              <a:rPr lang="ko-KR" altLang="en-US" dirty="0" err="1"/>
-              <a:t>싱가포르행</a:t>
-            </a:r>
-            <a:r>
-              <a:rPr lang="ko-KR" altLang="en-US" dirty="0"/>
-              <a:t> 주목 최 부상</a:t>
+              <a:rPr lang="ko-KR" altLang="en-US" dirty="0"/>
+              <a:t>싱가포르행 주목 최 부상</a:t>
             </a:r>
             <a:r>
               <a:rPr lang="en-US" altLang="ko-KR" dirty="0"/>
@@ -15430,12 +14963,8 @@
               <a:t>) </a:t>
             </a:r>
             <a:r>
-              <a:rPr lang="ko-KR" altLang="en-US" dirty="0" err="1"/>
-              <a:t>김진방</a:t>
-            </a:r>
-            <a:r>
-              <a:rPr lang="ko-KR" altLang="en-US" dirty="0"/>
-              <a:t> 특파원 </a:t>
+              <a:rPr lang="ko-KR" altLang="en-US" dirty="0"/>
+              <a:t>김진방 특파원 </a:t>
             </a:r>
             <a:r>
               <a:rPr lang="en-US" altLang="ko-KR" dirty="0"/>
@@ -15451,11 +14980,7 @@
             </a:r>
             <a:r>
               <a:rPr lang="ko-KR" altLang="en-US" dirty="0"/>
-              <a:t>일 중국 베이징 </a:t>
-            </a:r>
-            <a:r>
-              <a:rPr lang="ko-KR" altLang="en-US" dirty="0" err="1"/>
-              <a:t>서우두</a:t>
+              <a:t>일 중국 베이징 서우두</a:t>
             </a:r>
             <a:r>
               <a:rPr lang="en-US" altLang="ko-KR" dirty="0"/>
@@ -15487,15 +15012,7 @@
             </a:pPr>
             <a:r>
               <a:rPr lang="ko-KR" altLang="en-US" dirty="0"/>
-              <a:t>최 부상은 이날 오전 </a:t>
-            </a:r>
-            <a:r>
-              <a:rPr lang="ko-KR" altLang="en-US" dirty="0" err="1"/>
-              <a:t>평양발</a:t>
-            </a:r>
-            <a:r>
-              <a:rPr lang="ko-KR" altLang="en-US" dirty="0"/>
-              <a:t> 고려항공 </a:t>
+              <a:t>최 부상은 이날 오전 평양발 고려항공 </a:t>
             </a:r>
             <a:r>
               <a:rPr lang="en-US" altLang="ko-KR" dirty="0"/>
@@ -15503,15 +15020,7 @@
             </a:r>
             <a:r>
               <a:rPr lang="ko-KR" altLang="en-US" dirty="0"/>
-              <a:t>편을 이용해 베이징 </a:t>
-            </a:r>
-            <a:r>
-              <a:rPr lang="ko-KR" altLang="en-US" dirty="0" err="1"/>
-              <a:t>서우두</a:t>
-            </a:r>
-            <a:r>
-              <a:rPr lang="ko-KR" altLang="en-US" dirty="0"/>
-              <a:t> 공항에 도착했다</a:t>
+              <a:t>편을 이용해 베이징 서우두 공항에 도착했다</a:t>
             </a:r>
             <a:r>
               <a:rPr lang="en-US" altLang="ko-KR" dirty="0"/>
@@ -15639,15 +15148,7 @@
             </a:r>
             <a:r>
               <a:rPr lang="ko-KR" altLang="en-US" dirty="0"/>
-              <a:t>에 참석해 아세안을 상대로 </a:t>
-            </a:r>
-            <a:r>
-              <a:rPr lang="ko-KR" altLang="en-US" dirty="0" err="1"/>
-              <a:t>여론전을</a:t>
-            </a:r>
-            <a:r>
-              <a:rPr lang="ko-KR" altLang="en-US" dirty="0"/>
-              <a:t> 펼쳤다</a:t>
+              <a:t>에 참석해 아세안을 상대로 여론전을 펼쳤다</a:t>
             </a:r>
             <a:r>
               <a:rPr lang="en-US" altLang="ko-KR" dirty="0"/>
@@ -15655,15 +15156,7 @@
             </a:r>
             <a:r>
               <a:rPr lang="ko-KR" altLang="en-US" dirty="0"/>
-              <a:t>북한의 초청으로 비자이 </a:t>
-            </a:r>
-            <a:r>
-              <a:rPr lang="ko-KR" altLang="en-US" dirty="0" err="1"/>
-              <a:t>쿠마르</a:t>
-            </a:r>
-            <a:r>
-              <a:rPr lang="ko-KR" altLang="en-US" dirty="0"/>
-              <a:t> 싱 인도 외교부 국무장관이 방북했을 때도 최 부상은 싱 국무장관을 직접 영접하고</a:t>
+              <a:t>북한의 초청으로 비자이 쿠마르 싱 인도 외교부 국무장관이 방북했을 때도 최 부상은 싱 국무장관을 직접 영접하고</a:t>
             </a:r>
             <a:r>
               <a:rPr lang="en-US" altLang="ko-KR" dirty="0"/>
@@ -15703,23 +15196,7 @@
             </a:r>
             <a:r>
               <a:rPr lang="ko-KR" altLang="en-US" dirty="0"/>
-              <a:t>미 외교담당이 아니기 때문에 싱가포르로 갈 가능성이 큰 것은 </a:t>
-            </a:r>
-            <a:r>
-              <a:rPr lang="ko-KR" altLang="en-US" dirty="0" err="1"/>
-              <a:t>아니다”며</a:t>
-            </a:r>
-            <a:r>
-              <a:rPr lang="ko-KR" altLang="en-US" dirty="0"/>
-              <a:t> “만약 싱가포르에 간다면 정상회담과 관련한 지원 작업 준비 등을 위한 것일 가능성이 </a:t>
-            </a:r>
-            <a:r>
-              <a:rPr lang="ko-KR" altLang="en-US" dirty="0" err="1"/>
-              <a:t>크다”고</a:t>
-            </a:r>
-            <a:r>
-              <a:rPr lang="ko-KR" altLang="en-US" dirty="0"/>
-              <a:t> 말했다</a:t>
+              <a:t>미 외교담당이 아니기 때문에 싱가포르로 갈 가능성이 큰 것은 아니다”며 “만약 싱가포르에 간다면 정상회담과 관련한 지원 작업 준비 등을 위한 것일 가능성이 크다”고 말했다</a:t>
             </a:r>
             <a:r>
               <a:rPr lang="en-US" altLang="ko-KR" dirty="0"/>
@@ -15775,7 +15252,7 @@
           <a:lstStyle/>
           <a:p>
             <a:r>
-              <a:rPr lang="ko-KR" altLang="en-US"/>
+              <a:rPr lang="ko-KR" altLang="en-US" dirty="0"/>
               <a:t>보건환경연구원 인사말 수정하기</a:t>
             </a:r>
           </a:p>
@@ -15814,15 +15291,7 @@
             </a:r>
             <a:r>
               <a:rPr lang="ko-KR" altLang="en-US" sz="1100" dirty="0"/>
-              <a:t>살고 싶은 새로운 </a:t>
-            </a:r>
-            <a:r>
-              <a:rPr lang="ko-KR" altLang="en-US" sz="1100" dirty="0" err="1"/>
-              <a:t>경기도」라는</a:t>
-            </a:r>
-            <a:r>
-              <a:rPr lang="ko-KR" altLang="en-US" sz="1100" dirty="0"/>
-              <a:t> 비전 아래</a:t>
+              <a:t>살고 싶은 새로운 경기도」라는 비전 아래</a:t>
             </a:r>
             <a:r>
               <a:rPr lang="en-US" altLang="ko-KR" sz="1100" dirty="0"/>
@@ -15838,15 +15307,7 @@
             </a:r>
             <a:r>
               <a:rPr lang="ko-KR" altLang="en-US" sz="1100" dirty="0"/>
-              <a:t>검사기관 </a:t>
-            </a:r>
-            <a:r>
-              <a:rPr lang="ko-KR" altLang="en-US" sz="1100" dirty="0" err="1"/>
-              <a:t>실현」이라는</a:t>
-            </a:r>
-            <a:r>
-              <a:rPr lang="ko-KR" altLang="en-US" sz="1100" dirty="0"/>
-              <a:t> 목표를 통해 </a:t>
+              <a:t>검사기관 실현」이라는 목표를 통해 </a:t>
             </a:r>
             <a:r>
               <a:rPr lang="en-US" altLang="ko-KR" sz="1100" dirty="0"/>
@@ -15854,11 +15315,7 @@
             </a:r>
             <a:r>
               <a:rPr lang="ko-KR" altLang="en-US" sz="1100" dirty="0"/>
-              <a:t>만 경기도민이 건강하고 쾌적한 환경 속에서 생활할 수 있도록 시험검사 및 조사연구 사업을 수행하는 </a:t>
-            </a:r>
-            <a:r>
-              <a:rPr lang="ko-KR" altLang="en-US" sz="1100" dirty="0" err="1"/>
-              <a:t>종합연구기관입니다</a:t>
+              <a:t>만 경기도민이 건강하고 쾌적한 환경 속에서 생활할 수 있도록 시험검사 및 조사연구 사업을 수행하는 종합연구기관입니다</a:t>
             </a:r>
             <a:r>
               <a:rPr lang="en-US" altLang="ko-KR" sz="1100" dirty="0"/>
@@ -15874,22 +15331,14 @@
             </a:pPr>
             <a:r>
               <a:rPr lang="ko-KR" altLang="en-US" sz="1100" dirty="0"/>
-              <a:t>최근 국내의 </a:t>
-            </a:r>
-            <a:r>
-              <a:rPr lang="ko-KR" altLang="en-US" sz="1100" dirty="0" err="1"/>
-              <a:t>보건・환경</a:t>
-            </a:r>
-            <a:r>
-              <a:rPr lang="ko-KR" altLang="en-US" sz="1100" dirty="0"/>
-              <a:t> 여건은 코로나</a:t>
+              <a:t>최근 국내의 보건・환경 여건은 코로나</a:t>
             </a:r>
             <a:r>
               <a:rPr lang="en-US" altLang="ko-KR" sz="1100" dirty="0"/>
               <a:t>19, </a:t>
             </a:r>
             <a:r>
-              <a:rPr lang="ko-KR" altLang="en-US" sz="1100" dirty="0" err="1"/>
+              <a:rPr lang="ko-KR" altLang="en-US" sz="1100" dirty="0"/>
               <a:t>메르스</a:t>
             </a:r>
             <a:r>
@@ -15897,43 +15346,15 @@
               <a:t>, </a:t>
             </a:r>
             <a:r>
-              <a:rPr lang="ko-KR" altLang="en-US" sz="1100" dirty="0" err="1"/>
-              <a:t>지카바이러스</a:t>
-            </a:r>
-            <a:r>
               <a:rPr lang="ko-KR" altLang="en-US" sz="1100" dirty="0"/>
-              <a:t> 등 </a:t>
-            </a:r>
-            <a:r>
-              <a:rPr lang="ko-KR" altLang="en-US" sz="1100" dirty="0" err="1"/>
-              <a:t>국외유입</a:t>
-            </a:r>
-            <a:r>
-              <a:rPr lang="ko-KR" altLang="en-US" sz="1100" dirty="0"/>
-              <a:t> </a:t>
-            </a:r>
-            <a:r>
-              <a:rPr lang="ko-KR" altLang="en-US" sz="1100" dirty="0" err="1"/>
-              <a:t>감염병</a:t>
-            </a:r>
-            <a:r>
-              <a:rPr lang="ko-KR" altLang="en-US" sz="1100" dirty="0"/>
-              <a:t> 증가와 일본후쿠시마 </a:t>
-            </a:r>
-            <a:r>
-              <a:rPr lang="ko-KR" altLang="en-US" sz="1100" dirty="0" err="1"/>
-              <a:t>오염수</a:t>
-            </a:r>
-            <a:r>
-              <a:rPr lang="ko-KR" altLang="en-US" sz="1100" dirty="0"/>
-              <a:t> 방류</a:t>
+              <a:t>지카바이러스 등 국외유입 감염병 증가와 일본후쿠시마 오염수 방류</a:t>
             </a:r>
             <a:r>
               <a:rPr lang="en-US" altLang="ko-KR" sz="1100" dirty="0"/>
               <a:t>, </a:t>
             </a:r>
             <a:r>
-              <a:rPr lang="ko-KR" altLang="en-US" sz="1100" dirty="0" err="1"/>
+              <a:rPr lang="ko-KR" altLang="en-US" sz="1100" dirty="0"/>
               <a:t>라돈</a:t>
             </a:r>
             <a:r>
@@ -15982,15 +15403,7 @@
             </a:pPr>
             <a:r>
               <a:rPr lang="ko-KR" altLang="en-US" sz="1100" dirty="0"/>
-              <a:t>이에 대응하여 보건환경연구원은 현재와 미래세대 보호를 위해 실험장비 </a:t>
-            </a:r>
-            <a:r>
-              <a:rPr lang="ko-KR" altLang="en-US" sz="1100" dirty="0" err="1"/>
-              <a:t>첨단화와</a:t>
-            </a:r>
-            <a:r>
-              <a:rPr lang="ko-KR" altLang="en-US" sz="1100" dirty="0"/>
-              <a:t> 국제적인 조사</a:t>
+              <a:t>이에 대응하여 보건환경연구원은 현재와 미래세대 보호를 위해 실험장비 첨단화와 국제적인 조사</a:t>
             </a:r>
             <a:r>
               <a:rPr lang="en-US" altLang="ko-KR" sz="1100" dirty="0"/>
@@ -16037,7 +15450,7 @@
               <a:t>, </a:t>
             </a:r>
             <a:r>
-              <a:rPr lang="ko-KR" altLang="en-US" sz="1100" dirty="0" err="1"/>
+              <a:rPr lang="ko-KR" altLang="en-US" sz="1100" dirty="0"/>
               <a:t>감염병</a:t>
             </a:r>
             <a:r>
@@ -16094,15 +15507,7 @@
             </a:pPr>
             <a:r>
               <a:rPr lang="ko-KR" altLang="en-US" sz="1100" dirty="0"/>
-              <a:t>보건환경연구원은 </a:t>
-            </a:r>
-            <a:r>
-              <a:rPr lang="ko-KR" altLang="en-US" sz="1100" dirty="0" err="1"/>
-              <a:t>경기도민을</a:t>
-            </a:r>
-            <a:r>
-              <a:rPr lang="ko-KR" altLang="en-US" sz="1100" dirty="0"/>
-              <a:t> 위해 존재하는 기관입니다</a:t>
+              <a:t>보건환경연구원은 경기도민을 위해 존재하는 기관입니다</a:t>
             </a:r>
             <a:r>
               <a:rPr lang="en-US" altLang="ko-KR" sz="1100" dirty="0"/>
@@ -16134,11 +15539,7 @@
             </a:pPr>
             <a:r>
               <a:rPr lang="ko-KR" altLang="en-US" sz="1100" dirty="0"/>
-              <a:t>항상 경기도민의 삶의 질 향상과 안전한 경기도를 만드는데 최선을 다하는 연구원이 될 것을 </a:t>
-            </a:r>
-            <a:r>
-              <a:rPr lang="ko-KR" altLang="en-US" sz="1100" dirty="0" err="1"/>
-              <a:t>약속드립니다</a:t>
+              <a:t>항상 경기도민의 삶의 질 향상과 안전한 경기도를 만드는데 최선을 다하는 연구원이 될 것을 약속드립니다</a:t>
             </a:r>
             <a:r>
               <a:rPr lang="en-US" altLang="ko-KR" sz="1100" dirty="0"/>
@@ -16235,8 +15636,12 @@
           <a:lstStyle/>
           <a:p>
             <a:r>
+              <a:rPr lang="ko-KR" altLang="en-US" b="1"/>
+              <a:t>일본 </a:t>
+            </a:r>
+            <a:r>
               <a:rPr lang="ko-KR" altLang="en-US" b="1" dirty="0"/>
-              <a:t>제주도 여행 관광지도</a:t>
+              <a:t>여행 관광지도</a:t>
             </a:r>
           </a:p>
         </p:txBody>
@@ -16271,7 +15676,7 @@
             </a:r>
             <a:r>
               <a:rPr lang="ko-KR" altLang="en-US" sz="2000" b="1" dirty="0"/>
-              <a:t>제주도 여행 계획을 작성해줘</a:t>
+              <a:t>여행 계획을 작성해줘</a:t>
             </a:r>
             <a:r>
               <a:rPr lang="en-US" altLang="ko-KR" sz="2000" b="1" dirty="0"/>
@@ -16290,7 +15695,7 @@
             </a:pPr>
             <a:r>
               <a:rPr lang="ko-KR" altLang="en-US" sz="2000" dirty="0"/>
-              <a:t>김포공항에서 출발하여</a:t>
+              <a:t>인천공항에서 출발하여</a:t>
             </a:r>
             <a:r>
               <a:rPr lang="en-US" altLang="ko-KR" sz="2000" dirty="0"/>
@@ -16298,11 +15703,11 @@
             </a:r>
             <a:r>
               <a:rPr lang="ko-KR" altLang="en-US" sz="2000" dirty="0"/>
-              <a:t>제주도에 도착해서 </a:t>
+              <a:t>일본 나고야에 도착해서 </a:t>
             </a:r>
             <a:r>
               <a:rPr lang="en-US" altLang="ko-KR" sz="2000" dirty="0"/>
-              <a:t>3</a:t>
+              <a:t>4</a:t>
             </a:r>
             <a:r>
               <a:rPr lang="ko-KR" altLang="en-US" sz="2000" dirty="0"/>
@@ -16310,11 +15715,11 @@
             </a:r>
             <a:r>
               <a:rPr lang="en-US" altLang="ko-KR" sz="2000" dirty="0"/>
-              <a:t>4</a:t>
+              <a:t>5</a:t>
             </a:r>
             <a:r>
               <a:rPr lang="ko-KR" altLang="en-US" sz="2000" dirty="0"/>
-              <a:t>일 간 자동차로 여행을 떠나려 한다</a:t>
+              <a:t>일 간 배낭 여행을 떠나려 한다</a:t>
             </a:r>
             <a:r>
               <a:rPr lang="en-US" altLang="ko-KR" sz="2000" dirty="0"/>
@@ -16357,11 +15762,38 @@
           </a:p>
           <a:p>
             <a:pPr marL="457200" indent="-457200">
+              <a:buFont typeface="Arial" panose="020B0604020202020204" pitchFamily="34" charset="0"/>
               <a:buAutoNum type="arabicPeriod"/>
             </a:pPr>
             <a:r>
               <a:rPr lang="ko-KR" altLang="en-US" sz="2000" dirty="0"/>
               <a:t>관광지 정보는 주소도 함께 제시되어야 한다</a:t>
+            </a:r>
+            <a:r>
+              <a:rPr lang="en-US" altLang="ko-KR" sz="2000" dirty="0"/>
+              <a:t>.</a:t>
+            </a:r>
+          </a:p>
+          <a:p>
+            <a:pPr marL="457200" indent="-457200">
+              <a:buAutoNum type="arabicPeriod"/>
+            </a:pPr>
+            <a:r>
+              <a:rPr lang="ko-KR" altLang="en-US" sz="2000" dirty="0"/>
+              <a:t>대중교통으로 이동하기 때문에 하루 동안 방문할 관광지가 서로 너무 멀지 않아야 한다</a:t>
+            </a:r>
+            <a:r>
+              <a:rPr lang="en-US" altLang="ko-KR" sz="2000" dirty="0"/>
+              <a:t>.</a:t>
+            </a:r>
+          </a:p>
+          <a:p>
+            <a:pPr marL="457200" indent="-457200">
+              <a:buAutoNum type="arabicPeriod"/>
+            </a:pPr>
+            <a:r>
+              <a:rPr lang="ko-KR" altLang="en-US" sz="2000" dirty="0"/>
+              <a:t>매일 저녁은 그 지역에서 가장 유명한 식당을 가고 싶다</a:t>
             </a:r>
             <a:r>
               <a:rPr lang="en-US" altLang="ko-KR" sz="2000" dirty="0"/>
@@ -16423,15 +15855,7 @@
           <a:p>
             <a:r>
               <a:rPr lang="ko-KR" altLang="en-US" dirty="0"/>
-              <a:t>드라마 </a:t>
-            </a:r>
-            <a:r>
-              <a:rPr lang="ko-KR" altLang="en-US" dirty="0" err="1"/>
-              <a:t>시놉시스</a:t>
-            </a:r>
-            <a:r>
-              <a:rPr lang="ko-KR" altLang="en-US" dirty="0"/>
-              <a:t> 작성하기</a:t>
+              <a:t>드라마 시놉시스 작성하기</a:t>
             </a:r>
           </a:p>
         </p:txBody>
@@ -16461,23 +15885,7 @@
             </a:pPr>
             <a:r>
               <a:rPr lang="ko-KR" altLang="en-US" dirty="0"/>
-              <a:t>매우 </a:t>
-            </a:r>
-            <a:r>
-              <a:rPr lang="ko-KR" altLang="en-US" dirty="0" err="1"/>
-              <a:t>총망받는</a:t>
-            </a:r>
-            <a:r>
-              <a:rPr lang="ko-KR" altLang="en-US" dirty="0"/>
-              <a:t> 드라마 작가가 되어 좀비와 드라큘라에 관한 </a:t>
-            </a:r>
-            <a:r>
-              <a:rPr lang="ko-KR" altLang="en-US" dirty="0" err="1"/>
-              <a:t>넷플릭스</a:t>
-            </a:r>
-            <a:r>
-              <a:rPr lang="ko-KR" altLang="en-US" dirty="0"/>
-              <a:t> 드라마를 만들고 싶다</a:t>
+              <a:t>매우 총망받는 드라마 작가가 되어 좀비와 드라큘라에 관한 넷플릭스 드라마를 만들고 싶다</a:t>
             </a:r>
             <a:r>
               <a:rPr lang="en-US" altLang="ko-KR" dirty="0"/>
@@ -16485,15 +15893,7 @@
             </a:r>
             <a:r>
               <a:rPr lang="ko-KR" altLang="en-US" dirty="0"/>
-              <a:t>드라마의 </a:t>
-            </a:r>
-            <a:r>
-              <a:rPr lang="ko-KR" altLang="en-US" dirty="0" err="1"/>
-              <a:t>시놉시스를</a:t>
-            </a:r>
-            <a:r>
-              <a:rPr lang="ko-KR" altLang="en-US" dirty="0"/>
-              <a:t> 작성해라</a:t>
+              <a:t>드라마의 시놉시스를 작성해라</a:t>
             </a:r>
             <a:r>
               <a:rPr lang="en-US" altLang="ko-KR" dirty="0"/>
@@ -16618,15 +16018,7 @@
             </a:r>
             <a:r>
               <a:rPr lang="ko-KR" altLang="en-US" dirty="0"/>
-              <a:t>에서는 좀비와 드라큘라의 </a:t>
-            </a:r>
-            <a:r>
-              <a:rPr lang="ko-KR" altLang="en-US" dirty="0" err="1"/>
-              <a:t>혼종이</a:t>
-            </a:r>
-            <a:r>
-              <a:rPr lang="ko-KR" altLang="en-US" dirty="0"/>
-              <a:t> 탄생하여</a:t>
+              <a:t>에서는 좀비와 드라큘라의 혼종이 탄생하여</a:t>
             </a:r>
             <a:r>
               <a:rPr lang="en-US" altLang="ko-KR" dirty="0"/>
@@ -16698,15 +16090,7 @@
             </a:pPr>
             <a:r>
               <a:rPr lang="ko-KR" altLang="en-US" dirty="0"/>
-              <a:t>위의 </a:t>
-            </a:r>
-            <a:r>
-              <a:rPr lang="ko-KR" altLang="en-US" dirty="0" err="1"/>
-              <a:t>시놉시스의</a:t>
-            </a:r>
-            <a:r>
-              <a:rPr lang="ko-KR" altLang="en-US" dirty="0"/>
-              <a:t> 주요 내용을 에피소드 </a:t>
+              <a:t>위의 시놉시스의 주요 내용을 에피소드 </a:t>
             </a:r>
             <a:r>
               <a:rPr lang="en-US" altLang="ko-KR" dirty="0"/>
@@ -16786,7 +16170,7 @@
           <a:lstStyle/>
           <a:p>
             <a:r>
-              <a:rPr lang="ko-KR" altLang="en-US"/>
+              <a:rPr lang="ko-KR" altLang="en-US" dirty="0"/>
               <a:t>공고문 수정하기</a:t>
             </a:r>
           </a:p>
@@ -16912,1025 +16296,953 @@
               <a:t>❍ </a:t>
             </a:r>
             <a:r>
-              <a:rPr lang="ko-KR" altLang="en-US" dirty="0" err="1"/>
-              <a:t>실습장소</a:t>
-            </a:r>
+              <a:rPr lang="ko-KR" altLang="en-US" dirty="0"/>
+              <a:t>실습장소 </a:t>
+            </a:r>
+            <a:r>
+              <a:rPr lang="en-US" altLang="ko-KR" dirty="0"/>
+              <a:t>: </a:t>
+            </a:r>
+            <a:r>
+              <a:rPr lang="ko-KR" altLang="en-US" dirty="0"/>
+              <a:t>경기도보건환경연구원</a:t>
+            </a:r>
+            <a:r>
+              <a:rPr lang="en-US" altLang="ko-KR" dirty="0"/>
+              <a:t>(</a:t>
+            </a:r>
+            <a:r>
+              <a:rPr lang="ko-KR" altLang="en-US" dirty="0"/>
+              <a:t>본원</a:t>
+            </a:r>
+            <a:r>
+              <a:rPr lang="en-US" altLang="ko-KR" dirty="0"/>
+              <a:t>) </a:t>
+            </a:r>
+            <a:r>
+              <a:rPr lang="ko-KR" altLang="en-US" dirty="0"/>
+              <a:t>경기도 수원시 칠보로</a:t>
+            </a:r>
+            <a:r>
+              <a:rPr lang="en-US" altLang="ko-KR" dirty="0"/>
+              <a:t>1</a:t>
+            </a:r>
+            <a:r>
+              <a:rPr lang="ko-KR" altLang="en-US" dirty="0"/>
+              <a:t>번길 </a:t>
+            </a:r>
+            <a:r>
+              <a:rPr lang="en-US" altLang="ko-KR" dirty="0"/>
+              <a:t>62</a:t>
+            </a:r>
+          </a:p>
+          <a:p>
+            <a:pPr marL="0" indent="0">
+              <a:buNone/>
+            </a:pPr>
+            <a:r>
+              <a:rPr lang="en-US" altLang="ko-KR" dirty="0"/>
+              <a:t>❍ </a:t>
+            </a:r>
+            <a:r>
+              <a:rPr lang="ko-KR" altLang="en-US" dirty="0"/>
+              <a:t>교육과정 </a:t>
+            </a:r>
+            <a:r>
+              <a:rPr lang="en-US" altLang="ko-KR" dirty="0"/>
+              <a:t>: </a:t>
+            </a:r>
+            <a:r>
+              <a:rPr lang="ko-KR" altLang="en-US" dirty="0"/>
+              <a:t>공통교육</a:t>
+            </a:r>
+            <a:r>
+              <a:rPr lang="en-US" altLang="ko-KR" dirty="0"/>
+              <a:t>(3</a:t>
+            </a:r>
+            <a:r>
+              <a:rPr lang="ko-KR" altLang="en-US" dirty="0"/>
+              <a:t>일</a:t>
+            </a:r>
+            <a:r>
+              <a:rPr lang="en-US" altLang="ko-KR" dirty="0"/>
+              <a:t>) </a:t>
+            </a:r>
+            <a:r>
+              <a:rPr lang="ko-KR" altLang="en-US" dirty="0"/>
+              <a:t>및 현장실습</a:t>
+            </a:r>
+            <a:r>
+              <a:rPr lang="en-US" altLang="ko-KR" dirty="0"/>
+              <a:t>(7</a:t>
+            </a:r>
+            <a:r>
+              <a:rPr lang="ko-KR" altLang="en-US" dirty="0"/>
+              <a:t>일</a:t>
+            </a:r>
+            <a:r>
+              <a:rPr lang="en-US" altLang="ko-KR" dirty="0"/>
+              <a:t>/</a:t>
+            </a:r>
+            <a:r>
+              <a:rPr lang="ko-KR" altLang="en-US" dirty="0"/>
+              <a:t>외부 기업 견학 </a:t>
+            </a:r>
+            <a:r>
+              <a:rPr lang="en-US" altLang="ko-KR" dirty="0"/>
+              <a:t>1</a:t>
+            </a:r>
+            <a:r>
+              <a:rPr lang="ko-KR" altLang="en-US" dirty="0"/>
+              <a:t>일 포함</a:t>
+            </a:r>
+            <a:r>
+              <a:rPr lang="en-US" altLang="ko-KR" dirty="0"/>
+              <a:t>)</a:t>
+            </a:r>
+          </a:p>
+          <a:p>
+            <a:pPr marL="0" indent="0">
+              <a:buNone/>
+            </a:pPr>
+            <a:r>
+              <a:rPr lang="en-US" altLang="ko-KR" dirty="0"/>
+              <a:t>※ </a:t>
+            </a:r>
+            <a:r>
+              <a:rPr lang="ko-KR" altLang="en-US" dirty="0"/>
+              <a:t>교육부 고시 「대학생 현장실습학기제 운영 규정</a:t>
+            </a:r>
+            <a:r>
+              <a:rPr lang="en-US" altLang="ko-KR" dirty="0"/>
+              <a:t>(</a:t>
+            </a:r>
+            <a:r>
+              <a:rPr lang="ko-KR" altLang="en-US" dirty="0"/>
+              <a:t>표준현장실습학기제 비학점과정</a:t>
+            </a:r>
+            <a:r>
+              <a:rPr lang="en-US" altLang="ko-KR" dirty="0"/>
+              <a:t>)</a:t>
+            </a:r>
+            <a:r>
+              <a:rPr lang="ko-KR" altLang="en-US" dirty="0"/>
+              <a:t>」 준용</a:t>
+            </a:r>
+          </a:p>
+          <a:p>
+            <a:pPr marL="0" indent="0">
+              <a:buNone/>
+            </a:pPr>
+            <a:r>
+              <a:rPr lang="ko-KR" altLang="en-US" dirty="0"/>
+              <a:t>❍ 실습수당 </a:t>
+            </a:r>
+            <a:r>
+              <a:rPr lang="en-US" altLang="ko-KR" dirty="0"/>
+              <a:t>: </a:t>
+            </a:r>
+            <a:r>
+              <a:rPr lang="ko-KR" altLang="en-US" dirty="0"/>
+              <a:t>약 </a:t>
+            </a:r>
+            <a:r>
+              <a:rPr lang="en-US" altLang="ko-KR" dirty="0"/>
+              <a:t>69</a:t>
+            </a:r>
+            <a:r>
+              <a:rPr lang="ko-KR" altLang="en-US" dirty="0"/>
+              <a:t>만원 지급</a:t>
+            </a:r>
+            <a:r>
+              <a:rPr lang="en-US" altLang="ko-KR" dirty="0"/>
+              <a:t>(</a:t>
+            </a:r>
+            <a:r>
+              <a:rPr lang="ko-KR" altLang="en-US" dirty="0"/>
+              <a:t>세전 </a:t>
+            </a:r>
+            <a:r>
+              <a:rPr lang="en-US" altLang="ko-KR" dirty="0"/>
+              <a:t>/ </a:t>
+            </a:r>
+            <a:r>
+              <a:rPr lang="ko-KR" altLang="en-US" dirty="0"/>
+              <a:t>결석 없이 수료 시 금액</a:t>
+            </a:r>
+            <a:r>
+              <a:rPr lang="en-US" altLang="ko-KR" dirty="0"/>
+              <a:t>)</a:t>
+            </a:r>
+          </a:p>
+          <a:p>
+            <a:pPr marL="0" indent="0">
+              <a:buNone/>
+            </a:pPr>
+            <a:r>
+              <a:rPr lang="en-US" altLang="ko-KR" dirty="0"/>
+              <a:t>▢ </a:t>
+            </a:r>
+            <a:r>
+              <a:rPr lang="ko-KR" altLang="en-US" dirty="0"/>
+              <a:t>신청 및 선정자 발표</a:t>
+            </a:r>
+          </a:p>
+          <a:p>
+            <a:pPr marL="0" indent="0">
+              <a:buNone/>
+            </a:pPr>
+            <a:r>
+              <a:rPr lang="ko-KR" altLang="en-US" dirty="0"/>
+              <a:t> ❍ 모집대상 </a:t>
+            </a:r>
+            <a:r>
+              <a:rPr lang="en-US" altLang="ko-KR" dirty="0"/>
+              <a:t>: </a:t>
+            </a:r>
+            <a:r>
+              <a:rPr lang="ko-KR" altLang="en-US" dirty="0"/>
+              <a:t>공고일 기준 경기도에 주소를 두고 있는</a:t>
+            </a:r>
+          </a:p>
+          <a:p>
+            <a:pPr marL="0" indent="0">
+              <a:buNone/>
+            </a:pPr>
+            <a:r>
+              <a:rPr lang="ko-KR" altLang="en-US" dirty="0"/>
+              <a:t> 보건</a:t>
+            </a:r>
+            <a:r>
+              <a:rPr lang="en-US" altLang="ko-KR" dirty="0"/>
+              <a:t>·</a:t>
+            </a:r>
+            <a:r>
+              <a:rPr lang="ko-KR" altLang="en-US" dirty="0"/>
+              <a:t>환경 관련 전공 대학 </a:t>
+            </a:r>
+            <a:r>
+              <a:rPr lang="en-US" altLang="ko-KR" dirty="0"/>
+              <a:t>4</a:t>
+            </a:r>
+            <a:r>
+              <a:rPr lang="ko-KR" altLang="en-US" dirty="0"/>
+              <a:t>학기 이상 수료자</a:t>
+            </a:r>
+            <a:r>
+              <a:rPr lang="en-US" altLang="ko-KR" dirty="0"/>
+              <a:t>(</a:t>
+            </a:r>
+            <a:r>
+              <a:rPr lang="ko-KR" altLang="en-US" dirty="0"/>
+              <a:t>휴학생 포함</a:t>
+            </a:r>
+            <a:r>
+              <a:rPr lang="en-US" altLang="ko-KR" dirty="0"/>
+              <a:t>) 50</a:t>
+            </a:r>
+            <a:r>
+              <a:rPr lang="ko-KR" altLang="en-US" dirty="0"/>
+              <a:t>명</a:t>
+            </a:r>
+          </a:p>
+          <a:p>
+            <a:pPr marL="0" indent="0">
+              <a:buNone/>
+            </a:pPr>
+            <a:r>
+              <a:rPr lang="en-US" altLang="ko-KR" dirty="0"/>
+              <a:t>※ </a:t>
+            </a:r>
+            <a:r>
+              <a:rPr lang="ko-KR" altLang="en-US" dirty="0"/>
+              <a:t>보건</a:t>
+            </a:r>
+            <a:r>
+              <a:rPr lang="en-US" altLang="ko-KR" dirty="0"/>
+              <a:t>·</a:t>
+            </a:r>
+            <a:r>
+              <a:rPr lang="ko-KR" altLang="en-US" dirty="0"/>
+              <a:t>환경 관련 전공 </a:t>
+            </a:r>
+            <a:r>
+              <a:rPr lang="en-US" altLang="ko-KR" dirty="0"/>
+              <a:t>: </a:t>
+            </a:r>
+            <a:r>
+              <a:rPr lang="ko-KR" altLang="en-US" dirty="0"/>
+              <a:t>보건학</a:t>
+            </a:r>
+            <a:r>
+              <a:rPr lang="en-US" altLang="ko-KR" dirty="0"/>
+              <a:t>, </a:t>
+            </a:r>
+            <a:r>
+              <a:rPr lang="ko-KR" altLang="en-US" dirty="0"/>
+              <a:t>환경</a:t>
+            </a:r>
+            <a:r>
+              <a:rPr lang="en-US" altLang="ko-KR" dirty="0"/>
+              <a:t>(</a:t>
+            </a:r>
+            <a:r>
+              <a:rPr lang="ko-KR" altLang="en-US" dirty="0"/>
+              <a:t>공</a:t>
+            </a:r>
+            <a:r>
+              <a:rPr lang="en-US" altLang="ko-KR" dirty="0"/>
+              <a:t>)</a:t>
+            </a:r>
+            <a:r>
+              <a:rPr lang="ko-KR" altLang="en-US" dirty="0"/>
+              <a:t>학</a:t>
+            </a:r>
+            <a:r>
+              <a:rPr lang="en-US" altLang="ko-KR" dirty="0"/>
+              <a:t>, (</a:t>
+            </a:r>
+            <a:r>
+              <a:rPr lang="ko-KR" altLang="en-US" dirty="0"/>
+              <a:t>미</a:t>
+            </a:r>
+            <a:r>
+              <a:rPr lang="en-US" altLang="ko-KR" dirty="0"/>
+              <a:t>)</a:t>
+            </a:r>
+            <a:r>
+              <a:rPr lang="ko-KR" altLang="en-US" dirty="0"/>
+              <a:t>생물학</a:t>
+            </a:r>
+            <a:r>
+              <a:rPr lang="en-US" altLang="ko-KR" dirty="0"/>
+              <a:t>, </a:t>
+            </a:r>
+            <a:r>
+              <a:rPr lang="ko-KR" altLang="en-US" dirty="0"/>
+              <a:t>생태학</a:t>
+            </a:r>
+            <a:r>
+              <a:rPr lang="en-US" altLang="ko-KR" dirty="0"/>
+              <a:t>, </a:t>
+            </a:r>
+            <a:r>
+              <a:rPr lang="ko-KR" altLang="en-US" dirty="0"/>
+              <a:t>생명공학</a:t>
+            </a:r>
+            <a:r>
+              <a:rPr lang="en-US" altLang="ko-KR" dirty="0"/>
+              <a:t>, </a:t>
+            </a:r>
+            <a:r>
+              <a:rPr lang="ko-KR" altLang="en-US" dirty="0"/>
+              <a:t>분자생물학</a:t>
+            </a:r>
+            <a:r>
+              <a:rPr lang="en-US" altLang="ko-KR" dirty="0"/>
+              <a:t>,</a:t>
+            </a:r>
+          </a:p>
+          <a:p>
+            <a:pPr marL="0" indent="0">
+              <a:buNone/>
+            </a:pPr>
+            <a:r>
+              <a:rPr lang="ko-KR" altLang="en-US" dirty="0"/>
+              <a:t>식품공학</a:t>
+            </a:r>
+            <a:r>
+              <a:rPr lang="en-US" altLang="ko-KR" dirty="0"/>
+              <a:t>, </a:t>
+            </a:r>
+            <a:r>
+              <a:rPr lang="ko-KR" altLang="en-US" dirty="0"/>
+              <a:t>식품영양학</a:t>
+            </a:r>
+            <a:r>
+              <a:rPr lang="en-US" altLang="ko-KR" dirty="0"/>
+              <a:t>, </a:t>
+            </a:r>
+            <a:r>
+              <a:rPr lang="ko-KR" altLang="en-US" dirty="0"/>
+              <a:t>약학</a:t>
+            </a:r>
+            <a:r>
+              <a:rPr lang="en-US" altLang="ko-KR" dirty="0"/>
+              <a:t>, </a:t>
+            </a:r>
+            <a:r>
+              <a:rPr lang="ko-KR" altLang="en-US" dirty="0"/>
+              <a:t>수의학</a:t>
+            </a:r>
+            <a:r>
+              <a:rPr lang="en-US" altLang="ko-KR" dirty="0"/>
+              <a:t>, </a:t>
+            </a:r>
+            <a:r>
+              <a:rPr lang="ko-KR" altLang="en-US" dirty="0"/>
+              <a:t>기상학</a:t>
+            </a:r>
+            <a:r>
+              <a:rPr lang="en-US" altLang="ko-KR" dirty="0"/>
+              <a:t>, </a:t>
+            </a:r>
+            <a:r>
+              <a:rPr lang="ko-KR" altLang="en-US" dirty="0"/>
+              <a:t>지구과학</a:t>
+            </a:r>
+            <a:r>
+              <a:rPr lang="en-US" altLang="ko-KR" dirty="0"/>
+              <a:t>, </a:t>
+            </a:r>
+            <a:r>
+              <a:rPr lang="ko-KR" altLang="en-US" dirty="0"/>
+              <a:t>지질학</a:t>
+            </a:r>
+            <a:r>
+              <a:rPr lang="en-US" altLang="ko-KR" dirty="0"/>
+              <a:t>, </a:t>
+            </a:r>
+            <a:r>
+              <a:rPr lang="ko-KR" altLang="en-US" dirty="0"/>
+              <a:t>해양학 등 동일계통 전 분야</a:t>
+            </a:r>
+          </a:p>
+          <a:p>
+            <a:pPr marL="0" indent="0">
+              <a:buNone/>
+            </a:pPr>
+            <a:r>
+              <a:rPr lang="ko-KR" altLang="en-US" dirty="0"/>
+              <a:t> ❍ 신청기간 </a:t>
+            </a:r>
+            <a:r>
+              <a:rPr lang="en-US" altLang="ko-KR" dirty="0"/>
+              <a:t>: 2023. 6. 5.(</a:t>
+            </a:r>
+            <a:r>
+              <a:rPr lang="ko-KR" altLang="en-US" dirty="0"/>
+              <a:t>월</a:t>
+            </a:r>
+            <a:r>
+              <a:rPr lang="en-US" altLang="ko-KR" dirty="0"/>
+              <a:t>), 9:00 ~ 6. 16.(</a:t>
+            </a:r>
+            <a:r>
+              <a:rPr lang="ko-KR" altLang="en-US" dirty="0"/>
+              <a:t>금</a:t>
+            </a:r>
+            <a:r>
+              <a:rPr lang="en-US" altLang="ko-KR" dirty="0"/>
+              <a:t>), 17:00 </a:t>
+            </a:r>
+            <a:r>
+              <a:rPr lang="ko-KR" altLang="en-US" dirty="0"/>
+              <a:t>까지</a:t>
+            </a:r>
+          </a:p>
+          <a:p>
+            <a:pPr marL="0" indent="0">
+              <a:buNone/>
+            </a:pPr>
+            <a:r>
+              <a:rPr lang="ko-KR" altLang="en-US" dirty="0"/>
+              <a:t>❍ 신청방법 </a:t>
+            </a:r>
+            <a:r>
+              <a:rPr lang="en-US" altLang="ko-KR" dirty="0"/>
+              <a:t>: </a:t>
+            </a:r>
+            <a:r>
+              <a:rPr lang="ko-KR" altLang="en-US" dirty="0"/>
+              <a:t>신청 사이트 내 작성 항목 기술 및 관련 서류 제출</a:t>
+            </a:r>
+          </a:p>
+          <a:p>
+            <a:pPr marL="0" indent="0">
+              <a:buNone/>
+            </a:pPr>
+            <a:r>
+              <a:rPr lang="en-US" altLang="ko-KR" dirty="0"/>
+              <a:t>※ </a:t>
+            </a:r>
+            <a:r>
+              <a:rPr lang="ko-KR" altLang="en-US" dirty="0"/>
+              <a:t>신청 홈페이지 주소 </a:t>
+            </a:r>
+            <a:r>
+              <a:rPr lang="en-US" altLang="ko-KR" dirty="0"/>
+              <a:t>: https://apply.jobaba.net/ ‘</a:t>
+            </a:r>
+            <a:r>
+              <a:rPr lang="ko-KR" altLang="en-US" dirty="0"/>
+              <a:t>경기도일자리재단 통합접수시스템’ ❍ 선발분야 </a:t>
+            </a:r>
+            <a:r>
+              <a:rPr lang="en-US" altLang="ko-KR" dirty="0"/>
+              <a:t>: 3</a:t>
+            </a:r>
+            <a:r>
+              <a:rPr lang="ko-KR" altLang="en-US" dirty="0"/>
+              <a:t>개 분야 모집인원 내 선착순 선발</a:t>
+            </a:r>
+            <a:r>
+              <a:rPr lang="en-US" altLang="ko-KR" dirty="0"/>
+              <a:t>(</a:t>
+            </a:r>
+            <a:r>
+              <a:rPr lang="ko-KR" altLang="en-US" dirty="0"/>
+              <a:t>분야별 관련 전공 자율 지원</a:t>
+            </a:r>
+            <a:r>
+              <a:rPr lang="en-US" altLang="ko-KR" dirty="0"/>
+              <a:t>)</a:t>
+            </a:r>
+          </a:p>
+          <a:p>
+            <a:pPr marL="0" indent="0">
+              <a:buNone/>
+            </a:pPr>
+            <a:r>
+              <a:rPr lang="en-US" altLang="ko-KR" dirty="0"/>
+              <a:t> 1.</a:t>
+            </a:r>
+            <a:r>
+              <a:rPr lang="ko-KR" altLang="en-US" dirty="0"/>
+              <a:t>식품</a:t>
+            </a:r>
+            <a:r>
+              <a:rPr lang="en-US" altLang="ko-KR" dirty="0"/>
+              <a:t>·</a:t>
+            </a:r>
+            <a:r>
+              <a:rPr lang="ko-KR" altLang="en-US" dirty="0"/>
+              <a:t>의약품</a:t>
+            </a:r>
+            <a:r>
+              <a:rPr lang="en-US" altLang="ko-KR" dirty="0"/>
+              <a:t>(17</a:t>
+            </a:r>
+            <a:r>
+              <a:rPr lang="ko-KR" altLang="en-US" dirty="0"/>
+              <a:t>명</a:t>
+            </a:r>
+            <a:r>
+              <a:rPr lang="en-US" altLang="ko-KR" dirty="0"/>
+              <a:t>) / 2.</a:t>
+            </a:r>
+            <a:r>
+              <a:rPr lang="ko-KR" altLang="en-US" dirty="0"/>
+              <a:t>미생물</a:t>
+            </a:r>
+            <a:r>
+              <a:rPr lang="en-US" altLang="ko-KR" dirty="0"/>
+              <a:t>·</a:t>
+            </a:r>
+            <a:r>
+              <a:rPr lang="ko-KR" altLang="en-US" dirty="0"/>
+              <a:t>분자생물학</a:t>
+            </a:r>
+            <a:r>
+              <a:rPr lang="en-US" altLang="ko-KR" dirty="0"/>
+              <a:t>(8</a:t>
+            </a:r>
+            <a:r>
+              <a:rPr lang="ko-KR" altLang="en-US" dirty="0"/>
+              <a:t>명</a:t>
+            </a:r>
+            <a:r>
+              <a:rPr lang="en-US" altLang="ko-KR" dirty="0"/>
+              <a:t>) / 3.</a:t>
+            </a:r>
+            <a:r>
+              <a:rPr lang="ko-KR" altLang="en-US" dirty="0"/>
+              <a:t>환경</a:t>
+            </a:r>
+            <a:r>
+              <a:rPr lang="en-US" altLang="ko-KR" dirty="0"/>
+              <a:t>(25</a:t>
+            </a:r>
+            <a:r>
+              <a:rPr lang="ko-KR" altLang="en-US" dirty="0"/>
+              <a:t>명</a:t>
+            </a:r>
+            <a:r>
+              <a:rPr lang="en-US" altLang="ko-KR" dirty="0"/>
+              <a:t>)</a:t>
+            </a:r>
+          </a:p>
+          <a:p>
+            <a:pPr marL="0" indent="0">
+              <a:buNone/>
+            </a:pPr>
+            <a:r>
+              <a:rPr lang="en-US" altLang="ko-KR" dirty="0"/>
+              <a:t>※ </a:t>
+            </a:r>
+            <a:r>
+              <a:rPr lang="ko-KR" altLang="en-US" dirty="0"/>
+              <a:t>모집인원의 </a:t>
+            </a:r>
+            <a:r>
+              <a:rPr lang="en-US" altLang="ko-KR" dirty="0"/>
+              <a:t>10% </a:t>
+            </a:r>
+            <a:r>
+              <a:rPr lang="ko-KR" altLang="en-US" dirty="0"/>
+              <a:t>추가 예비 선발</a:t>
+            </a:r>
+            <a:r>
+              <a:rPr lang="en-US" altLang="ko-KR" dirty="0"/>
+              <a:t>(</a:t>
+            </a:r>
+            <a:r>
+              <a:rPr lang="ko-KR" altLang="en-US" dirty="0"/>
+              <a:t>식품</a:t>
+            </a:r>
+            <a:r>
+              <a:rPr lang="en-US" altLang="ko-KR" dirty="0"/>
+              <a:t>·</a:t>
+            </a:r>
+            <a:r>
+              <a:rPr lang="ko-KR" altLang="en-US" dirty="0"/>
+              <a:t>의약품 </a:t>
+            </a:r>
+            <a:r>
+              <a:rPr lang="en-US" altLang="ko-KR" dirty="0"/>
+              <a:t>2</a:t>
+            </a:r>
+            <a:r>
+              <a:rPr lang="ko-KR" altLang="en-US" dirty="0"/>
+              <a:t>명 </a:t>
+            </a:r>
+            <a:r>
+              <a:rPr lang="en-US" altLang="ko-KR" dirty="0"/>
+              <a:t>/ </a:t>
+            </a:r>
+            <a:r>
+              <a:rPr lang="ko-KR" altLang="en-US" dirty="0"/>
+              <a:t>미생물</a:t>
+            </a:r>
+            <a:r>
+              <a:rPr lang="en-US" altLang="ko-KR" dirty="0"/>
+              <a:t>·</a:t>
+            </a:r>
+            <a:r>
+              <a:rPr lang="ko-KR" altLang="en-US" dirty="0"/>
+              <a:t>분자생물학 </a:t>
+            </a:r>
+            <a:r>
+              <a:rPr lang="en-US" altLang="ko-KR" dirty="0"/>
+              <a:t>1</a:t>
+            </a:r>
+            <a:r>
+              <a:rPr lang="ko-KR" altLang="en-US" dirty="0"/>
+              <a:t>명 </a:t>
+            </a:r>
+            <a:r>
+              <a:rPr lang="en-US" altLang="ko-KR" dirty="0"/>
+              <a:t>/ </a:t>
+            </a:r>
+            <a:r>
+              <a:rPr lang="ko-KR" altLang="en-US" dirty="0"/>
+              <a:t>환경 </a:t>
+            </a:r>
+            <a:r>
+              <a:rPr lang="en-US" altLang="ko-KR" dirty="0"/>
+              <a:t>3</a:t>
+            </a:r>
+            <a:r>
+              <a:rPr lang="ko-KR" altLang="en-US" dirty="0"/>
+              <a:t>명</a:t>
+            </a:r>
+            <a:r>
+              <a:rPr lang="en-US" altLang="ko-KR" dirty="0"/>
+              <a:t>)</a:t>
+            </a:r>
+          </a:p>
+          <a:p>
+            <a:pPr marL="0" indent="0">
+              <a:buNone/>
+            </a:pPr>
+            <a:r>
+              <a:rPr lang="en-US" altLang="ko-KR" dirty="0"/>
+              <a:t>❍ </a:t>
+            </a:r>
+            <a:r>
+              <a:rPr lang="ko-KR" altLang="en-US" dirty="0"/>
+              <a:t>제출서류 </a:t>
+            </a:r>
+            <a:r>
+              <a:rPr lang="en-US" altLang="ko-KR" dirty="0"/>
+              <a:t>: 1. </a:t>
+            </a:r>
+            <a:r>
+              <a:rPr lang="ko-KR" altLang="en-US" dirty="0"/>
+              <a:t>재학</a:t>
+            </a:r>
+            <a:r>
+              <a:rPr lang="en-US" altLang="ko-KR" dirty="0"/>
+              <a:t>(</a:t>
+            </a:r>
+            <a:r>
+              <a:rPr lang="ko-KR" altLang="en-US" dirty="0"/>
+              <a:t>휴학</a:t>
+            </a:r>
+            <a:r>
+              <a:rPr lang="en-US" altLang="ko-KR" dirty="0"/>
+              <a:t>)</a:t>
+            </a:r>
+            <a:r>
+              <a:rPr lang="ko-KR" altLang="en-US" dirty="0"/>
+              <a:t>증명서</a:t>
+            </a:r>
+            <a:r>
+              <a:rPr lang="en-US" altLang="ko-KR" dirty="0"/>
+              <a:t>(</a:t>
+            </a:r>
+            <a:r>
+              <a:rPr lang="ko-KR" altLang="en-US" dirty="0"/>
+              <a:t>전공 및 </a:t>
+            </a:r>
+            <a:r>
+              <a:rPr lang="en-US" altLang="ko-KR" dirty="0"/>
+              <a:t>4</a:t>
+            </a:r>
+            <a:r>
+              <a:rPr lang="ko-KR" altLang="en-US" dirty="0"/>
+              <a:t>학기 이상 수료 확인용</a:t>
+            </a:r>
+            <a:r>
+              <a:rPr lang="en-US" altLang="ko-KR" dirty="0"/>
+              <a:t>)</a:t>
+            </a:r>
+          </a:p>
+          <a:p>
+            <a:pPr marL="0" indent="0">
+              <a:buNone/>
+            </a:pPr>
+            <a:r>
+              <a:rPr lang="en-US" altLang="ko-KR" dirty="0"/>
+              <a:t> 2. </a:t>
+            </a:r>
+            <a:r>
+              <a:rPr lang="ko-KR" altLang="en-US" dirty="0"/>
+              <a:t>개인정보이용동의서</a:t>
+            </a:r>
+            <a:r>
+              <a:rPr lang="en-US" altLang="ko-KR" dirty="0"/>
+              <a:t>(</a:t>
+            </a:r>
+            <a:r>
+              <a:rPr lang="ko-KR" altLang="en-US" dirty="0"/>
+              <a:t>자필서명 포함</a:t>
+            </a:r>
+            <a:r>
+              <a:rPr lang="en-US" altLang="ko-KR" dirty="0"/>
+              <a:t>)</a:t>
+            </a:r>
+          </a:p>
+          <a:p>
+            <a:pPr marL="0" indent="0">
+              <a:buNone/>
+            </a:pPr>
+            <a:r>
+              <a:rPr lang="en-US" altLang="ko-KR" dirty="0"/>
+              <a:t> 3. </a:t>
+            </a:r>
+            <a:r>
+              <a:rPr lang="ko-KR" altLang="en-US" dirty="0"/>
+              <a:t>실습 개시일 주민등록초본 지참 </a:t>
+            </a:r>
+            <a:r>
+              <a:rPr lang="en-US" altLang="ko-KR" dirty="0"/>
+              <a:t>– </a:t>
+            </a:r>
+            <a:r>
+              <a:rPr lang="ko-KR" altLang="en-US" dirty="0"/>
+              <a:t>확인 후 즉시 반환</a:t>
+            </a:r>
+          </a:p>
+          <a:p>
+            <a:pPr marL="0" indent="0">
+              <a:buNone/>
+            </a:pPr>
             <a:r>
               <a:rPr lang="ko-KR" altLang="en-US" dirty="0"/>
               <a:t> </a:t>
             </a:r>
             <a:r>
               <a:rPr lang="en-US" altLang="ko-KR" dirty="0"/>
-              <a:t>: </a:t>
-            </a:r>
-            <a:r>
-              <a:rPr lang="ko-KR" altLang="en-US" dirty="0"/>
-              <a:t>경기도보건환경연구원</a:t>
-            </a:r>
-            <a:r>
-              <a:rPr lang="en-US" altLang="ko-KR" dirty="0"/>
               <a:t>(</a:t>
             </a:r>
             <a:r>
               <a:rPr lang="ko-KR" altLang="en-US" dirty="0"/>
-              <a:t>본원</a:t>
-            </a:r>
-            <a:r>
-              <a:rPr lang="en-US" altLang="ko-KR" dirty="0"/>
-              <a:t>) </a:t>
-            </a:r>
-            <a:r>
-              <a:rPr lang="ko-KR" altLang="en-US" dirty="0"/>
-              <a:t>경기도 수원시 칠보로</a:t>
-            </a:r>
-            <a:r>
-              <a:rPr lang="en-US" altLang="ko-KR" dirty="0"/>
-              <a:t>1</a:t>
-            </a:r>
-            <a:r>
-              <a:rPr lang="ko-KR" altLang="en-US" dirty="0" err="1"/>
-              <a:t>번길</a:t>
-            </a:r>
+              <a:t>경기도 거주 확인용</a:t>
+            </a:r>
+            <a:r>
+              <a:rPr lang="en-US" altLang="ko-KR" dirty="0"/>
+              <a:t>, </a:t>
+            </a:r>
+            <a:r>
+              <a:rPr lang="ko-KR" altLang="en-US" dirty="0"/>
+              <a:t>신청일 기준</a:t>
+            </a:r>
+            <a:r>
+              <a:rPr lang="en-US" altLang="ko-KR" dirty="0"/>
+              <a:t>)_</a:t>
+            </a:r>
+            <a:r>
+              <a:rPr lang="ko-KR" altLang="en-US" dirty="0"/>
+              <a:t>접수사이트 연계 검증 시 미확인</a:t>
+            </a:r>
+          </a:p>
+          <a:p>
+            <a:pPr marL="0" indent="0">
+              <a:buNone/>
+            </a:pPr>
+            <a:r>
+              <a:rPr lang="en-US" altLang="ko-KR" dirty="0"/>
+              <a:t>※ </a:t>
+            </a:r>
+            <a:r>
+              <a:rPr lang="ko-KR" altLang="en-US" dirty="0"/>
+              <a:t>제출서류 일체는 스캔하여 제출하며</a:t>
+            </a:r>
+            <a:r>
+              <a:rPr lang="en-US" altLang="ko-KR" dirty="0"/>
+              <a:t>, </a:t>
+            </a:r>
+            <a:r>
+              <a:rPr lang="ko-KR" altLang="en-US" dirty="0"/>
+              <a:t>서류 및 작성항목 미비 시 서류전형 탈락</a:t>
+            </a:r>
+          </a:p>
+          <a:p>
+            <a:pPr marL="0" indent="0">
+              <a:buNone/>
+            </a:pPr>
+            <a:r>
+              <a:rPr lang="ko-KR" altLang="en-US" dirty="0"/>
+              <a:t>❍ 선정발표 </a:t>
+            </a:r>
+            <a:r>
+              <a:rPr lang="en-US" altLang="ko-KR" dirty="0"/>
+              <a:t>: 2023. 6. 20.(</a:t>
+            </a:r>
+            <a:r>
+              <a:rPr lang="ko-KR" altLang="en-US" dirty="0"/>
+              <a:t>화</a:t>
+            </a:r>
+            <a:r>
+              <a:rPr lang="en-US" altLang="ko-KR" dirty="0"/>
+              <a:t>) 14:00 </a:t>
+            </a:r>
+            <a:r>
+              <a:rPr lang="ko-KR" altLang="en-US" dirty="0"/>
+              <a:t>경연구원 홈페이지 게시 및 개별공지</a:t>
+            </a:r>
+          </a:p>
+          <a:p>
+            <a:pPr marL="0" indent="0">
+              <a:buNone/>
+            </a:pPr>
             <a:r>
               <a:rPr lang="ko-KR" altLang="en-US" dirty="0"/>
               <a:t> </a:t>
             </a:r>
             <a:r>
               <a:rPr lang="en-US" altLang="ko-KR" dirty="0"/>
-              <a:t>62</a:t>
-            </a:r>
-          </a:p>
-          <a:p>
-            <a:pPr marL="0" indent="0">
-              <a:buNone/>
-            </a:pPr>
-            <a:r>
-              <a:rPr lang="en-US" altLang="ko-KR" dirty="0"/>
-              <a:t>❍ </a:t>
-            </a:r>
-            <a:r>
-              <a:rPr lang="ko-KR" altLang="en-US" dirty="0"/>
-              <a:t>교육과정 </a:t>
-            </a:r>
-            <a:r>
-              <a:rPr lang="en-US" altLang="ko-KR" dirty="0"/>
-              <a:t>: </a:t>
-            </a:r>
-            <a:r>
-              <a:rPr lang="ko-KR" altLang="en-US" dirty="0" err="1"/>
-              <a:t>공통교육</a:t>
-            </a:r>
-            <a:r>
-              <a:rPr lang="en-US" altLang="ko-KR" dirty="0"/>
-              <a:t>(3</a:t>
-            </a:r>
-            <a:r>
-              <a:rPr lang="ko-KR" altLang="en-US" dirty="0"/>
-              <a:t>일</a:t>
-            </a:r>
-            <a:r>
-              <a:rPr lang="en-US" altLang="ko-KR" dirty="0"/>
-              <a:t>) </a:t>
-            </a:r>
-            <a:r>
-              <a:rPr lang="ko-KR" altLang="en-US" dirty="0"/>
-              <a:t>및 현장실습</a:t>
-            </a:r>
-            <a:r>
-              <a:rPr lang="en-US" altLang="ko-KR" dirty="0"/>
-              <a:t>(7</a:t>
-            </a:r>
-            <a:r>
-              <a:rPr lang="ko-KR" altLang="en-US" dirty="0"/>
-              <a:t>일</a:t>
-            </a:r>
-            <a:r>
-              <a:rPr lang="en-US" altLang="ko-KR" dirty="0"/>
-              <a:t>/</a:t>
-            </a:r>
-            <a:r>
-              <a:rPr lang="ko-KR" altLang="en-US" dirty="0"/>
-              <a:t>외부 기업 견학 </a:t>
-            </a:r>
-            <a:r>
-              <a:rPr lang="en-US" altLang="ko-KR" dirty="0"/>
-              <a:t>1</a:t>
-            </a:r>
-            <a:r>
-              <a:rPr lang="ko-KR" altLang="en-US" dirty="0"/>
-              <a:t>일 포함</a:t>
-            </a:r>
-            <a:r>
-              <a:rPr lang="en-US" altLang="ko-KR" dirty="0"/>
-              <a:t>)</a:t>
-            </a:r>
-          </a:p>
-          <a:p>
-            <a:pPr marL="0" indent="0">
-              <a:buNone/>
-            </a:pPr>
-            <a:r>
-              <a:rPr lang="en-US" altLang="ko-KR" dirty="0"/>
-              <a:t>※ </a:t>
-            </a:r>
-            <a:r>
-              <a:rPr lang="ko-KR" altLang="en-US" dirty="0"/>
-              <a:t>교육부 고시 「대학생 현장실습학기제 운영 규정</a:t>
-            </a:r>
-            <a:r>
-              <a:rPr lang="en-US" altLang="ko-KR" dirty="0"/>
-              <a:t>(</a:t>
-            </a:r>
-            <a:r>
-              <a:rPr lang="ko-KR" altLang="en-US" dirty="0"/>
-              <a:t>표준현장실습학기제 </a:t>
-            </a:r>
-            <a:r>
-              <a:rPr lang="ko-KR" altLang="en-US" dirty="0" err="1"/>
-              <a:t>비학점과정</a:t>
-            </a:r>
-            <a:r>
-              <a:rPr lang="en-US" altLang="ko-KR" dirty="0"/>
-              <a:t>)</a:t>
-            </a:r>
-            <a:r>
-              <a:rPr lang="ko-KR" altLang="en-US" dirty="0"/>
-              <a:t>」 준용</a:t>
-            </a:r>
-          </a:p>
-          <a:p>
-            <a:pPr marL="0" indent="0">
-              <a:buNone/>
-            </a:pPr>
-            <a:r>
-              <a:rPr lang="ko-KR" altLang="en-US" dirty="0"/>
-              <a:t>❍ </a:t>
-            </a:r>
-            <a:r>
-              <a:rPr lang="ko-KR" altLang="en-US" dirty="0" err="1"/>
-              <a:t>실습수당</a:t>
-            </a:r>
+              <a:t>- </a:t>
+            </a:r>
+            <a:r>
+              <a:rPr lang="ko-KR" altLang="en-US" dirty="0"/>
+              <a:t>선정자 중 실습을 포기하거나 서류미비 시 예비자 추가 개별 통보</a:t>
+            </a:r>
+          </a:p>
+          <a:p>
+            <a:pPr marL="0" indent="0">
+              <a:buNone/>
+            </a:pPr>
+            <a:r>
+              <a:rPr lang="ko-KR" altLang="en-US" dirty="0"/>
+              <a:t>▢ 기타</a:t>
+            </a:r>
+          </a:p>
+          <a:p>
+            <a:pPr marL="0" indent="0">
+              <a:buNone/>
+            </a:pPr>
+            <a:r>
+              <a:rPr lang="ko-KR" altLang="en-US" dirty="0"/>
+              <a:t>❍ 식비</a:t>
+            </a:r>
+            <a:r>
+              <a:rPr lang="en-US" altLang="ko-KR" dirty="0"/>
+              <a:t>, </a:t>
+            </a:r>
+            <a:r>
+              <a:rPr lang="ko-KR" altLang="en-US" dirty="0"/>
+              <a:t>교통비는 추가 제공하지 않으며</a:t>
+            </a:r>
+            <a:r>
+              <a:rPr lang="en-US" altLang="ko-KR" dirty="0"/>
+              <a:t>, </a:t>
+            </a:r>
+            <a:r>
+              <a:rPr lang="ko-KR" altLang="en-US" dirty="0"/>
+              <a:t>교육 이수 후 ‘경기도보건환경</a:t>
+            </a:r>
+          </a:p>
+          <a:p>
+            <a:pPr marL="0" indent="0">
+              <a:buNone/>
+            </a:pPr>
+            <a:r>
+              <a:rPr lang="ko-KR" altLang="en-US" dirty="0"/>
+              <a:t>연구원장’ 명의의 수료증 발급 </a:t>
+            </a:r>
+            <a:r>
+              <a:rPr lang="en-US" altLang="ko-KR" dirty="0"/>
+              <a:t>※ 2</a:t>
+            </a:r>
+            <a:r>
+              <a:rPr lang="ko-KR" altLang="en-US" dirty="0"/>
+              <a:t>일 이상 결석 시 수료 불가</a:t>
+            </a:r>
+          </a:p>
+          <a:p>
+            <a:pPr marL="0" indent="0">
+              <a:buNone/>
+            </a:pPr>
+            <a:r>
+              <a:rPr lang="ko-KR" altLang="en-US" dirty="0"/>
+              <a:t>참고자료 </a:t>
+            </a:r>
+            <a:r>
+              <a:rPr lang="en-US" altLang="ko-KR" dirty="0"/>
+              <a:t>1. </a:t>
+            </a:r>
+            <a:r>
+              <a:rPr lang="ko-KR" altLang="en-US" dirty="0"/>
+              <a:t>현장실습 전체 운영 일정 요약</a:t>
+            </a:r>
+          </a:p>
+          <a:p>
+            <a:pPr marL="0" indent="0">
+              <a:buNone/>
+            </a:pPr>
             <a:r>
               <a:rPr lang="ko-KR" altLang="en-US" dirty="0"/>
               <a:t> </a:t>
             </a:r>
             <a:r>
               <a:rPr lang="en-US" altLang="ko-KR" dirty="0"/>
-              <a:t>: </a:t>
-            </a:r>
-            <a:r>
-              <a:rPr lang="ko-KR" altLang="en-US" dirty="0"/>
-              <a:t>약 </a:t>
-            </a:r>
-            <a:r>
-              <a:rPr lang="en-US" altLang="ko-KR" dirty="0"/>
-              <a:t>69</a:t>
-            </a:r>
-            <a:r>
-              <a:rPr lang="ko-KR" altLang="en-US" dirty="0"/>
-              <a:t>만원 지급</a:t>
-            </a:r>
-            <a:r>
-              <a:rPr lang="en-US" altLang="ko-KR" dirty="0"/>
-              <a:t>(</a:t>
-            </a:r>
-            <a:r>
-              <a:rPr lang="ko-KR" altLang="en-US" dirty="0" err="1"/>
-              <a:t>세전</a:t>
-            </a:r>
-            <a:r>
-              <a:rPr lang="ko-KR" altLang="en-US" dirty="0"/>
-              <a:t> </a:t>
-            </a:r>
-            <a:r>
-              <a:rPr lang="en-US" altLang="ko-KR" dirty="0"/>
-              <a:t>/ </a:t>
-            </a:r>
-            <a:r>
-              <a:rPr lang="ko-KR" altLang="en-US" dirty="0"/>
-              <a:t>결석 없이 수료 시 금액</a:t>
-            </a:r>
-            <a:r>
-              <a:rPr lang="en-US" altLang="ko-KR" dirty="0"/>
-              <a:t>)</a:t>
-            </a:r>
-          </a:p>
-          <a:p>
-            <a:pPr marL="0" indent="0">
-              <a:buNone/>
-            </a:pPr>
-            <a:r>
-              <a:rPr lang="en-US" altLang="ko-KR" dirty="0"/>
-              <a:t>▢ </a:t>
-            </a:r>
-            <a:r>
-              <a:rPr lang="ko-KR" altLang="en-US" dirty="0"/>
-              <a:t>신청 및 선정자 발표</a:t>
-            </a:r>
-          </a:p>
-          <a:p>
-            <a:pPr marL="0" indent="0">
-              <a:buNone/>
-            </a:pPr>
-            <a:r>
-              <a:rPr lang="ko-KR" altLang="en-US" dirty="0"/>
-              <a:t> ❍ 모집대상 </a:t>
-            </a:r>
-            <a:r>
-              <a:rPr lang="en-US" altLang="ko-KR" dirty="0"/>
-              <a:t>: </a:t>
-            </a:r>
-            <a:r>
-              <a:rPr lang="ko-KR" altLang="en-US" dirty="0"/>
-              <a:t>공고일 기준 경기도에 주소를 두고 있는</a:t>
-            </a:r>
-          </a:p>
-          <a:p>
-            <a:pPr marL="0" indent="0">
-              <a:buNone/>
-            </a:pPr>
-            <a:r>
-              <a:rPr lang="ko-KR" altLang="en-US" dirty="0"/>
-              <a:t> 보건</a:t>
-            </a:r>
-            <a:r>
-              <a:rPr lang="en-US" altLang="ko-KR" dirty="0"/>
-              <a:t>·</a:t>
-            </a:r>
-            <a:r>
-              <a:rPr lang="ko-KR" altLang="en-US" dirty="0"/>
-              <a:t>환경 관련 전공 대학 </a:t>
-            </a:r>
-            <a:r>
-              <a:rPr lang="en-US" altLang="ko-KR" dirty="0"/>
-              <a:t>4</a:t>
-            </a:r>
-            <a:r>
-              <a:rPr lang="ko-KR" altLang="en-US" dirty="0"/>
-              <a:t>학기 이상 수료자</a:t>
-            </a:r>
-            <a:r>
-              <a:rPr lang="en-US" altLang="ko-KR" dirty="0"/>
-              <a:t>(</a:t>
-            </a:r>
-            <a:r>
-              <a:rPr lang="ko-KR" altLang="en-US" dirty="0"/>
-              <a:t>휴학생 포함</a:t>
-            </a:r>
-            <a:r>
-              <a:rPr lang="en-US" altLang="ko-KR" dirty="0"/>
-              <a:t>) 50</a:t>
-            </a:r>
-            <a:r>
-              <a:rPr lang="ko-KR" altLang="en-US" dirty="0"/>
-              <a:t>명</a:t>
-            </a:r>
-          </a:p>
-          <a:p>
-            <a:pPr marL="0" indent="0">
-              <a:buNone/>
-            </a:pPr>
-            <a:r>
-              <a:rPr lang="en-US" altLang="ko-KR" dirty="0"/>
-              <a:t>※ </a:t>
-            </a:r>
-            <a:r>
-              <a:rPr lang="ko-KR" altLang="en-US" dirty="0"/>
-              <a:t>보건</a:t>
-            </a:r>
-            <a:r>
-              <a:rPr lang="en-US" altLang="ko-KR" dirty="0"/>
-              <a:t>·</a:t>
-            </a:r>
-            <a:r>
-              <a:rPr lang="ko-KR" altLang="en-US" dirty="0"/>
-              <a:t>환경 관련 전공 </a:t>
-            </a:r>
-            <a:r>
-              <a:rPr lang="en-US" altLang="ko-KR" dirty="0"/>
-              <a:t>: </a:t>
-            </a:r>
-            <a:r>
-              <a:rPr lang="ko-KR" altLang="en-US" dirty="0"/>
-              <a:t>보건학</a:t>
-            </a:r>
-            <a:r>
-              <a:rPr lang="en-US" altLang="ko-KR" dirty="0"/>
-              <a:t>, </a:t>
-            </a:r>
-            <a:r>
-              <a:rPr lang="ko-KR" altLang="en-US" dirty="0"/>
-              <a:t>환경</a:t>
-            </a:r>
-            <a:r>
-              <a:rPr lang="en-US" altLang="ko-KR" dirty="0"/>
-              <a:t>(</a:t>
-            </a:r>
-            <a:r>
-              <a:rPr lang="ko-KR" altLang="en-US" dirty="0"/>
-              <a:t>공</a:t>
-            </a:r>
-            <a:r>
-              <a:rPr lang="en-US" altLang="ko-KR" dirty="0"/>
-              <a:t>)</a:t>
-            </a:r>
-            <a:r>
-              <a:rPr lang="ko-KR" altLang="en-US" dirty="0"/>
-              <a:t>학</a:t>
-            </a:r>
-            <a:r>
-              <a:rPr lang="en-US" altLang="ko-KR" dirty="0"/>
-              <a:t>, (</a:t>
-            </a:r>
-            <a:r>
-              <a:rPr lang="ko-KR" altLang="en-US" dirty="0"/>
-              <a:t>미</a:t>
-            </a:r>
-            <a:r>
-              <a:rPr lang="en-US" altLang="ko-KR" dirty="0"/>
-              <a:t>)</a:t>
-            </a:r>
-            <a:r>
-              <a:rPr lang="ko-KR" altLang="en-US" dirty="0"/>
-              <a:t>생물학</a:t>
-            </a:r>
-            <a:r>
-              <a:rPr lang="en-US" altLang="ko-KR" dirty="0"/>
-              <a:t>, </a:t>
-            </a:r>
-            <a:r>
-              <a:rPr lang="ko-KR" altLang="en-US" dirty="0"/>
-              <a:t>생태학</a:t>
-            </a:r>
-            <a:r>
-              <a:rPr lang="en-US" altLang="ko-KR" dirty="0"/>
-              <a:t>, </a:t>
-            </a:r>
-            <a:r>
-              <a:rPr lang="ko-KR" altLang="en-US" dirty="0"/>
-              <a:t>생명공학</a:t>
-            </a:r>
-            <a:r>
-              <a:rPr lang="en-US" altLang="ko-KR" dirty="0"/>
-              <a:t>, </a:t>
-            </a:r>
-            <a:r>
-              <a:rPr lang="ko-KR" altLang="en-US" dirty="0"/>
-              <a:t>분자생물학</a:t>
-            </a:r>
-            <a:r>
-              <a:rPr lang="en-US" altLang="ko-KR" dirty="0"/>
-              <a:t>,</a:t>
-            </a:r>
-          </a:p>
-          <a:p>
-            <a:pPr marL="0" indent="0">
-              <a:buNone/>
-            </a:pPr>
-            <a:r>
-              <a:rPr lang="ko-KR" altLang="en-US" dirty="0"/>
-              <a:t>식품공학</a:t>
-            </a:r>
-            <a:r>
-              <a:rPr lang="en-US" altLang="ko-KR" dirty="0"/>
-              <a:t>, </a:t>
-            </a:r>
-            <a:r>
-              <a:rPr lang="ko-KR" altLang="en-US" dirty="0"/>
-              <a:t>식품영양학</a:t>
-            </a:r>
-            <a:r>
-              <a:rPr lang="en-US" altLang="ko-KR" dirty="0"/>
-              <a:t>, </a:t>
-            </a:r>
-            <a:r>
-              <a:rPr lang="ko-KR" altLang="en-US" dirty="0"/>
-              <a:t>약학</a:t>
-            </a:r>
-            <a:r>
-              <a:rPr lang="en-US" altLang="ko-KR" dirty="0"/>
-              <a:t>, </a:t>
-            </a:r>
-            <a:r>
-              <a:rPr lang="ko-KR" altLang="en-US" dirty="0"/>
-              <a:t>수의학</a:t>
-            </a:r>
-            <a:r>
-              <a:rPr lang="en-US" altLang="ko-KR" dirty="0"/>
-              <a:t>, </a:t>
-            </a:r>
-            <a:r>
-              <a:rPr lang="ko-KR" altLang="en-US" dirty="0"/>
-              <a:t>기상학</a:t>
-            </a:r>
-            <a:r>
-              <a:rPr lang="en-US" altLang="ko-KR" dirty="0"/>
-              <a:t>, </a:t>
-            </a:r>
-            <a:r>
-              <a:rPr lang="ko-KR" altLang="en-US" dirty="0"/>
-              <a:t>지구과학</a:t>
-            </a:r>
-            <a:r>
-              <a:rPr lang="en-US" altLang="ko-KR" dirty="0"/>
-              <a:t>, </a:t>
-            </a:r>
-            <a:r>
-              <a:rPr lang="ko-KR" altLang="en-US" dirty="0"/>
-              <a:t>지질학</a:t>
-            </a:r>
-            <a:r>
-              <a:rPr lang="en-US" altLang="ko-KR" dirty="0"/>
-              <a:t>, </a:t>
-            </a:r>
-            <a:r>
-              <a:rPr lang="ko-KR" altLang="en-US" dirty="0"/>
-              <a:t>해양학 등 </a:t>
-            </a:r>
-            <a:r>
-              <a:rPr lang="ko-KR" altLang="en-US" dirty="0" err="1"/>
-              <a:t>동일계통</a:t>
-            </a:r>
-            <a:r>
-              <a:rPr lang="ko-KR" altLang="en-US" dirty="0"/>
-              <a:t> 전 분야</a:t>
-            </a:r>
-          </a:p>
-          <a:p>
-            <a:pPr marL="0" indent="0">
-              <a:buNone/>
-            </a:pPr>
-            <a:r>
-              <a:rPr lang="ko-KR" altLang="en-US" dirty="0"/>
-              <a:t> ❍ 신청기간 </a:t>
-            </a:r>
-            <a:r>
-              <a:rPr lang="en-US" altLang="ko-KR" dirty="0"/>
-              <a:t>: 2023. 6. 5.(</a:t>
-            </a:r>
-            <a:r>
-              <a:rPr lang="ko-KR" altLang="en-US" dirty="0"/>
-              <a:t>월</a:t>
-            </a:r>
-            <a:r>
-              <a:rPr lang="en-US" altLang="ko-KR" dirty="0"/>
-              <a:t>), 9:00 ~ 6. 16.(</a:t>
-            </a:r>
-            <a:r>
-              <a:rPr lang="ko-KR" altLang="en-US" dirty="0"/>
-              <a:t>금</a:t>
-            </a:r>
-            <a:r>
-              <a:rPr lang="en-US" altLang="ko-KR" dirty="0"/>
-              <a:t>), 17:00 </a:t>
-            </a:r>
-            <a:r>
-              <a:rPr lang="ko-KR" altLang="en-US" dirty="0"/>
-              <a:t>까지</a:t>
-            </a:r>
-          </a:p>
-          <a:p>
-            <a:pPr marL="0" indent="0">
-              <a:buNone/>
-            </a:pPr>
-            <a:r>
-              <a:rPr lang="ko-KR" altLang="en-US" dirty="0"/>
-              <a:t>❍ 신청방법 </a:t>
-            </a:r>
-            <a:r>
-              <a:rPr lang="en-US" altLang="ko-KR" dirty="0"/>
-              <a:t>: </a:t>
-            </a:r>
-            <a:r>
-              <a:rPr lang="ko-KR" altLang="en-US" dirty="0"/>
-              <a:t>신청 사이트 내 작성 항목 기술 및 관련 서류 제출</a:t>
-            </a:r>
-          </a:p>
-          <a:p>
-            <a:pPr marL="0" indent="0">
-              <a:buNone/>
-            </a:pPr>
-            <a:r>
-              <a:rPr lang="en-US" altLang="ko-KR" dirty="0"/>
-              <a:t>※ </a:t>
-            </a:r>
-            <a:r>
-              <a:rPr lang="ko-KR" altLang="en-US" dirty="0"/>
-              <a:t>신청 홈페이지 주소 </a:t>
-            </a:r>
-            <a:r>
-              <a:rPr lang="en-US" altLang="ko-KR" dirty="0"/>
-              <a:t>: https://apply.jobaba.net/ ‘</a:t>
-            </a:r>
-            <a:r>
-              <a:rPr lang="ko-KR" altLang="en-US" dirty="0"/>
-              <a:t>경기도일자리재단 통합접수시스템’ ❍ </a:t>
-            </a:r>
-            <a:r>
-              <a:rPr lang="ko-KR" altLang="en-US" dirty="0" err="1"/>
-              <a:t>선발분야</a:t>
-            </a:r>
-            <a:r>
-              <a:rPr lang="ko-KR" altLang="en-US" dirty="0"/>
-              <a:t> </a:t>
-            </a:r>
-            <a:r>
-              <a:rPr lang="en-US" altLang="ko-KR" dirty="0"/>
-              <a:t>: 3</a:t>
-            </a:r>
-            <a:r>
-              <a:rPr lang="ko-KR" altLang="en-US" dirty="0"/>
-              <a:t>개 분야 모집인원 내 선착순 선발</a:t>
-            </a:r>
-            <a:r>
-              <a:rPr lang="en-US" altLang="ko-KR" dirty="0"/>
-              <a:t>(</a:t>
-            </a:r>
-            <a:r>
-              <a:rPr lang="ko-KR" altLang="en-US" dirty="0"/>
-              <a:t>분야별 관련 전공 자율 지원</a:t>
-            </a:r>
-            <a:r>
-              <a:rPr lang="en-US" altLang="ko-KR" dirty="0"/>
-              <a:t>)</a:t>
-            </a:r>
-          </a:p>
-          <a:p>
-            <a:pPr marL="0" indent="0">
-              <a:buNone/>
-            </a:pPr>
-            <a:r>
-              <a:rPr lang="en-US" altLang="ko-KR" dirty="0"/>
-              <a:t> 1.</a:t>
-            </a:r>
-            <a:r>
-              <a:rPr lang="ko-KR" altLang="en-US" dirty="0"/>
-              <a:t>식품</a:t>
-            </a:r>
-            <a:r>
-              <a:rPr lang="en-US" altLang="ko-KR" dirty="0"/>
-              <a:t>·</a:t>
-            </a:r>
-            <a:r>
-              <a:rPr lang="ko-KR" altLang="en-US" dirty="0"/>
-              <a:t>의약품</a:t>
-            </a:r>
-            <a:r>
-              <a:rPr lang="en-US" altLang="ko-KR" dirty="0"/>
-              <a:t>(17</a:t>
-            </a:r>
-            <a:r>
-              <a:rPr lang="ko-KR" altLang="en-US" dirty="0"/>
-              <a:t>명</a:t>
-            </a:r>
-            <a:r>
-              <a:rPr lang="en-US" altLang="ko-KR" dirty="0"/>
-              <a:t>) / 2.</a:t>
-            </a:r>
-            <a:r>
-              <a:rPr lang="ko-KR" altLang="en-US" dirty="0"/>
-              <a:t>미생물</a:t>
-            </a:r>
-            <a:r>
-              <a:rPr lang="en-US" altLang="ko-KR" dirty="0"/>
-              <a:t>·</a:t>
-            </a:r>
-            <a:r>
-              <a:rPr lang="ko-KR" altLang="en-US" dirty="0"/>
-              <a:t>분자생물학</a:t>
-            </a:r>
-            <a:r>
-              <a:rPr lang="en-US" altLang="ko-KR" dirty="0"/>
-              <a:t>(8</a:t>
-            </a:r>
-            <a:r>
-              <a:rPr lang="ko-KR" altLang="en-US" dirty="0"/>
-              <a:t>명</a:t>
-            </a:r>
-            <a:r>
-              <a:rPr lang="en-US" altLang="ko-KR" dirty="0"/>
-              <a:t>) / 3.</a:t>
-            </a:r>
-            <a:r>
-              <a:rPr lang="ko-KR" altLang="en-US" dirty="0"/>
-              <a:t>환경</a:t>
-            </a:r>
-            <a:r>
-              <a:rPr lang="en-US" altLang="ko-KR" dirty="0"/>
-              <a:t>(25</a:t>
-            </a:r>
-            <a:r>
-              <a:rPr lang="ko-KR" altLang="en-US" dirty="0"/>
-              <a:t>명</a:t>
-            </a:r>
-            <a:r>
-              <a:rPr lang="en-US" altLang="ko-KR" dirty="0"/>
-              <a:t>)</a:t>
-            </a:r>
-          </a:p>
-          <a:p>
-            <a:pPr marL="0" indent="0">
-              <a:buNone/>
-            </a:pPr>
-            <a:r>
-              <a:rPr lang="en-US" altLang="ko-KR" dirty="0"/>
-              <a:t>※ </a:t>
-            </a:r>
-            <a:r>
-              <a:rPr lang="ko-KR" altLang="en-US" dirty="0"/>
-              <a:t>모집인원의 </a:t>
-            </a:r>
-            <a:r>
-              <a:rPr lang="en-US" altLang="ko-KR" dirty="0"/>
-              <a:t>10% </a:t>
-            </a:r>
-            <a:r>
-              <a:rPr lang="ko-KR" altLang="en-US" dirty="0"/>
-              <a:t>추가 예비 선발</a:t>
-            </a:r>
-            <a:r>
-              <a:rPr lang="en-US" altLang="ko-KR" dirty="0"/>
-              <a:t>(</a:t>
-            </a:r>
-            <a:r>
-              <a:rPr lang="ko-KR" altLang="en-US" dirty="0"/>
-              <a:t>식품</a:t>
-            </a:r>
-            <a:r>
-              <a:rPr lang="en-US" altLang="ko-KR" dirty="0"/>
-              <a:t>·</a:t>
-            </a:r>
-            <a:r>
-              <a:rPr lang="ko-KR" altLang="en-US" dirty="0"/>
-              <a:t>의약품 </a:t>
-            </a:r>
-            <a:r>
-              <a:rPr lang="en-US" altLang="ko-KR" dirty="0"/>
-              <a:t>2</a:t>
-            </a:r>
-            <a:r>
-              <a:rPr lang="ko-KR" altLang="en-US" dirty="0"/>
-              <a:t>명 </a:t>
-            </a:r>
-            <a:r>
-              <a:rPr lang="en-US" altLang="ko-KR" dirty="0"/>
-              <a:t>/ </a:t>
-            </a:r>
-            <a:r>
-              <a:rPr lang="ko-KR" altLang="en-US" dirty="0"/>
-              <a:t>미생물</a:t>
-            </a:r>
-            <a:r>
-              <a:rPr lang="en-US" altLang="ko-KR" dirty="0"/>
-              <a:t>·</a:t>
-            </a:r>
-            <a:r>
-              <a:rPr lang="ko-KR" altLang="en-US" dirty="0"/>
-              <a:t>분자생물학 </a:t>
-            </a:r>
-            <a:r>
-              <a:rPr lang="en-US" altLang="ko-KR" dirty="0"/>
-              <a:t>1</a:t>
-            </a:r>
-            <a:r>
-              <a:rPr lang="ko-KR" altLang="en-US" dirty="0"/>
-              <a:t>명 </a:t>
-            </a:r>
-            <a:r>
-              <a:rPr lang="en-US" altLang="ko-KR" dirty="0"/>
-              <a:t>/ </a:t>
-            </a:r>
-            <a:r>
-              <a:rPr lang="ko-KR" altLang="en-US" dirty="0"/>
-              <a:t>환경 </a:t>
-            </a:r>
-            <a:r>
-              <a:rPr lang="en-US" altLang="ko-KR" dirty="0"/>
-              <a:t>3</a:t>
-            </a:r>
-            <a:r>
-              <a:rPr lang="ko-KR" altLang="en-US" dirty="0"/>
-              <a:t>명</a:t>
-            </a:r>
-            <a:r>
-              <a:rPr lang="en-US" altLang="ko-KR" dirty="0"/>
-              <a:t>)</a:t>
-            </a:r>
-          </a:p>
-          <a:p>
-            <a:pPr marL="0" indent="0">
-              <a:buNone/>
-            </a:pPr>
-            <a:r>
-              <a:rPr lang="en-US" altLang="ko-KR" dirty="0"/>
-              <a:t>❍ </a:t>
-            </a:r>
-            <a:r>
-              <a:rPr lang="ko-KR" altLang="en-US" dirty="0"/>
-              <a:t>제출서류 </a:t>
-            </a:r>
-            <a:r>
-              <a:rPr lang="en-US" altLang="ko-KR" dirty="0"/>
-              <a:t>: 1. </a:t>
-            </a:r>
-            <a:r>
-              <a:rPr lang="ko-KR" altLang="en-US" dirty="0"/>
-              <a:t>재학</a:t>
-            </a:r>
-            <a:r>
-              <a:rPr lang="en-US" altLang="ko-KR" dirty="0"/>
-              <a:t>(</a:t>
-            </a:r>
-            <a:r>
-              <a:rPr lang="ko-KR" altLang="en-US" dirty="0"/>
-              <a:t>휴학</a:t>
-            </a:r>
-            <a:r>
-              <a:rPr lang="en-US" altLang="ko-KR" dirty="0"/>
-              <a:t>)</a:t>
-            </a:r>
-            <a:r>
-              <a:rPr lang="ko-KR" altLang="en-US" dirty="0"/>
-              <a:t>증명서</a:t>
-            </a:r>
-            <a:r>
-              <a:rPr lang="en-US" altLang="ko-KR" dirty="0"/>
-              <a:t>(</a:t>
-            </a:r>
-            <a:r>
-              <a:rPr lang="ko-KR" altLang="en-US" dirty="0"/>
-              <a:t>전공 및 </a:t>
-            </a:r>
-            <a:r>
-              <a:rPr lang="en-US" altLang="ko-KR" dirty="0"/>
-              <a:t>4</a:t>
-            </a:r>
-            <a:r>
-              <a:rPr lang="ko-KR" altLang="en-US" dirty="0"/>
-              <a:t>학기 이상 수료 확인용</a:t>
-            </a:r>
-            <a:r>
-              <a:rPr lang="en-US" altLang="ko-KR" dirty="0"/>
-              <a:t>)</a:t>
-            </a:r>
-          </a:p>
-          <a:p>
-            <a:pPr marL="0" indent="0">
-              <a:buNone/>
-            </a:pPr>
-            <a:r>
-              <a:rPr lang="en-US" altLang="ko-KR" dirty="0"/>
-              <a:t> 2. </a:t>
-            </a:r>
-            <a:r>
-              <a:rPr lang="ko-KR" altLang="en-US" dirty="0"/>
-              <a:t>개인정보이용동의서</a:t>
-            </a:r>
-            <a:r>
-              <a:rPr lang="en-US" altLang="ko-KR" dirty="0"/>
-              <a:t>(</a:t>
-            </a:r>
-            <a:r>
-              <a:rPr lang="ko-KR" altLang="en-US" dirty="0"/>
-              <a:t>자필서명 포함</a:t>
-            </a:r>
-            <a:r>
-              <a:rPr lang="en-US" altLang="ko-KR" dirty="0"/>
-              <a:t>)</a:t>
-            </a:r>
-          </a:p>
-          <a:p>
-            <a:pPr marL="0" indent="0">
-              <a:buNone/>
-            </a:pPr>
-            <a:r>
-              <a:rPr lang="en-US" altLang="ko-KR" dirty="0"/>
-              <a:t> 3. </a:t>
-            </a:r>
-            <a:r>
-              <a:rPr lang="ko-KR" altLang="en-US" dirty="0"/>
-              <a:t>실습 개시일 주민등록초본 지참 </a:t>
-            </a:r>
-            <a:r>
-              <a:rPr lang="en-US" altLang="ko-KR" dirty="0"/>
-              <a:t>– </a:t>
-            </a:r>
-            <a:r>
-              <a:rPr lang="ko-KR" altLang="en-US" dirty="0"/>
-              <a:t>확인 후 즉시 반환</a:t>
-            </a:r>
-          </a:p>
-          <a:p>
-            <a:pPr marL="0" indent="0">
-              <a:buNone/>
-            </a:pPr>
-            <a:r>
-              <a:rPr lang="ko-KR" altLang="en-US" dirty="0"/>
-              <a:t> </a:t>
-            </a:r>
-            <a:r>
-              <a:rPr lang="en-US" altLang="ko-KR" dirty="0"/>
-              <a:t>(</a:t>
-            </a:r>
-            <a:r>
-              <a:rPr lang="ko-KR" altLang="en-US" dirty="0"/>
-              <a:t>경기도 거주 확인용</a:t>
-            </a:r>
-            <a:r>
-              <a:rPr lang="en-US" altLang="ko-KR" dirty="0"/>
-              <a:t>, </a:t>
-            </a:r>
-            <a:r>
-              <a:rPr lang="ko-KR" altLang="en-US" dirty="0"/>
-              <a:t>신청일 기준</a:t>
-            </a:r>
-            <a:r>
-              <a:rPr lang="en-US" altLang="ko-KR" dirty="0"/>
-              <a:t>)_</a:t>
-            </a:r>
-            <a:r>
-              <a:rPr lang="ko-KR" altLang="en-US" dirty="0" err="1"/>
-              <a:t>접수사이트</a:t>
-            </a:r>
-            <a:r>
-              <a:rPr lang="ko-KR" altLang="en-US" dirty="0"/>
-              <a:t> 연계 검증 시 미확인</a:t>
-            </a:r>
-          </a:p>
-          <a:p>
-            <a:pPr marL="0" indent="0">
-              <a:buNone/>
-            </a:pPr>
-            <a:r>
-              <a:rPr lang="en-US" altLang="ko-KR" dirty="0"/>
-              <a:t>※ </a:t>
-            </a:r>
-            <a:r>
-              <a:rPr lang="ko-KR" altLang="en-US" dirty="0"/>
-              <a:t>제출서류 일체는 스캔하여 제출하며</a:t>
-            </a:r>
-            <a:r>
-              <a:rPr lang="en-US" altLang="ko-KR" dirty="0"/>
-              <a:t>, </a:t>
-            </a:r>
-            <a:r>
-              <a:rPr lang="ko-KR" altLang="en-US" dirty="0"/>
-              <a:t>서류 및 </a:t>
-            </a:r>
-            <a:r>
-              <a:rPr lang="ko-KR" altLang="en-US" dirty="0" err="1"/>
-              <a:t>작성항목</a:t>
-            </a:r>
-            <a:r>
-              <a:rPr lang="ko-KR" altLang="en-US" dirty="0"/>
-              <a:t> 미비 시 서류전형 탈락</a:t>
-            </a:r>
-          </a:p>
-          <a:p>
-            <a:pPr marL="0" indent="0">
-              <a:buNone/>
-            </a:pPr>
-            <a:r>
-              <a:rPr lang="ko-KR" altLang="en-US" dirty="0"/>
-              <a:t>❍ </a:t>
-            </a:r>
-            <a:r>
-              <a:rPr lang="ko-KR" altLang="en-US" dirty="0" err="1"/>
-              <a:t>선정발표</a:t>
-            </a:r>
-            <a:r>
-              <a:rPr lang="ko-KR" altLang="en-US" dirty="0"/>
-              <a:t> </a:t>
-            </a:r>
-            <a:r>
-              <a:rPr lang="en-US" altLang="ko-KR" dirty="0"/>
-              <a:t>: 2023. 6. 20.(</a:t>
-            </a:r>
-            <a:r>
-              <a:rPr lang="ko-KR" altLang="en-US" dirty="0"/>
-              <a:t>화</a:t>
-            </a:r>
-            <a:r>
-              <a:rPr lang="en-US" altLang="ko-KR" dirty="0"/>
-              <a:t>) 14:00 </a:t>
-            </a:r>
-            <a:r>
-              <a:rPr lang="ko-KR" altLang="en-US" dirty="0" err="1"/>
-              <a:t>경연구원</a:t>
-            </a:r>
-            <a:r>
-              <a:rPr lang="ko-KR" altLang="en-US" dirty="0"/>
-              <a:t> 홈페이지 게시 및 개별공지</a:t>
-            </a:r>
-          </a:p>
-          <a:p>
-            <a:pPr marL="0" indent="0">
-              <a:buNone/>
-            </a:pPr>
-            <a:r>
-              <a:rPr lang="ko-KR" altLang="en-US" dirty="0"/>
-              <a:t> </a:t>
-            </a:r>
-            <a:r>
-              <a:rPr lang="en-US" altLang="ko-KR" dirty="0"/>
-              <a:t>- </a:t>
-            </a:r>
-            <a:r>
-              <a:rPr lang="ko-KR" altLang="en-US" dirty="0"/>
-              <a:t>선정자 중 실습을 포기하거나 서류미비 시 예비자 추가 개별 통보</a:t>
-            </a:r>
-          </a:p>
-          <a:p>
-            <a:pPr marL="0" indent="0">
-              <a:buNone/>
-            </a:pPr>
-            <a:r>
-              <a:rPr lang="ko-KR" altLang="en-US" dirty="0"/>
-              <a:t>▢ 기타</a:t>
-            </a:r>
-          </a:p>
-          <a:p>
-            <a:pPr marL="0" indent="0">
-              <a:buNone/>
-            </a:pPr>
-            <a:r>
-              <a:rPr lang="ko-KR" altLang="en-US" dirty="0"/>
-              <a:t>❍ 식비</a:t>
-            </a:r>
-            <a:r>
-              <a:rPr lang="en-US" altLang="ko-KR" dirty="0"/>
-              <a:t>, </a:t>
-            </a:r>
-            <a:r>
-              <a:rPr lang="ko-KR" altLang="en-US" dirty="0"/>
-              <a:t>교통비는 추가 제공하지 않으며</a:t>
-            </a:r>
-            <a:r>
-              <a:rPr lang="en-US" altLang="ko-KR" dirty="0"/>
-              <a:t>, </a:t>
-            </a:r>
-            <a:r>
-              <a:rPr lang="ko-KR" altLang="en-US" dirty="0"/>
-              <a:t>교육 이수 후 ‘경기도보건환경</a:t>
-            </a:r>
-          </a:p>
-          <a:p>
-            <a:pPr marL="0" indent="0">
-              <a:buNone/>
-            </a:pPr>
-            <a:r>
-              <a:rPr lang="ko-KR" altLang="en-US" dirty="0"/>
-              <a:t>연구원장’ 명의의 수료증 발급 </a:t>
-            </a:r>
-            <a:r>
-              <a:rPr lang="en-US" altLang="ko-KR" dirty="0"/>
-              <a:t>※ 2</a:t>
-            </a:r>
-            <a:r>
-              <a:rPr lang="ko-KR" altLang="en-US" dirty="0"/>
-              <a:t>일 이상 결석 시 수료 불가</a:t>
-            </a:r>
-          </a:p>
-          <a:p>
-            <a:pPr marL="0" indent="0">
-              <a:buNone/>
-            </a:pPr>
-            <a:r>
-              <a:rPr lang="ko-KR" altLang="en-US" dirty="0"/>
-              <a:t>참고자료 </a:t>
-            </a:r>
-            <a:r>
-              <a:rPr lang="en-US" altLang="ko-KR" dirty="0"/>
-              <a:t>1. </a:t>
-            </a:r>
-            <a:r>
-              <a:rPr lang="ko-KR" altLang="en-US" dirty="0"/>
-              <a:t>현장실습 전체 운영 일정 요약</a:t>
-            </a:r>
-          </a:p>
-          <a:p>
-            <a:pPr marL="0" indent="0">
-              <a:buNone/>
-            </a:pPr>
-            <a:r>
-              <a:rPr lang="ko-KR" altLang="en-US" dirty="0"/>
-              <a:t> </a:t>
-            </a:r>
-            <a:r>
-              <a:rPr lang="en-US" altLang="ko-KR" dirty="0"/>
               <a:t>2. </a:t>
             </a:r>
             <a:r>
               <a:rPr lang="ko-KR" altLang="en-US" dirty="0"/>
-              <a:t>부서별 </a:t>
-            </a:r>
-            <a:r>
-              <a:rPr lang="ko-KR" altLang="en-US" dirty="0" err="1"/>
-              <a:t>업무실습</a:t>
-            </a:r>
-            <a:r>
-              <a:rPr lang="ko-KR" altLang="en-US" dirty="0"/>
-              <a:t> 내용</a:t>
+              <a:t>부서별 업무실습 내용</a:t>
             </a:r>
             <a:r>
               <a:rPr lang="en-US" altLang="ko-KR" dirty="0"/>
@@ -18047,7 +17359,7 @@
           <a:p>
             <a:r>
               <a:rPr lang="ko-KR" altLang="en-US" b="1" dirty="0"/>
-              <a:t>제주도 여행 관광지도</a:t>
+              <a:t>일본 여행 관광지도</a:t>
             </a:r>
           </a:p>
         </p:txBody>
@@ -18074,15 +17386,7 @@
             </a:pPr>
             <a:r>
               <a:rPr lang="ko-KR" altLang="en-US" sz="2000" b="1" dirty="0"/>
-              <a:t>위 일정을 지도에 나타낼 수 있는 </a:t>
-            </a:r>
-            <a:r>
-              <a:rPr lang="ko-KR" altLang="en-US" sz="2000" b="1" dirty="0" err="1"/>
-              <a:t>파이썬코드를</a:t>
-            </a:r>
-            <a:r>
-              <a:rPr lang="ko-KR" altLang="en-US" sz="2000" b="1" dirty="0"/>
-              <a:t> 작성해줘</a:t>
+              <a:t>위 일정을 지도에 나타낼 수 있는 파이썬코드를 작성해줘</a:t>
             </a:r>
             <a:r>
               <a:rPr lang="en-US" altLang="ko-KR" sz="2000" b="1" dirty="0"/>
@@ -18167,6 +17471,14 @@
             </a:r>
             <a:r>
               <a:rPr lang="ko-KR" altLang="en-US" sz="2000" dirty="0"/>
+              <a:t>일차</a:t>
+            </a:r>
+            <a:r>
+              <a:rPr lang="en-US" altLang="ko-KR" sz="2000" dirty="0"/>
+              <a:t>, 5</a:t>
+            </a:r>
+            <a:r>
+              <a:rPr lang="ko-KR" altLang="en-US" sz="2000" dirty="0"/>
               <a:t>일차 일 별 색을 구분해야 한다</a:t>
             </a:r>
             <a:r>
@@ -18179,12 +17491,21 @@
               <a:buAutoNum type="arabicPeriod"/>
             </a:pPr>
             <a:r>
-              <a:rPr lang="ko-KR" altLang="en-US" sz="2000" dirty="0" err="1"/>
-              <a:t>마커에</a:t>
-            </a:r>
-            <a:r>
               <a:rPr lang="ko-KR" altLang="en-US" sz="2000" dirty="0"/>
-              <a:t> 해당 관광지의 이름을 나타내야 한다</a:t>
+              <a:t>마커에 해당 관광지의 이름을 나타내야 한다</a:t>
+            </a:r>
+            <a:r>
+              <a:rPr lang="en-US" altLang="ko-KR" sz="2000" dirty="0"/>
+              <a:t>.</a:t>
+            </a:r>
+          </a:p>
+          <a:p>
+            <a:pPr marL="457200" indent="-457200">
+              <a:buAutoNum type="arabicPeriod"/>
+            </a:pPr>
+            <a:r>
+              <a:rPr lang="ko-KR" altLang="en-US" sz="2000" dirty="0"/>
+              <a:t>식당의 마커는 다른 모양으로 해줘</a:t>
             </a:r>
             <a:r>
               <a:rPr lang="en-US" altLang="ko-KR" sz="2000" dirty="0"/>
@@ -18267,15 +17588,7 @@
             </a:pPr>
             <a:r>
               <a:rPr lang="ko-KR" altLang="en-US" b="1" dirty="0"/>
-              <a:t>아래의 요구사항을 고려하여 </a:t>
-            </a:r>
-            <a:r>
-              <a:rPr lang="ko-KR" altLang="en-US" b="1" dirty="0" err="1"/>
-              <a:t>파이썬</a:t>
-            </a:r>
-            <a:r>
-              <a:rPr lang="ko-KR" altLang="en-US" b="1" dirty="0"/>
-              <a:t> 코드를 작성해줘</a:t>
+              <a:t>아래의 요구사항을 고려하여 파이썬 코드를 작성해줘</a:t>
             </a:r>
             <a:r>
               <a:rPr lang="en-US" altLang="ko-KR" b="1" dirty="0"/>
@@ -18302,15 +17615,7 @@
             </a:r>
             <a:r>
               <a:rPr lang="ko-KR" altLang="en-US" dirty="0"/>
-              <a:t>경도 정보가 저장된 </a:t>
-            </a:r>
-            <a:r>
-              <a:rPr lang="ko-KR" altLang="en-US" dirty="0" err="1"/>
-              <a:t>엑셀파일의</a:t>
-            </a:r>
-            <a:r>
-              <a:rPr lang="ko-KR" altLang="en-US" dirty="0"/>
-              <a:t> 이름은 </a:t>
+              <a:t>경도 정보가 저장된 엑셀파일의 이름은 </a:t>
             </a:r>
             <a:r>
               <a:rPr lang="en-US" altLang="ko-KR" dirty="0"/>
@@ -18342,12 +17647,8 @@
               <a:t>, </a:t>
             </a:r>
             <a:r>
-              <a:rPr lang="ko-KR" altLang="en-US" dirty="0" err="1"/>
-              <a:t>변수명은</a:t>
-            </a:r>
-            <a:r>
-              <a:rPr lang="ko-KR" altLang="en-US" dirty="0"/>
-              <a:t> 관광지</a:t>
+              <a:rPr lang="ko-KR" altLang="en-US" dirty="0"/>
+              <a:t>변수명은 관광지</a:t>
             </a:r>
             <a:r>
               <a:rPr lang="en-US" altLang="ko-KR" dirty="0"/>
@@ -18400,12 +17701,21 @@
               <a:buAutoNum type="arabicPeriod"/>
             </a:pPr>
             <a:r>
-              <a:rPr lang="ko-KR" altLang="en-US" dirty="0" err="1"/>
-              <a:t>관광지명이</a:t>
-            </a:r>
-            <a:r>
-              <a:rPr lang="ko-KR" altLang="en-US" dirty="0"/>
-              <a:t> 표시되어야 한다</a:t>
+              <a:rPr lang="ko-KR" altLang="en-US" dirty="0"/>
+              <a:t>관광지명이 표시되어야 한다</a:t>
+            </a:r>
+            <a:r>
+              <a:rPr lang="en-US" altLang="ko-KR" dirty="0"/>
+              <a:t>.</a:t>
+            </a:r>
+          </a:p>
+          <a:p>
+            <a:pPr marL="514350" indent="-514350">
+              <a:buAutoNum type="arabicPeriod"/>
+            </a:pPr>
+            <a:r>
+              <a:rPr lang="ko-KR" altLang="en-US" dirty="0"/>
+              <a:t>마우스를 마커에 올리면 관광지명이 표시되어야 한다</a:t>
             </a:r>
             <a:r>
               <a:rPr lang="en-US" altLang="ko-KR" dirty="0"/>
@@ -18599,12 +17909,8 @@
               <a:t>txt</a:t>
             </a:r>
             <a:r>
-              <a:rPr lang="ko-KR" altLang="en-US" sz="2400" dirty="0" err="1"/>
-              <a:t>파일안에</a:t>
-            </a:r>
-            <a:r>
               <a:rPr lang="ko-KR" altLang="en-US" sz="2400" dirty="0"/>
-              <a:t> </a:t>
+              <a:t>파일안에 </a:t>
             </a:r>
             <a:r>
               <a:rPr lang="en-US" altLang="ko-KR" sz="2400" dirty="0"/>
@@ -18635,7 +17941,7 @@
               <a:t>, </a:t>
             </a:r>
             <a:r>
-              <a:rPr lang="ko-KR" altLang="en-US" sz="2400" dirty="0" err="1"/>
+              <a:rPr lang="ko-KR" altLang="en-US" sz="2400" dirty="0"/>
               <a:t>이메일주소</a:t>
             </a:r>
             <a:r>
@@ -18651,20 +17957,8 @@
               <a:t> </a:t>
             </a:r>
             <a:r>
-              <a:rPr lang="ko-KR" altLang="en-US" sz="2400" dirty="0" err="1"/>
-              <a:t>담도록하는</a:t>
-            </a:r>
-            <a:r>
               <a:rPr lang="ko-KR" altLang="en-US" sz="2400" dirty="0"/>
-              <a:t> </a:t>
-            </a:r>
-            <a:r>
-              <a:rPr lang="ko-KR" altLang="en-US" sz="2400" dirty="0" err="1"/>
-              <a:t>파이썬</a:t>
-            </a:r>
-            <a:r>
-              <a:rPr lang="ko-KR" altLang="en-US" sz="2400" dirty="0"/>
-              <a:t> 코드를 작성해줘</a:t>
+              <a:t>담도록하는 파이썬 코드를 작성해줘</a:t>
             </a:r>
             <a:r>
               <a:rPr lang="en-US" altLang="ko-KR" sz="2400" dirty="0"/>
@@ -18907,15 +18201,7 @@
             </a:r>
             <a:r>
               <a:rPr lang="ko-KR" altLang="en-US" sz="1200" dirty="0"/>
-              <a:t>각 </a:t>
-            </a:r>
-            <a:r>
-              <a:rPr lang="ko-KR" altLang="en-US" sz="1200" dirty="0" err="1"/>
-              <a:t>이름별로</a:t>
-            </a:r>
-            <a:r>
-              <a:rPr lang="ko-KR" altLang="en-US" sz="1200" dirty="0"/>
-              <a:t> </a:t>
+              <a:t>각 이름별로 </a:t>
             </a:r>
             <a:r>
               <a:rPr lang="en-US" altLang="ko-KR" sz="1200" dirty="0"/>

--- a/프롬프트 시연.pptx
+++ b/프롬프트 시연.pptx
@@ -3236,111 +3236,67 @@
             </a:r>
             <a:r>
               <a:rPr lang="en-US" altLang="ko-KR" sz="1800" b="0" i="0" dirty="0">
-                <a:solidFill>
-                  <a:srgbClr val="374151"/>
-                </a:solidFill>
                 <a:effectLst/>
-                <a:latin typeface="Söhne"/>
               </a:rPr>
               <a:t>":" </a:t>
             </a:r>
             <a:r>
               <a:rPr lang="ko-KR" altLang="en-US" sz="1800" b="0" i="0" dirty="0">
-                <a:solidFill>
-                  <a:srgbClr val="374151"/>
-                </a:solidFill>
                 <a:effectLst/>
-                <a:latin typeface="Söhne"/>
               </a:rPr>
               <a:t>기호를 기준으로 문자열을 분리하고</a:t>
             </a:r>
             <a:r>
               <a:rPr lang="en-US" altLang="ko-KR" sz="1800" b="0" i="0" dirty="0">
-                <a:solidFill>
-                  <a:srgbClr val="374151"/>
-                </a:solidFill>
                 <a:effectLst/>
-                <a:latin typeface="Söhne"/>
               </a:rPr>
               <a:t>, </a:t>
             </a:r>
             <a:r>
               <a:rPr lang="ko-KR" altLang="en-US" sz="1800" b="0" i="0" dirty="0">
-                <a:solidFill>
-                  <a:srgbClr val="374151"/>
-                </a:solidFill>
                 <a:effectLst/>
-                <a:latin typeface="Söhne"/>
               </a:rPr>
               <a:t>분리된 문자열 중 두 번째 요소</a:t>
             </a:r>
             <a:r>
               <a:rPr lang="en-US" altLang="ko-KR" sz="1800" b="0" i="0" dirty="0">
-                <a:solidFill>
-                  <a:srgbClr val="374151"/>
-                </a:solidFill>
                 <a:effectLst/>
-                <a:latin typeface="Söhne"/>
               </a:rPr>
               <a:t>(</a:t>
             </a:r>
             <a:r>
               <a:rPr lang="ko-KR" altLang="en-US" sz="1800" b="0" i="0" dirty="0">
-                <a:solidFill>
-                  <a:srgbClr val="374151"/>
-                </a:solidFill>
                 <a:effectLst/>
-                <a:latin typeface="Söhne"/>
               </a:rPr>
               <a:t>즉</a:t>
             </a:r>
             <a:r>
               <a:rPr lang="en-US" altLang="ko-KR" sz="1800" b="0" i="0" dirty="0">
-                <a:solidFill>
-                  <a:srgbClr val="374151"/>
-                </a:solidFill>
                 <a:effectLst/>
-                <a:latin typeface="Söhne"/>
               </a:rPr>
               <a:t>, ":" </a:t>
             </a:r>
             <a:r>
               <a:rPr lang="ko-KR" altLang="en-US" sz="1800" b="0" i="0" dirty="0">
-                <a:solidFill>
-                  <a:srgbClr val="374151"/>
-                </a:solidFill>
                 <a:effectLst/>
-                <a:latin typeface="Söhne"/>
               </a:rPr>
               <a:t>뒤의 정보</a:t>
             </a:r>
             <a:r>
               <a:rPr lang="en-US" altLang="ko-KR" sz="1800" b="0" i="0" dirty="0">
-                <a:solidFill>
-                  <a:srgbClr val="374151"/>
-                </a:solidFill>
                 <a:effectLst/>
-                <a:latin typeface="Söhne"/>
               </a:rPr>
               <a:t>)</a:t>
             </a:r>
             <a:r>
               <a:rPr lang="ko-KR" altLang="en-US" sz="1800" b="0" i="0" dirty="0">
-                <a:solidFill>
-                  <a:srgbClr val="374151"/>
-                </a:solidFill>
                 <a:effectLst/>
-                <a:latin typeface="Söhne"/>
               </a:rPr>
               <a:t>를 추출한다</a:t>
             </a:r>
             <a:r>
               <a:rPr lang="en-US" altLang="ko-KR" sz="1800" b="0" i="0" dirty="0">
-                <a:solidFill>
-                  <a:srgbClr val="374151"/>
-                </a:solidFill>
                 <a:effectLst/>
-                <a:latin typeface="Söhne"/>
               </a:rPr>
               <a:t>.</a:t>
             </a:r>
@@ -3614,23 +3570,23 @@
               <a:buNone/>
             </a:pPr>
             <a:r>
-              <a:rPr lang="en-US" altLang="ko-KR" sz="1000" dirty="0"/>
+              <a:rPr lang="en-US" altLang="ko-KR" sz="1000" b="1" dirty="0"/>
               <a:t>"Python </a:t>
             </a:r>
             <a:r>
-              <a:rPr lang="ko-KR" altLang="en-US" sz="1000" dirty="0"/>
+              <a:rPr lang="ko-KR" altLang="en-US" sz="1000" b="1" dirty="0"/>
               <a:t>코드를 작성해주세요</a:t>
             </a:r>
             <a:r>
-              <a:rPr lang="en-US" altLang="ko-KR" sz="1000" dirty="0"/>
+              <a:rPr lang="en-US" altLang="ko-KR" sz="1000" b="1" dirty="0"/>
               <a:t>. </a:t>
             </a:r>
             <a:r>
-              <a:rPr lang="ko-KR" altLang="en-US" sz="1000" dirty="0"/>
+              <a:rPr lang="ko-KR" altLang="en-US" sz="1000" b="1" dirty="0"/>
               <a:t>이 코드는 다음의 기능을 포함해야 합니다</a:t>
             </a:r>
             <a:r>
-              <a:rPr lang="en-US" altLang="ko-KR" sz="1000" dirty="0"/>
+              <a:rPr lang="en-US" altLang="ko-KR" sz="1000" b="1" dirty="0"/>
               <a:t>:</a:t>
             </a:r>
           </a:p>
@@ -4325,18 +4281,58 @@
             </a:pPr>
             <a:r>
               <a:rPr lang="ko-KR" altLang="en-US" dirty="0"/>
-              <a:t>위 코드에서 성별이 남자인 사람들은 남자탭에</a:t>
+              <a:t>위 코드에서 성별이 </a:t>
+            </a:r>
+            <a:r>
+              <a:rPr lang="en-US" altLang="ko-KR" dirty="0" smtClean="0"/>
+              <a:t>“</a:t>
+            </a:r>
+            <a:r>
+              <a:rPr lang="ko-KR" altLang="en-US" dirty="0" smtClean="0"/>
+              <a:t>남</a:t>
+            </a:r>
+            <a:r>
+              <a:rPr lang="en-US" altLang="ko-KR" dirty="0" smtClean="0"/>
+              <a:t>＂</a:t>
+            </a:r>
+            <a:r>
+              <a:rPr lang="ko-KR" altLang="en-US" dirty="0" smtClean="0"/>
+              <a:t>인 </a:t>
+            </a:r>
+            <a:r>
+              <a:rPr lang="ko-KR" altLang="en-US" dirty="0"/>
+              <a:t>사람들은 남자탭에</a:t>
             </a:r>
             <a:r>
               <a:rPr lang="en-US" altLang="ko-KR" dirty="0"/>
               <a:t>, </a:t>
             </a:r>
             <a:r>
-              <a:rPr lang="ko-KR" altLang="en-US" dirty="0"/>
-              <a:t>여자인 사람들은 여자탭으로 저장해줘</a:t>
-            </a:r>
-            <a:r>
-              <a:rPr lang="en-US" altLang="ko-KR" dirty="0"/>
+              <a:rPr lang="en-US" altLang="ko-KR" dirty="0" smtClean="0"/>
+              <a:t>“</a:t>
+            </a:r>
+            <a:r>
+              <a:rPr lang="ko-KR" altLang="en-US" dirty="0" smtClean="0"/>
+              <a:t>여</a:t>
+            </a:r>
+            <a:r>
+              <a:rPr lang="en-US" altLang="ko-KR" dirty="0" smtClean="0"/>
+              <a:t>”</a:t>
+            </a:r>
+            <a:r>
+              <a:rPr lang="ko-KR" altLang="en-US" dirty="0" smtClean="0"/>
+              <a:t>인 사람들은 </a:t>
+            </a:r>
+            <a:r>
+              <a:rPr lang="ko-KR" altLang="en-US" dirty="0" err="1" smtClean="0"/>
+              <a:t>여자탭으로</a:t>
+            </a:r>
+            <a:r>
+              <a:rPr lang="ko-KR" altLang="en-US" dirty="0" smtClean="0"/>
+              <a:t> 분리해서 각각의 엑셀 탭에 저장하는 코드로 변경해줘</a:t>
+            </a:r>
+            <a:r>
+              <a:rPr lang="en-US" altLang="ko-KR" dirty="0" smtClean="0"/>
               <a:t>.</a:t>
             </a:r>
             <a:endParaRPr lang="ko-KR" altLang="en-US" dirty="0"/>
@@ -11488,6 +11484,10 @@
               <a:rPr lang="ko-KR" altLang="en-US" dirty="0"/>
               <a:t>수능문제 풀기</a:t>
             </a:r>
+            <a:r>
+              <a:rPr lang="en-US" altLang="ko-KR" dirty="0"/>
+              <a:t/>
+            </a:r>
             <a:br>
               <a:rPr lang="en-US" altLang="ko-KR" dirty="0"/>
             </a:br>
@@ -12400,7 +12400,7 @@
         <p:spPr/>
         <p:txBody>
           <a:bodyPr>
-            <a:normAutofit fontScale="40000" lnSpcReduction="20000"/>
+            <a:normAutofit fontScale="32500" lnSpcReduction="20000"/>
           </a:bodyPr>
           <a:lstStyle/>
           <a:p>
@@ -15636,12 +15636,12 @@
           <a:lstStyle/>
           <a:p>
             <a:r>
-              <a:rPr lang="ko-KR" altLang="en-US" b="1"/>
-              <a:t>일본 </a:t>
+              <a:rPr lang="ko-KR" altLang="en-US" b="1" dirty="0" smtClean="0"/>
+              <a:t>여행 </a:t>
             </a:r>
             <a:r>
               <a:rPr lang="ko-KR" altLang="en-US" b="1" dirty="0"/>
-              <a:t>여행 관광지도</a:t>
+              <a:t>관광지도</a:t>
             </a:r>
           </a:p>
         </p:txBody>
@@ -15667,19 +15667,39 @@
               <a:buNone/>
             </a:pPr>
             <a:r>
-              <a:rPr lang="ko-KR" altLang="en-US" sz="2000" b="1" dirty="0"/>
-              <a:t>여행계획 전문가가 되어 아래의 조건을 고려해서</a:t>
-            </a:r>
-            <a:r>
-              <a:rPr lang="en-US" altLang="ko-KR" sz="2000" b="1" dirty="0"/>
+              <a:rPr lang="ko-KR" altLang="en-US" dirty="0"/>
+              <a:t>한국 제주도에 도착해서 </a:t>
+            </a:r>
+            <a:r>
+              <a:rPr lang="en-US" altLang="ko-KR" dirty="0"/>
+              <a:t>3</a:t>
+            </a:r>
+            <a:r>
+              <a:rPr lang="ko-KR" altLang="en-US" dirty="0"/>
+              <a:t>박 </a:t>
+            </a:r>
+            <a:r>
+              <a:rPr lang="en-US" altLang="ko-KR" dirty="0"/>
+              <a:t>4</a:t>
+            </a:r>
+            <a:r>
+              <a:rPr lang="ko-KR" altLang="en-US" dirty="0"/>
+              <a:t>일간 자동차로 여행을 </a:t>
+            </a:r>
+            <a:r>
+              <a:rPr lang="ko-KR" altLang="en-US" dirty="0" err="1"/>
+              <a:t>떠나려해</a:t>
+            </a:r>
+            <a:r>
+              <a:rPr lang="en-US" altLang="ko-KR" dirty="0"/>
               <a:t>, </a:t>
             </a:r>
             <a:r>
-              <a:rPr lang="ko-KR" altLang="en-US" sz="2000" b="1" dirty="0"/>
-              <a:t>여행 계획을 작성해줘</a:t>
-            </a:r>
-            <a:r>
-              <a:rPr lang="en-US" altLang="ko-KR" sz="2000" b="1" dirty="0"/>
+              <a:rPr lang="ko-KR" altLang="en-US" dirty="0"/>
+              <a:t>마지막 날에는 제주국제공항에 도착해야한다</a:t>
+            </a:r>
+            <a:r>
+              <a:rPr lang="en-US" altLang="ko-KR" dirty="0" smtClean="0"/>
               <a:t>.</a:t>
             </a:r>
           </a:p>
@@ -15687,123 +15707,113 @@
             <a:pPr marL="0" indent="0">
               <a:buNone/>
             </a:pPr>
-            <a:endParaRPr lang="en-US" altLang="ko-KR" sz="2000" dirty="0"/>
-          </a:p>
-          <a:p>
-            <a:pPr marL="457200" indent="-457200">
-              <a:buAutoNum type="arabicPeriod"/>
-            </a:pPr>
-            <a:r>
-              <a:rPr lang="ko-KR" altLang="en-US" sz="2000" dirty="0"/>
-              <a:t>인천공항에서 출발하여</a:t>
-            </a:r>
-            <a:r>
-              <a:rPr lang="en-US" altLang="ko-KR" sz="2000" dirty="0"/>
+            <a:r>
+              <a:rPr lang="ko-KR" altLang="en-US" dirty="0" smtClean="0"/>
+              <a:t>여행중 </a:t>
+            </a:r>
+            <a:r>
+              <a:rPr lang="ko-KR" altLang="en-US" dirty="0" err="1" smtClean="0"/>
+              <a:t>우도를</a:t>
+            </a:r>
+            <a:r>
+              <a:rPr lang="ko-KR" altLang="en-US" dirty="0" smtClean="0"/>
+              <a:t> </a:t>
+            </a:r>
+            <a:r>
+              <a:rPr lang="ko-KR" altLang="en-US" dirty="0" err="1"/>
+              <a:t>들려야하고</a:t>
+            </a:r>
+            <a:r>
+              <a:rPr lang="en-US" altLang="ko-KR" dirty="0"/>
               <a:t>, </a:t>
             </a:r>
             <a:r>
-              <a:rPr lang="ko-KR" altLang="en-US" sz="2000" dirty="0"/>
-              <a:t>일본 나고야에 도착해서 </a:t>
-            </a:r>
-            <a:r>
-              <a:rPr lang="en-US" altLang="ko-KR" sz="2000" dirty="0"/>
-              <a:t>4</a:t>
-            </a:r>
-            <a:r>
-              <a:rPr lang="ko-KR" altLang="en-US" sz="2000" dirty="0"/>
-              <a:t>박 </a:t>
-            </a:r>
-            <a:r>
-              <a:rPr lang="en-US" altLang="ko-KR" sz="2000" dirty="0"/>
-              <a:t>5</a:t>
-            </a:r>
-            <a:r>
-              <a:rPr lang="ko-KR" altLang="en-US" sz="2000" dirty="0"/>
-              <a:t>일 간 배낭 여행을 떠나려 한다</a:t>
-            </a:r>
-            <a:r>
-              <a:rPr lang="en-US" altLang="ko-KR" sz="2000" dirty="0"/>
+              <a:rPr lang="ko-KR" altLang="en-US" dirty="0" err="1" smtClean="0"/>
+              <a:t>섭지코지</a:t>
+            </a:r>
+            <a:r>
+              <a:rPr lang="en-US" altLang="ko-KR" dirty="0" smtClean="0"/>
+              <a:t>, </a:t>
+            </a:r>
+            <a:r>
+              <a:rPr lang="ko-KR" altLang="en-US" dirty="0" smtClean="0"/>
+              <a:t>성산일출봉을 들려야 한다</a:t>
+            </a:r>
+            <a:r>
+              <a:rPr lang="en-US" altLang="ko-KR" dirty="0" smtClean="0"/>
               <a:t>.</a:t>
             </a:r>
-          </a:p>
-          <a:p>
-            <a:pPr marL="457200" indent="-457200">
-              <a:buAutoNum type="arabicPeriod"/>
-            </a:pPr>
-            <a:r>
-              <a:rPr lang="ko-KR" altLang="en-US" sz="2000" dirty="0"/>
-              <a:t>마지막 날에는 제주국제공항에 도착해야 한다</a:t>
-            </a:r>
-            <a:r>
-              <a:rPr lang="en-US" altLang="ko-KR" sz="2000" dirty="0"/>
+            <a:r>
+              <a:rPr lang="ko-KR" altLang="en-US" dirty="0" smtClean="0"/>
+              <a:t> 매일 관광지는 </a:t>
+            </a:r>
+            <a:r>
+              <a:rPr lang="en-US" altLang="ko-KR" dirty="0" smtClean="0"/>
+              <a:t>3</a:t>
+            </a:r>
+            <a:r>
+              <a:rPr lang="ko-KR" altLang="en-US" dirty="0" smtClean="0"/>
+              <a:t>개 정도 보고 싶다</a:t>
+            </a:r>
+            <a:r>
+              <a:rPr lang="en-US" altLang="ko-KR" dirty="0" smtClean="0"/>
+              <a:t>. </a:t>
+            </a:r>
+            <a:r>
+              <a:rPr lang="ko-KR" altLang="en-US" dirty="0" smtClean="0"/>
+              <a:t>관광지 주소도 함께 나타내주고</a:t>
+            </a:r>
+            <a:r>
+              <a:rPr lang="en-US" altLang="ko-KR" dirty="0" smtClean="0"/>
+              <a:t>, </a:t>
+            </a:r>
+            <a:r>
+              <a:rPr lang="ko-KR" altLang="en-US" dirty="0" smtClean="0"/>
+              <a:t>위의 </a:t>
+            </a:r>
+            <a:r>
+              <a:rPr lang="ko-KR" altLang="en-US" dirty="0"/>
+              <a:t>일정으로 여행 계획을 </a:t>
+            </a:r>
+            <a:r>
+              <a:rPr lang="ko-KR" altLang="en-US" dirty="0" smtClean="0"/>
+              <a:t>작성해줘</a:t>
+            </a:r>
+            <a:r>
+              <a:rPr lang="en-US" altLang="ko-KR" dirty="0" smtClean="0"/>
               <a:t>.</a:t>
             </a:r>
           </a:p>
           <a:p>
-            <a:pPr marL="457200" indent="-457200">
-              <a:buAutoNum type="arabicPeriod"/>
-            </a:pPr>
-            <a:r>
-              <a:rPr lang="ko-KR" altLang="en-US" sz="2000" dirty="0"/>
-              <a:t>매일 </a:t>
-            </a:r>
-            <a:r>
-              <a:rPr lang="en-US" altLang="ko-KR" sz="2000" dirty="0"/>
-              <a:t>5</a:t>
-            </a:r>
-            <a:r>
-              <a:rPr lang="ko-KR" altLang="en-US" sz="2000" dirty="0"/>
-              <a:t>가지 이상의 관광지를 방문해야 한다</a:t>
-            </a:r>
-            <a:r>
-              <a:rPr lang="en-US" altLang="ko-KR" sz="2000" dirty="0"/>
+            <a:pPr marL="0" indent="0">
+              <a:buNone/>
+            </a:pPr>
+            <a:endParaRPr lang="en-US" altLang="ko-KR" dirty="0"/>
+          </a:p>
+          <a:p>
+            <a:pPr marL="0" indent="0">
+              <a:buNone/>
+            </a:pPr>
+            <a:r>
+              <a:rPr lang="ko-KR" altLang="en-US" dirty="0" smtClean="0"/>
+              <a:t>위 일정의 관광지를 지도에 </a:t>
+            </a:r>
+            <a:r>
+              <a:rPr lang="ko-KR" altLang="en-US" dirty="0"/>
+              <a:t>나타내는 </a:t>
+            </a:r>
+            <a:r>
+              <a:rPr lang="ko-KR" altLang="en-US" dirty="0" err="1"/>
+              <a:t>파이썬</a:t>
+            </a:r>
+            <a:r>
+              <a:rPr lang="ko-KR" altLang="en-US" dirty="0"/>
+              <a:t> 코드를 작성해줘</a:t>
+            </a:r>
+            <a:r>
+              <a:rPr lang="en-US" altLang="ko-KR" dirty="0"/>
               <a:t>.</a:t>
             </a:r>
-          </a:p>
-          <a:p>
-            <a:pPr marL="457200" indent="-457200">
-              <a:buFont typeface="Arial" panose="020B0604020202020204" pitchFamily="34" charset="0"/>
-              <a:buAutoNum type="arabicPeriod"/>
-            </a:pPr>
-            <a:r>
-              <a:rPr lang="ko-KR" altLang="en-US" sz="2000" dirty="0"/>
-              <a:t>관광지 정보는 주소도 함께 제시되어야 한다</a:t>
-            </a:r>
-            <a:r>
-              <a:rPr lang="en-US" altLang="ko-KR" sz="2000" dirty="0"/>
-              <a:t>.</a:t>
-            </a:r>
-          </a:p>
-          <a:p>
-            <a:pPr marL="457200" indent="-457200">
-              <a:buAutoNum type="arabicPeriod"/>
-            </a:pPr>
-            <a:r>
-              <a:rPr lang="ko-KR" altLang="en-US" sz="2000" dirty="0"/>
-              <a:t>대중교통으로 이동하기 때문에 하루 동안 방문할 관광지가 서로 너무 멀지 않아야 한다</a:t>
-            </a:r>
-            <a:r>
-              <a:rPr lang="en-US" altLang="ko-KR" sz="2000" dirty="0"/>
-              <a:t>.</a:t>
-            </a:r>
-          </a:p>
-          <a:p>
-            <a:pPr marL="457200" indent="-457200">
-              <a:buAutoNum type="arabicPeriod"/>
-            </a:pPr>
-            <a:r>
-              <a:rPr lang="ko-KR" altLang="en-US" sz="2000" dirty="0"/>
-              <a:t>매일 저녁은 그 지역에서 가장 유명한 식당을 가고 싶다</a:t>
-            </a:r>
-            <a:r>
-              <a:rPr lang="en-US" altLang="ko-KR" sz="2000" dirty="0"/>
-              <a:t>.</a:t>
-            </a:r>
-          </a:p>
-          <a:p>
-            <a:pPr marL="457200" indent="-457200">
-              <a:buAutoNum type="arabicPeriod"/>
-            </a:pPr>
             <a:endParaRPr lang="en-US" altLang="ko-KR" sz="2000" dirty="0"/>
           </a:p>
         </p:txBody>
@@ -17358,8 +17368,12 @@
           <a:lstStyle/>
           <a:p>
             <a:r>
+              <a:rPr lang="ko-KR" altLang="en-US" b="1" dirty="0" smtClean="0"/>
+              <a:t>여행 </a:t>
+            </a:r>
+            <a:r>
               <a:rPr lang="ko-KR" altLang="en-US" b="1" dirty="0"/>
-              <a:t>일본 여행 관광지도</a:t>
+              <a:t>관광지도</a:t>
             </a:r>
           </a:p>
         </p:txBody>
@@ -17470,16 +17484,20 @@
               <a:t>, 4</a:t>
             </a:r>
             <a:r>
+              <a:rPr lang="ko-KR" altLang="en-US" sz="2000" dirty="0" smtClean="0"/>
+              <a:t>일차</a:t>
+            </a:r>
+            <a:r>
+              <a:rPr lang="en-US" altLang="ko-KR" sz="2000" dirty="0"/>
+              <a:t> </a:t>
+            </a:r>
+            <a:r>
+              <a:rPr lang="ko-KR" altLang="en-US" sz="2000" dirty="0" smtClean="0"/>
+              <a:t>일 </a:t>
+            </a:r>
+            <a:r>
               <a:rPr lang="ko-KR" altLang="en-US" sz="2000" dirty="0"/>
-              <a:t>일차</a:t>
-            </a:r>
-            <a:r>
-              <a:rPr lang="en-US" altLang="ko-KR" sz="2000" dirty="0"/>
-              <a:t>, 5</a:t>
-            </a:r>
-            <a:r>
-              <a:rPr lang="ko-KR" altLang="en-US" sz="2000" dirty="0"/>
-              <a:t>일차 일 별 색을 구분해야 한다</a:t>
+              <a:t>별 색을 구분해야 한다</a:t>
             </a:r>
             <a:r>
               <a:rPr lang="en-US" altLang="ko-KR" sz="2000" dirty="0"/>
@@ -17492,25 +17510,17 @@
             </a:pPr>
             <a:r>
               <a:rPr lang="ko-KR" altLang="en-US" sz="2000" dirty="0"/>
-              <a:t>마커에 해당 관광지의 이름을 나타내야 한다</a:t>
+              <a:t>마커에 해당 관광지의 이름을 나타내야 </a:t>
+            </a:r>
+            <a:r>
+              <a:rPr lang="ko-KR" altLang="en-US" sz="2000" dirty="0" smtClean="0"/>
+              <a:t>한다</a:t>
             </a:r>
             <a:r>
               <a:rPr lang="en-US" altLang="ko-KR" sz="2000" dirty="0"/>
               <a:t>.</a:t>
             </a:r>
-          </a:p>
-          <a:p>
-            <a:pPr marL="457200" indent="-457200">
-              <a:buAutoNum type="arabicPeriod"/>
-            </a:pPr>
-            <a:r>
-              <a:rPr lang="ko-KR" altLang="en-US" sz="2000" dirty="0"/>
-              <a:t>식당의 마커는 다른 모양으로 해줘</a:t>
-            </a:r>
-            <a:r>
-              <a:rPr lang="en-US" altLang="ko-KR" sz="2000" dirty="0"/>
-              <a:t>.</a:t>
-            </a:r>
+            <a:endParaRPr lang="en-US" altLang="ko-KR" sz="2000" dirty="0"/>
           </a:p>
         </p:txBody>
       </p:sp>
@@ -17579,7 +17589,7 @@
         <p:spPr/>
         <p:txBody>
           <a:bodyPr>
-            <a:normAutofit/>
+            <a:normAutofit lnSpcReduction="10000"/>
           </a:bodyPr>
           <a:lstStyle/>
           <a:p>
@@ -17606,27 +17616,15 @@
               <a:buAutoNum type="arabicPeriod"/>
             </a:pPr>
             <a:r>
-              <a:rPr lang="ko-KR" altLang="en-US" dirty="0"/>
-              <a:t>관광지 위도</a:t>
-            </a:r>
-            <a:r>
-              <a:rPr lang="en-US" altLang="ko-KR" dirty="0"/>
-              <a:t>, </a:t>
-            </a:r>
-            <a:r>
-              <a:rPr lang="ko-KR" altLang="en-US" dirty="0"/>
-              <a:t>경도 정보가 저장된 엑셀파일의 이름은 </a:t>
-            </a:r>
-            <a:r>
-              <a:rPr lang="en-US" altLang="ko-KR" dirty="0"/>
-              <a:t>Map_data.xlsx</a:t>
-            </a:r>
-            <a:r>
-              <a:rPr lang="ko-KR" altLang="en-US" dirty="0"/>
-              <a:t>이다</a:t>
-            </a:r>
-            <a:r>
-              <a:rPr lang="en-US" altLang="ko-KR" dirty="0"/>
+              <a:rPr lang="en-US" altLang="ko-KR" dirty="0" smtClean="0"/>
+              <a:t>UI</a:t>
+            </a:r>
+            <a:r>
+              <a:rPr lang="ko-KR" altLang="en-US" dirty="0" smtClean="0"/>
+              <a:t>를 이용해서 엑셀파일을 직접 선택할 수 있어야 한다</a:t>
+            </a:r>
+            <a:r>
+              <a:rPr lang="en-US" altLang="ko-KR" dirty="0" smtClean="0"/>
               <a:t>.</a:t>
             </a:r>
           </a:p>
@@ -17635,47 +17633,51 @@
               <a:buAutoNum type="arabicPeriod"/>
             </a:pPr>
             <a:r>
-              <a:rPr lang="en-US" altLang="ko-KR" dirty="0"/>
+              <a:rPr lang="en-US" altLang="ko-KR" dirty="0" smtClean="0"/>
               <a:t>Sheet1</a:t>
             </a:r>
             <a:r>
-              <a:rPr lang="ko-KR" altLang="en-US" dirty="0"/>
+              <a:rPr lang="ko-KR" altLang="en-US" dirty="0" smtClean="0"/>
               <a:t>에 관광 정보가 있으며</a:t>
             </a:r>
             <a:r>
-              <a:rPr lang="en-US" altLang="ko-KR" dirty="0"/>
+              <a:rPr lang="en-US" altLang="ko-KR" dirty="0" smtClean="0"/>
               <a:t>, </a:t>
             </a:r>
             <a:r>
-              <a:rPr lang="ko-KR" altLang="en-US" dirty="0"/>
-              <a:t>변수명은 관광지</a:t>
-            </a:r>
-            <a:r>
-              <a:rPr lang="en-US" altLang="ko-KR" dirty="0"/>
+              <a:rPr lang="ko-KR" altLang="en-US" dirty="0" err="1" smtClean="0"/>
+              <a:t>변수명은</a:t>
+            </a:r>
+            <a:r>
+              <a:rPr lang="ko-KR" altLang="en-US" dirty="0" smtClean="0"/>
+              <a:t> 관광지</a:t>
+            </a:r>
+            <a:r>
+              <a:rPr lang="en-US" altLang="ko-KR" dirty="0" smtClean="0"/>
               <a:t>, </a:t>
             </a:r>
             <a:r>
-              <a:rPr lang="ko-KR" altLang="en-US" dirty="0"/>
+              <a:rPr lang="ko-KR" altLang="en-US" dirty="0" smtClean="0"/>
               <a:t>위도</a:t>
             </a:r>
             <a:r>
-              <a:rPr lang="en-US" altLang="ko-KR" dirty="0"/>
+              <a:rPr lang="en-US" altLang="ko-KR" dirty="0" smtClean="0"/>
               <a:t>, </a:t>
             </a:r>
             <a:r>
-              <a:rPr lang="ko-KR" altLang="en-US" dirty="0"/>
+              <a:rPr lang="ko-KR" altLang="en-US" dirty="0" smtClean="0"/>
               <a:t>경도로 </a:t>
             </a:r>
             <a:r>
-              <a:rPr lang="en-US" altLang="ko-KR" dirty="0"/>
+              <a:rPr lang="en-US" altLang="ko-KR" dirty="0" smtClean="0"/>
               <a:t>A1:C1</a:t>
             </a:r>
             <a:r>
-              <a:rPr lang="ko-KR" altLang="en-US" dirty="0"/>
+              <a:rPr lang="ko-KR" altLang="en-US" dirty="0" smtClean="0"/>
               <a:t>에 있다</a:t>
             </a:r>
             <a:r>
-              <a:rPr lang="en-US" altLang="ko-KR" dirty="0"/>
+              <a:rPr lang="en-US" altLang="ko-KR" dirty="0" smtClean="0"/>
               <a:t>.</a:t>
             </a:r>
           </a:p>
@@ -17684,7 +17686,7 @@
               <a:buAutoNum type="arabicPeriod"/>
             </a:pPr>
             <a:r>
-              <a:rPr lang="en-US" altLang="ko-KR" dirty="0"/>
+              <a:rPr lang="en-US" altLang="ko-KR" dirty="0" smtClean="0"/>
               <a:t>Folium </a:t>
             </a:r>
             <a:r>
@@ -17718,9 +17720,35 @@
               <a:t>마우스를 마커에 올리면 관광지명이 표시되어야 한다</a:t>
             </a:r>
             <a:r>
-              <a:rPr lang="en-US" altLang="ko-KR" dirty="0"/>
+              <a:rPr lang="en-US" altLang="ko-KR" dirty="0" smtClean="0"/>
               <a:t>.</a:t>
             </a:r>
+          </a:p>
+          <a:p>
+            <a:pPr marL="514350" indent="-514350">
+              <a:buAutoNum type="arabicPeriod"/>
+            </a:pPr>
+            <a:r>
+              <a:rPr lang="ko-KR" altLang="en-US" dirty="0" err="1" smtClean="0"/>
+              <a:t>관광지명을</a:t>
+            </a:r>
+            <a:r>
+              <a:rPr lang="ko-KR" altLang="en-US" dirty="0" smtClean="0"/>
+              <a:t> 검색할 수 있는 </a:t>
+            </a:r>
+            <a:r>
+              <a:rPr lang="en-US" altLang="ko-KR" dirty="0" smtClean="0"/>
+              <a:t>Search </a:t>
+            </a:r>
+            <a:r>
+              <a:rPr lang="ko-KR" altLang="en-US" dirty="0" smtClean="0"/>
+              <a:t>컨트롤을 추가해줘</a:t>
+            </a:r>
+            <a:r>
+              <a:rPr lang="en-US" altLang="ko-KR" dirty="0" smtClean="0"/>
+              <a:t>.</a:t>
+            </a:r>
+            <a:endParaRPr lang="en-US" altLang="ko-KR" dirty="0"/>
           </a:p>
         </p:txBody>
       </p:sp>
